--- a/Step03-Deployment_Automatization_speach.pptx
+++ b/Step03-Deployment_Automatization_speach.pptx
@@ -2933,615 +2933,6 @@
     </pc:docChg>
   </pc:docChgLst>
   <pc:docChgLst>
-    <pc:chgData name="Ihor Aleksandrov" userId="c3051032-6b87-4db2-b257-777a0106fbd9" providerId="ADAL" clId="{EA2B8A7D-3C52-4D81-9662-EF0FB964F7A9}"/>
-    <pc:docChg chg="undo custSel addSld delSld modSld addMainMaster">
-      <pc:chgData name="Ihor Aleksandrov" userId="c3051032-6b87-4db2-b257-777a0106fbd9" providerId="ADAL" clId="{EA2B8A7D-3C52-4D81-9662-EF0FB964F7A9}" dt="2024-01-24T16:33:04.330" v="132" actId="1076"/>
-      <pc:docMkLst>
-        <pc:docMk/>
-      </pc:docMkLst>
-      <pc:sldChg chg="addSp modSp mod">
-        <pc:chgData name="Ihor Aleksandrov" userId="c3051032-6b87-4db2-b257-777a0106fbd9" providerId="ADAL" clId="{EA2B8A7D-3C52-4D81-9662-EF0FB964F7A9}" dt="2024-01-24T16:06:56.557" v="4" actId="1076"/>
-        <pc:sldMkLst>
-          <pc:docMk/>
-          <pc:sldMk cId="3270890867" sldId="257"/>
-        </pc:sldMkLst>
-        <pc:picChg chg="add mod">
-          <ac:chgData name="Ihor Aleksandrov" userId="c3051032-6b87-4db2-b257-777a0106fbd9" providerId="ADAL" clId="{EA2B8A7D-3C52-4D81-9662-EF0FB964F7A9}" dt="2024-01-24T16:06:56.557" v="4" actId="1076"/>
-          <ac:picMkLst>
-            <pc:docMk/>
-            <pc:sldMk cId="3270890867" sldId="257"/>
-            <ac:picMk id="3" creationId="{4E689865-968D-3D93-994B-3AAC3051378B}"/>
-          </ac:picMkLst>
-        </pc:picChg>
-      </pc:sldChg>
-      <pc:sldChg chg="addSp delSp modSp mod">
-        <pc:chgData name="Ihor Aleksandrov" userId="c3051032-6b87-4db2-b257-777a0106fbd9" providerId="ADAL" clId="{EA2B8A7D-3C52-4D81-9662-EF0FB964F7A9}" dt="2024-01-24T16:10:01.112" v="22" actId="21"/>
-        <pc:sldMkLst>
-          <pc:docMk/>
-          <pc:sldMk cId="3417182101" sldId="258"/>
-        </pc:sldMkLst>
-        <pc:spChg chg="add mod">
-          <ac:chgData name="Ihor Aleksandrov" userId="c3051032-6b87-4db2-b257-777a0106fbd9" providerId="ADAL" clId="{EA2B8A7D-3C52-4D81-9662-EF0FB964F7A9}" dt="2024-01-24T16:08:27.998" v="15" actId="14100"/>
-          <ac:spMkLst>
-            <pc:docMk/>
-            <pc:sldMk cId="3417182101" sldId="258"/>
-            <ac:spMk id="5" creationId="{3101D806-403A-F079-818A-1207B8442687}"/>
-          </ac:spMkLst>
-        </pc:spChg>
-        <pc:picChg chg="add mod">
-          <ac:chgData name="Ihor Aleksandrov" userId="c3051032-6b87-4db2-b257-777a0106fbd9" providerId="ADAL" clId="{EA2B8A7D-3C52-4D81-9662-EF0FB964F7A9}" dt="2024-01-24T16:07:17.540" v="7" actId="1076"/>
-          <ac:picMkLst>
-            <pc:docMk/>
-            <pc:sldMk cId="3417182101" sldId="258"/>
-            <ac:picMk id="3" creationId="{73192EE5-F292-E8DF-78BB-C480918593D9}"/>
-          </ac:picMkLst>
-        </pc:picChg>
-        <pc:picChg chg="add del">
-          <ac:chgData name="Ihor Aleksandrov" userId="c3051032-6b87-4db2-b257-777a0106fbd9" providerId="ADAL" clId="{EA2B8A7D-3C52-4D81-9662-EF0FB964F7A9}" dt="2024-01-24T16:10:01.112" v="22" actId="21"/>
-          <ac:picMkLst>
-            <pc:docMk/>
-            <pc:sldMk cId="3417182101" sldId="258"/>
-            <ac:picMk id="6" creationId="{C576D1E6-CE0C-96E3-680F-E1B2C62F8CF7}"/>
-          </ac:picMkLst>
-        </pc:picChg>
-      </pc:sldChg>
-      <pc:sldChg chg="addSp delSp modSp add del mod">
-        <pc:chgData name="Ihor Aleksandrov" userId="c3051032-6b87-4db2-b257-777a0106fbd9" providerId="ADAL" clId="{EA2B8A7D-3C52-4D81-9662-EF0FB964F7A9}" dt="2024-01-24T16:09:34.630" v="18" actId="47"/>
-        <pc:sldMkLst>
-          <pc:docMk/>
-          <pc:sldMk cId="1989911605" sldId="259"/>
-        </pc:sldMkLst>
-        <pc:picChg chg="del">
-          <ac:chgData name="Ihor Aleksandrov" userId="c3051032-6b87-4db2-b257-777a0106fbd9" providerId="ADAL" clId="{EA2B8A7D-3C52-4D81-9662-EF0FB964F7A9}" dt="2024-01-24T16:07:27.525" v="9" actId="478"/>
-          <ac:picMkLst>
-            <pc:docMk/>
-            <pc:sldMk cId="1989911605" sldId="259"/>
-            <ac:picMk id="3" creationId="{73192EE5-F292-E8DF-78BB-C480918593D9}"/>
-          </ac:picMkLst>
-        </pc:picChg>
-        <pc:picChg chg="add del mod">
-          <ac:chgData name="Ihor Aleksandrov" userId="c3051032-6b87-4db2-b257-777a0106fbd9" providerId="ADAL" clId="{EA2B8A7D-3C52-4D81-9662-EF0FB964F7A9}" dt="2024-01-24T16:09:28.758" v="16" actId="21"/>
-          <ac:picMkLst>
-            <pc:docMk/>
-            <pc:sldMk cId="1989911605" sldId="259"/>
-            <ac:picMk id="4" creationId="{9B699F11-38F0-D536-EC59-183316D30A0B}"/>
-          </ac:picMkLst>
-        </pc:picChg>
-      </pc:sldChg>
-      <pc:sldChg chg="addSp delSp modSp add mod">
-        <pc:chgData name="Ihor Aleksandrov" userId="c3051032-6b87-4db2-b257-777a0106fbd9" providerId="ADAL" clId="{EA2B8A7D-3C52-4D81-9662-EF0FB964F7A9}" dt="2024-01-24T16:10:33.240" v="28" actId="14100"/>
-        <pc:sldMkLst>
-          <pc:docMk/>
-          <pc:sldMk cId="2385514391" sldId="259"/>
-        </pc:sldMkLst>
-        <pc:spChg chg="add mod">
-          <ac:chgData name="Ihor Aleksandrov" userId="c3051032-6b87-4db2-b257-777a0106fbd9" providerId="ADAL" clId="{EA2B8A7D-3C52-4D81-9662-EF0FB964F7A9}" dt="2024-01-24T16:10:33.240" v="28" actId="14100"/>
-          <ac:spMkLst>
-            <pc:docMk/>
-            <pc:sldMk cId="2385514391" sldId="259"/>
-            <ac:spMk id="6" creationId="{115DFACF-1AA5-C3DC-C0A7-872F6D553428}"/>
-          </ac:spMkLst>
-        </pc:spChg>
-        <pc:picChg chg="add mod">
-          <ac:chgData name="Ihor Aleksandrov" userId="c3051032-6b87-4db2-b257-777a0106fbd9" providerId="ADAL" clId="{EA2B8A7D-3C52-4D81-9662-EF0FB964F7A9}" dt="2024-01-24T16:10:10.447" v="25" actId="1076"/>
-          <ac:picMkLst>
-            <pc:docMk/>
-            <pc:sldMk cId="2385514391" sldId="259"/>
-            <ac:picMk id="3" creationId="{94771F4B-C97E-4C7E-EE32-62B9CE4843E8}"/>
-          </ac:picMkLst>
-        </pc:picChg>
-        <pc:picChg chg="del">
-          <ac:chgData name="Ihor Aleksandrov" userId="c3051032-6b87-4db2-b257-777a0106fbd9" providerId="ADAL" clId="{EA2B8A7D-3C52-4D81-9662-EF0FB964F7A9}" dt="2024-01-24T16:09:56.379" v="21" actId="478"/>
-          <ac:picMkLst>
-            <pc:docMk/>
-            <pc:sldMk cId="2385514391" sldId="259"/>
-            <ac:picMk id="4" creationId="{385F9644-E8EA-6C22-DF80-DC79BE06769D}"/>
-          </ac:picMkLst>
-        </pc:picChg>
-      </pc:sldChg>
-      <pc:sldChg chg="addSp delSp modSp add mod">
-        <pc:chgData name="Ihor Aleksandrov" userId="c3051032-6b87-4db2-b257-777a0106fbd9" providerId="ADAL" clId="{EA2B8A7D-3C52-4D81-9662-EF0FB964F7A9}" dt="2024-01-24T16:14:38.639" v="41" actId="14100"/>
-        <pc:sldMkLst>
-          <pc:docMk/>
-          <pc:sldMk cId="1272792471" sldId="260"/>
-        </pc:sldMkLst>
-        <pc:spChg chg="add del">
-          <ac:chgData name="Ihor Aleksandrov" userId="c3051032-6b87-4db2-b257-777a0106fbd9" providerId="ADAL" clId="{EA2B8A7D-3C52-4D81-9662-EF0FB964F7A9}" dt="2024-01-24T16:14:31.607" v="38" actId="22"/>
-          <ac:spMkLst>
-            <pc:docMk/>
-            <pc:sldMk cId="1272792471" sldId="260"/>
-            <ac:spMk id="6" creationId="{3FE0DD55-F1FF-817B-C521-E1B38C3903B5}"/>
-          </ac:spMkLst>
-        </pc:spChg>
-        <pc:spChg chg="add mod">
-          <ac:chgData name="Ihor Aleksandrov" userId="c3051032-6b87-4db2-b257-777a0106fbd9" providerId="ADAL" clId="{EA2B8A7D-3C52-4D81-9662-EF0FB964F7A9}" dt="2024-01-24T16:14:38.639" v="41" actId="14100"/>
-          <ac:spMkLst>
-            <pc:docMk/>
-            <pc:sldMk cId="1272792471" sldId="260"/>
-            <ac:spMk id="8" creationId="{962CACC9-F2FB-EAE2-C7FA-A5DDED1544E9}"/>
-          </ac:spMkLst>
-        </pc:spChg>
-        <pc:picChg chg="add mod">
-          <ac:chgData name="Ihor Aleksandrov" userId="c3051032-6b87-4db2-b257-777a0106fbd9" providerId="ADAL" clId="{EA2B8A7D-3C52-4D81-9662-EF0FB964F7A9}" dt="2024-01-24T16:14:21.159" v="36" actId="1076"/>
-          <ac:picMkLst>
-            <pc:docMk/>
-            <pc:sldMk cId="1272792471" sldId="260"/>
-            <ac:picMk id="3" creationId="{1546C464-6844-1963-9CFB-73B9F3FB02A1}"/>
-          </ac:picMkLst>
-        </pc:picChg>
-        <pc:picChg chg="del">
-          <ac:chgData name="Ihor Aleksandrov" userId="c3051032-6b87-4db2-b257-777a0106fbd9" providerId="ADAL" clId="{EA2B8A7D-3C52-4D81-9662-EF0FB964F7A9}" dt="2024-01-24T16:14:01.347" v="31" actId="478"/>
-          <ac:picMkLst>
-            <pc:docMk/>
-            <pc:sldMk cId="1272792471" sldId="260"/>
-            <ac:picMk id="4" creationId="{385F9644-E8EA-6C22-DF80-DC79BE06769D}"/>
-          </ac:picMkLst>
-        </pc:picChg>
-      </pc:sldChg>
-      <pc:sldChg chg="addSp delSp modSp add del mod setBg delDesignElem">
-        <pc:chgData name="Ihor Aleksandrov" userId="c3051032-6b87-4db2-b257-777a0106fbd9" providerId="ADAL" clId="{EA2B8A7D-3C52-4D81-9662-EF0FB964F7A9}" dt="2024-01-24T16:18:02.567" v="53" actId="1076"/>
-        <pc:sldMkLst>
-          <pc:docMk/>
-          <pc:sldMk cId="3278151509" sldId="261"/>
-        </pc:sldMkLst>
-        <pc:spChg chg="mod">
-          <ac:chgData name="Ihor Aleksandrov" userId="c3051032-6b87-4db2-b257-777a0106fbd9" providerId="ADAL" clId="{EA2B8A7D-3C52-4D81-9662-EF0FB964F7A9}" dt="2024-01-24T16:17:36.102" v="47" actId="26606"/>
-          <ac:spMkLst>
-            <pc:docMk/>
-            <pc:sldMk cId="3278151509" sldId="261"/>
-            <ac:spMk id="2" creationId="{53C5D828-9666-E312-B574-9FE965A7D6BE}"/>
-          </ac:spMkLst>
-        </pc:spChg>
-        <pc:spChg chg="add del">
-          <ac:chgData name="Ihor Aleksandrov" userId="c3051032-6b87-4db2-b257-777a0106fbd9" providerId="ADAL" clId="{EA2B8A7D-3C52-4D81-9662-EF0FB964F7A9}" dt="2024-01-24T16:17:57.899" v="51" actId="22"/>
-          <ac:spMkLst>
-            <pc:docMk/>
-            <pc:sldMk cId="3278151509" sldId="261"/>
-            <ac:spMk id="5" creationId="{80C09514-761F-EDD8-1695-BBF5A6E5D9C0}"/>
-          </ac:spMkLst>
-        </pc:spChg>
-        <pc:spChg chg="add mod">
-          <ac:chgData name="Ihor Aleksandrov" userId="c3051032-6b87-4db2-b257-777a0106fbd9" providerId="ADAL" clId="{EA2B8A7D-3C52-4D81-9662-EF0FB964F7A9}" dt="2024-01-24T16:18:02.567" v="53" actId="1076"/>
-          <ac:spMkLst>
-            <pc:docMk/>
-            <pc:sldMk cId="3278151509" sldId="261"/>
-            <ac:spMk id="7" creationId="{01126049-0F88-3BD5-09AE-A83AF81ABE26}"/>
-          </ac:spMkLst>
-        </pc:spChg>
-        <pc:spChg chg="add">
-          <ac:chgData name="Ihor Aleksandrov" userId="c3051032-6b87-4db2-b257-777a0106fbd9" providerId="ADAL" clId="{EA2B8A7D-3C52-4D81-9662-EF0FB964F7A9}" dt="2024-01-24T16:17:36.102" v="47" actId="26606"/>
-          <ac:spMkLst>
-            <pc:docMk/>
-            <pc:sldMk cId="3278151509" sldId="261"/>
-            <ac:spMk id="9" creationId="{D4771268-CB57-404A-9271-370EB28F6090}"/>
-          </ac:spMkLst>
-        </pc:spChg>
-        <pc:spChg chg="add del">
-          <ac:chgData name="Ihor Aleksandrov" userId="c3051032-6b87-4db2-b257-777a0106fbd9" providerId="ADAL" clId="{EA2B8A7D-3C52-4D81-9662-EF0FB964F7A9}" dt="2024-01-24T16:17:09.141" v="46"/>
-          <ac:spMkLst>
-            <pc:docMk/>
-            <pc:sldMk cId="3278151509" sldId="261"/>
-            <ac:spMk id="24" creationId="{D4771268-CB57-404A-9271-370EB28F6090}"/>
-          </ac:spMkLst>
-        </pc:spChg>
-        <pc:picChg chg="mod ord">
-          <ac:chgData name="Ihor Aleksandrov" userId="c3051032-6b87-4db2-b257-777a0106fbd9" providerId="ADAL" clId="{EA2B8A7D-3C52-4D81-9662-EF0FB964F7A9}" dt="2024-01-24T16:17:46.040" v="49" actId="1076"/>
-          <ac:picMkLst>
-            <pc:docMk/>
-            <pc:sldMk cId="3278151509" sldId="261"/>
-            <ac:picMk id="4" creationId="{110B72A2-37FD-3982-5358-333497678F76}"/>
-          </ac:picMkLst>
-        </pc:picChg>
-      </pc:sldChg>
-      <pc:sldChg chg="addSp delSp modSp add mod setBg delDesignElem">
-        <pc:chgData name="Ihor Aleksandrov" userId="c3051032-6b87-4db2-b257-777a0106fbd9" providerId="ADAL" clId="{EA2B8A7D-3C52-4D81-9662-EF0FB964F7A9}" dt="2024-01-24T16:20:59.581" v="66" actId="1076"/>
-        <pc:sldMkLst>
-          <pc:docMk/>
-          <pc:sldMk cId="3670086471" sldId="262"/>
-        </pc:sldMkLst>
-        <pc:spChg chg="mod">
-          <ac:chgData name="Ihor Aleksandrov" userId="c3051032-6b87-4db2-b257-777a0106fbd9" providerId="ADAL" clId="{EA2B8A7D-3C52-4D81-9662-EF0FB964F7A9}" dt="2024-01-24T16:20:22.633" v="56" actId="26606"/>
-          <ac:spMkLst>
-            <pc:docMk/>
-            <pc:sldMk cId="3670086471" sldId="262"/>
-            <ac:spMk id="2" creationId="{53C5D828-9666-E312-B574-9FE965A7D6BE}"/>
-          </ac:spMkLst>
-        </pc:spChg>
-        <pc:spChg chg="add del">
-          <ac:chgData name="Ihor Aleksandrov" userId="c3051032-6b87-4db2-b257-777a0106fbd9" providerId="ADAL" clId="{EA2B8A7D-3C52-4D81-9662-EF0FB964F7A9}" dt="2024-01-24T16:20:43.237" v="60" actId="22"/>
-          <ac:spMkLst>
-            <pc:docMk/>
-            <pc:sldMk cId="3670086471" sldId="262"/>
-            <ac:spMk id="5" creationId="{87F45561-879D-7670-C001-865486ED03AA}"/>
-          </ac:spMkLst>
-        </pc:spChg>
-        <pc:spChg chg="add mod">
-          <ac:chgData name="Ihor Aleksandrov" userId="c3051032-6b87-4db2-b257-777a0106fbd9" providerId="ADAL" clId="{EA2B8A7D-3C52-4D81-9662-EF0FB964F7A9}" dt="2024-01-24T16:20:59.581" v="66" actId="1076"/>
-          <ac:spMkLst>
-            <pc:docMk/>
-            <pc:sldMk cId="3670086471" sldId="262"/>
-            <ac:spMk id="7" creationId="{0C7CD13E-FC32-AC89-26A1-AF80634998A4}"/>
-          </ac:spMkLst>
-        </pc:spChg>
-        <pc:spChg chg="add">
-          <ac:chgData name="Ihor Aleksandrov" userId="c3051032-6b87-4db2-b257-777a0106fbd9" providerId="ADAL" clId="{EA2B8A7D-3C52-4D81-9662-EF0FB964F7A9}" dt="2024-01-24T16:20:22.633" v="56" actId="26606"/>
-          <ac:spMkLst>
-            <pc:docMk/>
-            <pc:sldMk cId="3670086471" sldId="262"/>
-            <ac:spMk id="8" creationId="{D4771268-CB57-404A-9271-370EB28F6090}"/>
-          </ac:spMkLst>
-        </pc:spChg>
-        <pc:spChg chg="del">
-          <ac:chgData name="Ihor Aleksandrov" userId="c3051032-6b87-4db2-b257-777a0106fbd9" providerId="ADAL" clId="{EA2B8A7D-3C52-4D81-9662-EF0FB964F7A9}" dt="2024-01-24T16:20:18.797" v="55"/>
-          <ac:spMkLst>
-            <pc:docMk/>
-            <pc:sldMk cId="3670086471" sldId="262"/>
-            <ac:spMk id="24" creationId="{D4771268-CB57-404A-9271-370EB28F6090}"/>
-          </ac:spMkLst>
-        </pc:spChg>
-        <pc:picChg chg="mod ord">
-          <ac:chgData name="Ihor Aleksandrov" userId="c3051032-6b87-4db2-b257-777a0106fbd9" providerId="ADAL" clId="{EA2B8A7D-3C52-4D81-9662-EF0FB964F7A9}" dt="2024-01-24T16:20:28.992" v="58" actId="1076"/>
-          <ac:picMkLst>
-            <pc:docMk/>
-            <pc:sldMk cId="3670086471" sldId="262"/>
-            <ac:picMk id="3" creationId="{05A9FF40-DCEC-8E82-7C4D-BDBC1FAB1FDA}"/>
-          </ac:picMkLst>
-        </pc:picChg>
-      </pc:sldChg>
-      <pc:sldChg chg="addSp delSp modSp add mod setBg delDesignElem">
-        <pc:chgData name="Ihor Aleksandrov" userId="c3051032-6b87-4db2-b257-777a0106fbd9" providerId="ADAL" clId="{EA2B8A7D-3C52-4D81-9662-EF0FB964F7A9}" dt="2024-01-24T16:23:06.581" v="73" actId="1076"/>
-        <pc:sldMkLst>
-          <pc:docMk/>
-          <pc:sldMk cId="2476824021" sldId="263"/>
-        </pc:sldMkLst>
-        <pc:spChg chg="mod">
-          <ac:chgData name="Ihor Aleksandrov" userId="c3051032-6b87-4db2-b257-777a0106fbd9" providerId="ADAL" clId="{EA2B8A7D-3C52-4D81-9662-EF0FB964F7A9}" dt="2024-01-24T16:22:47.826" v="69" actId="26606"/>
-          <ac:spMkLst>
-            <pc:docMk/>
-            <pc:sldMk cId="2476824021" sldId="263"/>
-            <ac:spMk id="2" creationId="{53C5D828-9666-E312-B574-9FE965A7D6BE}"/>
-          </ac:spMkLst>
-        </pc:spChg>
-        <pc:spChg chg="add mod">
-          <ac:chgData name="Ihor Aleksandrov" userId="c3051032-6b87-4db2-b257-777a0106fbd9" providerId="ADAL" clId="{EA2B8A7D-3C52-4D81-9662-EF0FB964F7A9}" dt="2024-01-24T16:23:06.581" v="73" actId="1076"/>
-          <ac:spMkLst>
-            <pc:docMk/>
-            <pc:sldMk cId="2476824021" sldId="263"/>
-            <ac:spMk id="5" creationId="{E202FD3D-76E9-4318-0828-6FB8B5DBD2C5}"/>
-          </ac:spMkLst>
-        </pc:spChg>
-        <pc:spChg chg="add">
-          <ac:chgData name="Ihor Aleksandrov" userId="c3051032-6b87-4db2-b257-777a0106fbd9" providerId="ADAL" clId="{EA2B8A7D-3C52-4D81-9662-EF0FB964F7A9}" dt="2024-01-24T16:22:47.826" v="69" actId="26606"/>
-          <ac:spMkLst>
-            <pc:docMk/>
-            <pc:sldMk cId="2476824021" sldId="263"/>
-            <ac:spMk id="9" creationId="{D4771268-CB57-404A-9271-370EB28F6090}"/>
-          </ac:spMkLst>
-        </pc:spChg>
-        <pc:spChg chg="del">
-          <ac:chgData name="Ihor Aleksandrov" userId="c3051032-6b87-4db2-b257-777a0106fbd9" providerId="ADAL" clId="{EA2B8A7D-3C52-4D81-9662-EF0FB964F7A9}" dt="2024-01-24T16:22:44.812" v="68"/>
-          <ac:spMkLst>
-            <pc:docMk/>
-            <pc:sldMk cId="2476824021" sldId="263"/>
-            <ac:spMk id="24" creationId="{D4771268-CB57-404A-9271-370EB28F6090}"/>
-          </ac:spMkLst>
-        </pc:spChg>
-        <pc:picChg chg="mod">
-          <ac:chgData name="Ihor Aleksandrov" userId="c3051032-6b87-4db2-b257-777a0106fbd9" providerId="ADAL" clId="{EA2B8A7D-3C52-4D81-9662-EF0FB964F7A9}" dt="2024-01-24T16:22:54.712" v="71" actId="1076"/>
-          <ac:picMkLst>
-            <pc:docMk/>
-            <pc:sldMk cId="2476824021" sldId="263"/>
-            <ac:picMk id="4" creationId="{0A4A47BB-B86E-CE6D-6738-81D9FF41289F}"/>
-          </ac:picMkLst>
-        </pc:picChg>
-      </pc:sldChg>
-      <pc:sldChg chg="addSp delSp modSp add del mod setBg delDesignElem">
-        <pc:chgData name="Ihor Aleksandrov" userId="c3051032-6b87-4db2-b257-777a0106fbd9" providerId="ADAL" clId="{EA2B8A7D-3C52-4D81-9662-EF0FB964F7A9}" dt="2024-01-24T16:26:03.232" v="79" actId="47"/>
-        <pc:sldMkLst>
-          <pc:docMk/>
-          <pc:sldMk cId="303933854" sldId="264"/>
-        </pc:sldMkLst>
-        <pc:spChg chg="mod">
-          <ac:chgData name="Ihor Aleksandrov" userId="c3051032-6b87-4db2-b257-777a0106fbd9" providerId="ADAL" clId="{EA2B8A7D-3C52-4D81-9662-EF0FB964F7A9}" dt="2024-01-24T16:25:24.035" v="76" actId="26606"/>
-          <ac:spMkLst>
-            <pc:docMk/>
-            <pc:sldMk cId="303933854" sldId="264"/>
-            <ac:spMk id="2" creationId="{53C5D828-9666-E312-B574-9FE965A7D6BE}"/>
-          </ac:spMkLst>
-        </pc:spChg>
-        <pc:spChg chg="add">
-          <ac:chgData name="Ihor Aleksandrov" userId="c3051032-6b87-4db2-b257-777a0106fbd9" providerId="ADAL" clId="{EA2B8A7D-3C52-4D81-9662-EF0FB964F7A9}" dt="2024-01-24T16:25:24.035" v="76" actId="26606"/>
-          <ac:spMkLst>
-            <pc:docMk/>
-            <pc:sldMk cId="303933854" sldId="264"/>
-            <ac:spMk id="10" creationId="{53F29798-D584-4792-9B62-3F5F5C36D619}"/>
-          </ac:spMkLst>
-        </pc:spChg>
-        <pc:spChg chg="del">
-          <ac:chgData name="Ihor Aleksandrov" userId="c3051032-6b87-4db2-b257-777a0106fbd9" providerId="ADAL" clId="{EA2B8A7D-3C52-4D81-9662-EF0FB964F7A9}" dt="2024-01-24T16:25:20.099" v="75"/>
-          <ac:spMkLst>
-            <pc:docMk/>
-            <pc:sldMk cId="303933854" sldId="264"/>
-            <ac:spMk id="24" creationId="{D4771268-CB57-404A-9271-370EB28F6090}"/>
-          </ac:spMkLst>
-        </pc:spChg>
-        <pc:picChg chg="mod">
-          <ac:chgData name="Ihor Aleksandrov" userId="c3051032-6b87-4db2-b257-777a0106fbd9" providerId="ADAL" clId="{EA2B8A7D-3C52-4D81-9662-EF0FB964F7A9}" dt="2024-01-24T16:25:24.035" v="76" actId="26606"/>
-          <ac:picMkLst>
-            <pc:docMk/>
-            <pc:sldMk cId="303933854" sldId="264"/>
-            <ac:picMk id="3" creationId="{438AE1ED-C17A-0BC4-8D21-4B49E9F91B9F}"/>
-          </ac:picMkLst>
-        </pc:picChg>
-        <pc:picChg chg="mod ord">
-          <ac:chgData name="Ihor Aleksandrov" userId="c3051032-6b87-4db2-b257-777a0106fbd9" providerId="ADAL" clId="{EA2B8A7D-3C52-4D81-9662-EF0FB964F7A9}" dt="2024-01-24T16:25:24.035" v="76" actId="26606"/>
-          <ac:picMkLst>
-            <pc:docMk/>
-            <pc:sldMk cId="303933854" sldId="264"/>
-            <ac:picMk id="5" creationId="{699631DD-6035-BB9F-11EC-4E9F01F1D081}"/>
-          </ac:picMkLst>
-        </pc:picChg>
-      </pc:sldChg>
-      <pc:sldChg chg="delSp add del mod setBg delDesignElem">
-        <pc:chgData name="Ihor Aleksandrov" userId="c3051032-6b87-4db2-b257-777a0106fbd9" providerId="ADAL" clId="{EA2B8A7D-3C52-4D81-9662-EF0FB964F7A9}" dt="2024-01-24T16:26:15.663" v="82" actId="2696"/>
-        <pc:sldMkLst>
-          <pc:docMk/>
-          <pc:sldMk cId="3329585973" sldId="265"/>
-        </pc:sldMkLst>
-        <pc:spChg chg="del">
-          <ac:chgData name="Ihor Aleksandrov" userId="c3051032-6b87-4db2-b257-777a0106fbd9" providerId="ADAL" clId="{EA2B8A7D-3C52-4D81-9662-EF0FB964F7A9}" dt="2024-01-24T16:25:53.024" v="78"/>
-          <ac:spMkLst>
-            <pc:docMk/>
-            <pc:sldMk cId="3329585973" sldId="265"/>
-            <ac:spMk id="24" creationId="{D4771268-CB57-404A-9271-370EB28F6090}"/>
-          </ac:spMkLst>
-        </pc:spChg>
-        <pc:picChg chg="del">
-          <ac:chgData name="Ihor Aleksandrov" userId="c3051032-6b87-4db2-b257-777a0106fbd9" providerId="ADAL" clId="{EA2B8A7D-3C52-4D81-9662-EF0FB964F7A9}" dt="2024-01-24T16:26:11.119" v="81" actId="21"/>
-          <ac:picMkLst>
-            <pc:docMk/>
-            <pc:sldMk cId="3329585973" sldId="265"/>
-            <ac:picMk id="3" creationId="{438AE1ED-C17A-0BC4-8D21-4B49E9F91B9F}"/>
-          </ac:picMkLst>
-        </pc:picChg>
-        <pc:picChg chg="del">
-          <ac:chgData name="Ihor Aleksandrov" userId="c3051032-6b87-4db2-b257-777a0106fbd9" providerId="ADAL" clId="{EA2B8A7D-3C52-4D81-9662-EF0FB964F7A9}" dt="2024-01-24T16:26:11.119" v="81" actId="21"/>
-          <ac:picMkLst>
-            <pc:docMk/>
-            <pc:sldMk cId="3329585973" sldId="265"/>
-            <ac:picMk id="5" creationId="{699631DD-6035-BB9F-11EC-4E9F01F1D081}"/>
-          </ac:picMkLst>
-        </pc:picChg>
-      </pc:sldChg>
-      <pc:sldChg chg="delSp add del mod setBg delDesignElem">
-        <pc:chgData name="Ihor Aleksandrov" userId="c3051032-6b87-4db2-b257-777a0106fbd9" providerId="ADAL" clId="{EA2B8A7D-3C52-4D81-9662-EF0FB964F7A9}" dt="2024-01-24T16:30:49.711" v="105" actId="47"/>
-        <pc:sldMkLst>
-          <pc:docMk/>
-          <pc:sldMk cId="3569579791" sldId="265"/>
-        </pc:sldMkLst>
-        <pc:spChg chg="del">
-          <ac:chgData name="Ihor Aleksandrov" userId="c3051032-6b87-4db2-b257-777a0106fbd9" providerId="ADAL" clId="{EA2B8A7D-3C52-4D81-9662-EF0FB964F7A9}" dt="2024-01-24T16:30:40.099" v="103" actId="478"/>
-          <ac:spMkLst>
-            <pc:docMk/>
-            <pc:sldMk cId="3569579791" sldId="265"/>
-            <ac:spMk id="6" creationId="{E04F08BD-B70E-B1A8-7328-EE29B18E4AA1}"/>
-          </ac:spMkLst>
-        </pc:spChg>
-        <pc:spChg chg="del">
-          <ac:chgData name="Ihor Aleksandrov" userId="c3051032-6b87-4db2-b257-777a0106fbd9" providerId="ADAL" clId="{EA2B8A7D-3C52-4D81-9662-EF0FB964F7A9}" dt="2024-01-24T16:30:26.607" v="102"/>
-          <ac:spMkLst>
-            <pc:docMk/>
-            <pc:sldMk cId="3569579791" sldId="265"/>
-            <ac:spMk id="24" creationId="{D4771268-CB57-404A-9271-370EB28F6090}"/>
-          </ac:spMkLst>
-        </pc:spChg>
-      </pc:sldChg>
-      <pc:sldChg chg="addSp delSp modSp add mod">
-        <pc:chgData name="Ihor Aleksandrov" userId="c3051032-6b87-4db2-b257-777a0106fbd9" providerId="ADAL" clId="{EA2B8A7D-3C52-4D81-9662-EF0FB964F7A9}" dt="2024-01-24T16:27:15.280" v="97"/>
-        <pc:sldMkLst>
-          <pc:docMk/>
-          <pc:sldMk cId="1454947672" sldId="266"/>
-        </pc:sldMkLst>
-        <pc:spChg chg="mod">
-          <ac:chgData name="Ihor Aleksandrov" userId="c3051032-6b87-4db2-b257-777a0106fbd9" providerId="ADAL" clId="{EA2B8A7D-3C52-4D81-9662-EF0FB964F7A9}" dt="2024-01-24T16:27:15.280" v="97"/>
-          <ac:spMkLst>
-            <pc:docMk/>
-            <pc:sldMk cId="1454947672" sldId="266"/>
-            <ac:spMk id="2" creationId="{53C5D828-9666-E312-B574-9FE965A7D6BE}"/>
-          </ac:spMkLst>
-        </pc:spChg>
-        <pc:spChg chg="del mod">
-          <ac:chgData name="Ihor Aleksandrov" userId="c3051032-6b87-4db2-b257-777a0106fbd9" providerId="ADAL" clId="{EA2B8A7D-3C52-4D81-9662-EF0FB964F7A9}" dt="2024-01-24T16:26:42.413" v="88" actId="478"/>
-          <ac:spMkLst>
-            <pc:docMk/>
-            <pc:sldMk cId="1454947672" sldId="266"/>
-            <ac:spMk id="5" creationId="{E202FD3D-76E9-4318-0828-6FB8B5DBD2C5}"/>
-          </ac:spMkLst>
-        </pc:spChg>
-        <pc:spChg chg="add del">
-          <ac:chgData name="Ihor Aleksandrov" userId="c3051032-6b87-4db2-b257-777a0106fbd9" providerId="ADAL" clId="{EA2B8A7D-3C52-4D81-9662-EF0FB964F7A9}" dt="2024-01-24T16:26:47.309" v="90" actId="22"/>
-          <ac:spMkLst>
-            <pc:docMk/>
-            <pc:sldMk cId="1454947672" sldId="266"/>
-            <ac:spMk id="7" creationId="{EBBF43C8-41E2-AE32-94D4-F581BEA6FE8A}"/>
-          </ac:spMkLst>
-        </pc:spChg>
-        <pc:spChg chg="add mod">
-          <ac:chgData name="Ihor Aleksandrov" userId="c3051032-6b87-4db2-b257-777a0106fbd9" providerId="ADAL" clId="{EA2B8A7D-3C52-4D81-9662-EF0FB964F7A9}" dt="2024-01-24T16:26:50.235" v="92" actId="1076"/>
-          <ac:spMkLst>
-            <pc:docMk/>
-            <pc:sldMk cId="1454947672" sldId="266"/>
-            <ac:spMk id="10" creationId="{876EA409-9CED-1530-7AE1-2CE040ED9572}"/>
-          </ac:spMkLst>
-        </pc:spChg>
-        <pc:spChg chg="add del">
-          <ac:chgData name="Ihor Aleksandrov" userId="c3051032-6b87-4db2-b257-777a0106fbd9" providerId="ADAL" clId="{EA2B8A7D-3C52-4D81-9662-EF0FB964F7A9}" dt="2024-01-24T16:27:03.773" v="94" actId="22"/>
-          <ac:spMkLst>
-            <pc:docMk/>
-            <pc:sldMk cId="1454947672" sldId="266"/>
-            <ac:spMk id="12" creationId="{B2D7BD0E-CC55-1DD1-5742-E58CD9EC1D9B}"/>
-          </ac:spMkLst>
-        </pc:spChg>
-        <pc:spChg chg="add mod">
-          <ac:chgData name="Ihor Aleksandrov" userId="c3051032-6b87-4db2-b257-777a0106fbd9" providerId="ADAL" clId="{EA2B8A7D-3C52-4D81-9662-EF0FB964F7A9}" dt="2024-01-24T16:27:06.948" v="96" actId="1076"/>
-          <ac:spMkLst>
-            <pc:docMk/>
-            <pc:sldMk cId="1454947672" sldId="266"/>
-            <ac:spMk id="14" creationId="{51860035-8393-B608-A571-9F2BF673BAF4}"/>
-          </ac:spMkLst>
-        </pc:spChg>
-        <pc:picChg chg="add mod">
-          <ac:chgData name="Ihor Aleksandrov" userId="c3051032-6b87-4db2-b257-777a0106fbd9" providerId="ADAL" clId="{EA2B8A7D-3C52-4D81-9662-EF0FB964F7A9}" dt="2024-01-24T16:26:30.403" v="86" actId="1076"/>
-          <ac:picMkLst>
-            <pc:docMk/>
-            <pc:sldMk cId="1454947672" sldId="266"/>
-            <ac:picMk id="3" creationId="{4E45773B-3762-41A2-A15B-67E57E13AFF0}"/>
-          </ac:picMkLst>
-        </pc:picChg>
-        <pc:picChg chg="del">
-          <ac:chgData name="Ihor Aleksandrov" userId="c3051032-6b87-4db2-b257-777a0106fbd9" providerId="ADAL" clId="{EA2B8A7D-3C52-4D81-9662-EF0FB964F7A9}" dt="2024-01-24T16:26:26.334" v="85" actId="478"/>
-          <ac:picMkLst>
-            <pc:docMk/>
-            <pc:sldMk cId="1454947672" sldId="266"/>
-            <ac:picMk id="4" creationId="{0A4A47BB-B86E-CE6D-6738-81D9FF41289F}"/>
-          </ac:picMkLst>
-        </pc:picChg>
-      </pc:sldChg>
-      <pc:sldChg chg="addSp delSp modSp add mod">
-        <pc:chgData name="Ihor Aleksandrov" userId="c3051032-6b87-4db2-b257-777a0106fbd9" providerId="ADAL" clId="{EA2B8A7D-3C52-4D81-9662-EF0FB964F7A9}" dt="2024-01-24T16:31:25.335" v="112" actId="1076"/>
-        <pc:sldMkLst>
-          <pc:docMk/>
-          <pc:sldMk cId="361920255" sldId="267"/>
-        </pc:sldMkLst>
-        <pc:spChg chg="mod">
-          <ac:chgData name="Ihor Aleksandrov" userId="c3051032-6b87-4db2-b257-777a0106fbd9" providerId="ADAL" clId="{EA2B8A7D-3C52-4D81-9662-EF0FB964F7A9}" dt="2024-01-24T16:31:13.857" v="110"/>
-          <ac:spMkLst>
-            <pc:docMk/>
-            <pc:sldMk cId="361920255" sldId="267"/>
-            <ac:spMk id="2" creationId="{53C5D828-9666-E312-B574-9FE965A7D6BE}"/>
-          </ac:spMkLst>
-        </pc:spChg>
-        <pc:spChg chg="add mod">
-          <ac:chgData name="Ihor Aleksandrov" userId="c3051032-6b87-4db2-b257-777a0106fbd9" providerId="ADAL" clId="{EA2B8A7D-3C52-4D81-9662-EF0FB964F7A9}" dt="2024-01-24T16:31:25.335" v="112" actId="1076"/>
-          <ac:spMkLst>
-            <pc:docMk/>
-            <pc:sldMk cId="361920255" sldId="267"/>
-            <ac:spMk id="5" creationId="{02856B1C-9D37-7B11-BA48-D0E2FC265F83}"/>
-          </ac:spMkLst>
-        </pc:spChg>
-        <pc:spChg chg="del mod">
-          <ac:chgData name="Ihor Aleksandrov" userId="c3051032-6b87-4db2-b257-777a0106fbd9" providerId="ADAL" clId="{EA2B8A7D-3C52-4D81-9662-EF0FB964F7A9}" dt="2024-01-24T16:30:58.832" v="107" actId="478"/>
-          <ac:spMkLst>
-            <pc:docMk/>
-            <pc:sldMk cId="361920255" sldId="267"/>
-            <ac:spMk id="10" creationId="{876EA409-9CED-1530-7AE1-2CE040ED9572}"/>
-          </ac:spMkLst>
-        </pc:spChg>
-        <pc:spChg chg="del">
-          <ac:chgData name="Ihor Aleksandrov" userId="c3051032-6b87-4db2-b257-777a0106fbd9" providerId="ADAL" clId="{EA2B8A7D-3C52-4D81-9662-EF0FB964F7A9}" dt="2024-01-24T16:31:00.543" v="108" actId="478"/>
-          <ac:spMkLst>
-            <pc:docMk/>
-            <pc:sldMk cId="361920255" sldId="267"/>
-            <ac:spMk id="14" creationId="{51860035-8393-B608-A571-9F2BF673BAF4}"/>
-          </ac:spMkLst>
-        </pc:spChg>
-        <pc:picChg chg="del">
-          <ac:chgData name="Ihor Aleksandrov" userId="c3051032-6b87-4db2-b257-777a0106fbd9" providerId="ADAL" clId="{EA2B8A7D-3C52-4D81-9662-EF0FB964F7A9}" dt="2024-01-24T16:31:01.377" v="109" actId="478"/>
-          <ac:picMkLst>
-            <pc:docMk/>
-            <pc:sldMk cId="361920255" sldId="267"/>
-            <ac:picMk id="3" creationId="{4E45773B-3762-41A2-A15B-67E57E13AFF0}"/>
-          </ac:picMkLst>
-        </pc:picChg>
-      </pc:sldChg>
-      <pc:sldChg chg="addSp delSp modSp add mod">
-        <pc:chgData name="Ihor Aleksandrov" userId="c3051032-6b87-4db2-b257-777a0106fbd9" providerId="ADAL" clId="{EA2B8A7D-3C52-4D81-9662-EF0FB964F7A9}" dt="2024-01-24T16:32:14.326" v="126" actId="1076"/>
-        <pc:sldMkLst>
-          <pc:docMk/>
-          <pc:sldMk cId="2161892916" sldId="268"/>
-        </pc:sldMkLst>
-        <pc:spChg chg="mod">
-          <ac:chgData name="Ihor Aleksandrov" userId="c3051032-6b87-4db2-b257-777a0106fbd9" providerId="ADAL" clId="{EA2B8A7D-3C52-4D81-9662-EF0FB964F7A9}" dt="2024-01-24T16:31:48.062" v="116"/>
-          <ac:spMkLst>
-            <pc:docMk/>
-            <pc:sldMk cId="2161892916" sldId="268"/>
-            <ac:spMk id="2" creationId="{53C5D828-9666-E312-B574-9FE965A7D6BE}"/>
-          </ac:spMkLst>
-        </pc:spChg>
-        <pc:spChg chg="add del mod">
-          <ac:chgData name="Ihor Aleksandrov" userId="c3051032-6b87-4db2-b257-777a0106fbd9" providerId="ADAL" clId="{EA2B8A7D-3C52-4D81-9662-EF0FB964F7A9}" dt="2024-01-24T16:32:05.265" v="122" actId="22"/>
-          <ac:spMkLst>
-            <pc:docMk/>
-            <pc:sldMk cId="2161892916" sldId="268"/>
-            <ac:spMk id="4" creationId="{B8915959-A3F5-CE1D-2197-4D202DD13295}"/>
-          </ac:spMkLst>
-        </pc:spChg>
-        <pc:spChg chg="del mod">
-          <ac:chgData name="Ihor Aleksandrov" userId="c3051032-6b87-4db2-b257-777a0106fbd9" providerId="ADAL" clId="{EA2B8A7D-3C52-4D81-9662-EF0FB964F7A9}" dt="2024-01-24T16:31:54.161" v="118" actId="478"/>
-          <ac:spMkLst>
-            <pc:docMk/>
-            <pc:sldMk cId="2161892916" sldId="268"/>
-            <ac:spMk id="5" creationId="{02856B1C-9D37-7B11-BA48-D0E2FC265F83}"/>
-          </ac:spMkLst>
-        </pc:spChg>
-        <pc:spChg chg="add del">
-          <ac:chgData name="Ihor Aleksandrov" userId="c3051032-6b87-4db2-b257-777a0106fbd9" providerId="ADAL" clId="{EA2B8A7D-3C52-4D81-9662-EF0FB964F7A9}" dt="2024-01-24T16:32:08.037" v="124" actId="22"/>
-          <ac:spMkLst>
-            <pc:docMk/>
-            <pc:sldMk cId="2161892916" sldId="268"/>
-            <ac:spMk id="7" creationId="{DCE8D0BA-A771-5143-4367-C42932080953}"/>
-          </ac:spMkLst>
-        </pc:spChg>
-        <pc:spChg chg="add mod">
-          <ac:chgData name="Ihor Aleksandrov" userId="c3051032-6b87-4db2-b257-777a0106fbd9" providerId="ADAL" clId="{EA2B8A7D-3C52-4D81-9662-EF0FB964F7A9}" dt="2024-01-24T16:32:14.326" v="126" actId="1076"/>
-          <ac:spMkLst>
-            <pc:docMk/>
-            <pc:sldMk cId="2161892916" sldId="268"/>
-            <ac:spMk id="10" creationId="{F24BEA27-D44B-2EE7-CAFE-869E74A5EAC6}"/>
-          </ac:spMkLst>
-        </pc:spChg>
-      </pc:sldChg>
-      <pc:sldChg chg="modSp add mod">
-        <pc:chgData name="Ihor Aleksandrov" userId="c3051032-6b87-4db2-b257-777a0106fbd9" providerId="ADAL" clId="{EA2B8A7D-3C52-4D81-9662-EF0FB964F7A9}" dt="2024-01-24T16:33:04.330" v="132" actId="1076"/>
-        <pc:sldMkLst>
-          <pc:docMk/>
-          <pc:sldMk cId="3157685417" sldId="269"/>
-        </pc:sldMkLst>
-        <pc:spChg chg="mod">
-          <ac:chgData name="Ihor Aleksandrov" userId="c3051032-6b87-4db2-b257-777a0106fbd9" providerId="ADAL" clId="{EA2B8A7D-3C52-4D81-9662-EF0FB964F7A9}" dt="2024-01-24T16:32:51.150" v="130"/>
-          <ac:spMkLst>
-            <pc:docMk/>
-            <pc:sldMk cId="3157685417" sldId="269"/>
-            <ac:spMk id="2" creationId="{53C5D828-9666-E312-B574-9FE965A7D6BE}"/>
-          </ac:spMkLst>
-        </pc:spChg>
-        <pc:spChg chg="mod">
-          <ac:chgData name="Ihor Aleksandrov" userId="c3051032-6b87-4db2-b257-777a0106fbd9" providerId="ADAL" clId="{EA2B8A7D-3C52-4D81-9662-EF0FB964F7A9}" dt="2024-01-24T16:33:04.330" v="132" actId="1076"/>
-          <ac:spMkLst>
-            <pc:docMk/>
-            <pc:sldMk cId="3157685417" sldId="269"/>
-            <ac:spMk id="10" creationId="{F24BEA27-D44B-2EE7-CAFE-869E74A5EAC6}"/>
-          </ac:spMkLst>
-        </pc:spChg>
-      </pc:sldChg>
-      <pc:sldMasterChg chg="add addSldLayout">
-        <pc:chgData name="Ihor Aleksandrov" userId="c3051032-6b87-4db2-b257-777a0106fbd9" providerId="ADAL" clId="{EA2B8A7D-3C52-4D81-9662-EF0FB964F7A9}" dt="2024-01-24T16:09:52.219" v="19" actId="27028"/>
-        <pc:sldMasterMkLst>
-          <pc:docMk/>
-          <pc:sldMasterMk cId="1579723609" sldId="2147483660"/>
-        </pc:sldMasterMkLst>
-        <pc:sldLayoutChg chg="add">
-          <pc:chgData name="Ihor Aleksandrov" userId="c3051032-6b87-4db2-b257-777a0106fbd9" providerId="ADAL" clId="{EA2B8A7D-3C52-4D81-9662-EF0FB964F7A9}" dt="2024-01-24T16:09:52.219" v="19" actId="27028"/>
-          <pc:sldLayoutMkLst>
-            <pc:docMk/>
-            <pc:sldMasterMk cId="1579723609" sldId="2147483660"/>
-            <pc:sldLayoutMk cId="1498987355" sldId="2147483662"/>
-          </pc:sldLayoutMkLst>
-        </pc:sldLayoutChg>
-      </pc:sldMasterChg>
-    </pc:docChg>
-  </pc:docChgLst>
-  <pc:docChgLst>
     <pc:chgData name="Ihor Aleksandrov" userId="c3051032-6b87-4db2-b257-777a0106fbd9" providerId="ADAL" clId="{56332CB3-8148-420A-A659-8047DFDBF6F1}"/>
     <pc:docChg chg="undo custSel addSld delSld modSld sldOrd addSection modSection">
       <pc:chgData name="Ihor Aleksandrov" userId="c3051032-6b87-4db2-b257-777a0106fbd9" providerId="ADAL" clId="{56332CB3-8148-420A-A659-8047DFDBF6F1}" dt="2024-01-26T13:08:59.561" v="220" actId="20577"/>
@@ -4567,6 +3958,615 @@
           </ac:picMkLst>
         </pc:picChg>
       </pc:sldChg>
+    </pc:docChg>
+  </pc:docChgLst>
+  <pc:docChgLst>
+    <pc:chgData name="Ihor Aleksandrov" userId="c3051032-6b87-4db2-b257-777a0106fbd9" providerId="ADAL" clId="{EA2B8A7D-3C52-4D81-9662-EF0FB964F7A9}"/>
+    <pc:docChg chg="undo custSel addSld delSld modSld addMainMaster">
+      <pc:chgData name="Ihor Aleksandrov" userId="c3051032-6b87-4db2-b257-777a0106fbd9" providerId="ADAL" clId="{EA2B8A7D-3C52-4D81-9662-EF0FB964F7A9}" dt="2024-01-24T16:33:04.330" v="132" actId="1076"/>
+      <pc:docMkLst>
+        <pc:docMk/>
+      </pc:docMkLst>
+      <pc:sldChg chg="addSp modSp mod">
+        <pc:chgData name="Ihor Aleksandrov" userId="c3051032-6b87-4db2-b257-777a0106fbd9" providerId="ADAL" clId="{EA2B8A7D-3C52-4D81-9662-EF0FB964F7A9}" dt="2024-01-24T16:06:56.557" v="4" actId="1076"/>
+        <pc:sldMkLst>
+          <pc:docMk/>
+          <pc:sldMk cId="3270890867" sldId="257"/>
+        </pc:sldMkLst>
+        <pc:picChg chg="add mod">
+          <ac:chgData name="Ihor Aleksandrov" userId="c3051032-6b87-4db2-b257-777a0106fbd9" providerId="ADAL" clId="{EA2B8A7D-3C52-4D81-9662-EF0FB964F7A9}" dt="2024-01-24T16:06:56.557" v="4" actId="1076"/>
+          <ac:picMkLst>
+            <pc:docMk/>
+            <pc:sldMk cId="3270890867" sldId="257"/>
+            <ac:picMk id="3" creationId="{4E689865-968D-3D93-994B-3AAC3051378B}"/>
+          </ac:picMkLst>
+        </pc:picChg>
+      </pc:sldChg>
+      <pc:sldChg chg="addSp delSp modSp mod">
+        <pc:chgData name="Ihor Aleksandrov" userId="c3051032-6b87-4db2-b257-777a0106fbd9" providerId="ADAL" clId="{EA2B8A7D-3C52-4D81-9662-EF0FB964F7A9}" dt="2024-01-24T16:10:01.112" v="22" actId="21"/>
+        <pc:sldMkLst>
+          <pc:docMk/>
+          <pc:sldMk cId="3417182101" sldId="258"/>
+        </pc:sldMkLst>
+        <pc:spChg chg="add mod">
+          <ac:chgData name="Ihor Aleksandrov" userId="c3051032-6b87-4db2-b257-777a0106fbd9" providerId="ADAL" clId="{EA2B8A7D-3C52-4D81-9662-EF0FB964F7A9}" dt="2024-01-24T16:08:27.998" v="15" actId="14100"/>
+          <ac:spMkLst>
+            <pc:docMk/>
+            <pc:sldMk cId="3417182101" sldId="258"/>
+            <ac:spMk id="5" creationId="{3101D806-403A-F079-818A-1207B8442687}"/>
+          </ac:spMkLst>
+        </pc:spChg>
+        <pc:picChg chg="add mod">
+          <ac:chgData name="Ihor Aleksandrov" userId="c3051032-6b87-4db2-b257-777a0106fbd9" providerId="ADAL" clId="{EA2B8A7D-3C52-4D81-9662-EF0FB964F7A9}" dt="2024-01-24T16:07:17.540" v="7" actId="1076"/>
+          <ac:picMkLst>
+            <pc:docMk/>
+            <pc:sldMk cId="3417182101" sldId="258"/>
+            <ac:picMk id="3" creationId="{73192EE5-F292-E8DF-78BB-C480918593D9}"/>
+          </ac:picMkLst>
+        </pc:picChg>
+        <pc:picChg chg="add del">
+          <ac:chgData name="Ihor Aleksandrov" userId="c3051032-6b87-4db2-b257-777a0106fbd9" providerId="ADAL" clId="{EA2B8A7D-3C52-4D81-9662-EF0FB964F7A9}" dt="2024-01-24T16:10:01.112" v="22" actId="21"/>
+          <ac:picMkLst>
+            <pc:docMk/>
+            <pc:sldMk cId="3417182101" sldId="258"/>
+            <ac:picMk id="6" creationId="{C576D1E6-CE0C-96E3-680F-E1B2C62F8CF7}"/>
+          </ac:picMkLst>
+        </pc:picChg>
+      </pc:sldChg>
+      <pc:sldChg chg="addSp delSp modSp add del mod">
+        <pc:chgData name="Ihor Aleksandrov" userId="c3051032-6b87-4db2-b257-777a0106fbd9" providerId="ADAL" clId="{EA2B8A7D-3C52-4D81-9662-EF0FB964F7A9}" dt="2024-01-24T16:09:34.630" v="18" actId="47"/>
+        <pc:sldMkLst>
+          <pc:docMk/>
+          <pc:sldMk cId="1989911605" sldId="259"/>
+        </pc:sldMkLst>
+        <pc:picChg chg="del">
+          <ac:chgData name="Ihor Aleksandrov" userId="c3051032-6b87-4db2-b257-777a0106fbd9" providerId="ADAL" clId="{EA2B8A7D-3C52-4D81-9662-EF0FB964F7A9}" dt="2024-01-24T16:07:27.525" v="9" actId="478"/>
+          <ac:picMkLst>
+            <pc:docMk/>
+            <pc:sldMk cId="1989911605" sldId="259"/>
+            <ac:picMk id="3" creationId="{73192EE5-F292-E8DF-78BB-C480918593D9}"/>
+          </ac:picMkLst>
+        </pc:picChg>
+        <pc:picChg chg="add del mod">
+          <ac:chgData name="Ihor Aleksandrov" userId="c3051032-6b87-4db2-b257-777a0106fbd9" providerId="ADAL" clId="{EA2B8A7D-3C52-4D81-9662-EF0FB964F7A9}" dt="2024-01-24T16:09:28.758" v="16" actId="21"/>
+          <ac:picMkLst>
+            <pc:docMk/>
+            <pc:sldMk cId="1989911605" sldId="259"/>
+            <ac:picMk id="4" creationId="{9B699F11-38F0-D536-EC59-183316D30A0B}"/>
+          </ac:picMkLst>
+        </pc:picChg>
+      </pc:sldChg>
+      <pc:sldChg chg="addSp delSp modSp add mod">
+        <pc:chgData name="Ihor Aleksandrov" userId="c3051032-6b87-4db2-b257-777a0106fbd9" providerId="ADAL" clId="{EA2B8A7D-3C52-4D81-9662-EF0FB964F7A9}" dt="2024-01-24T16:10:33.240" v="28" actId="14100"/>
+        <pc:sldMkLst>
+          <pc:docMk/>
+          <pc:sldMk cId="2385514391" sldId="259"/>
+        </pc:sldMkLst>
+        <pc:spChg chg="add mod">
+          <ac:chgData name="Ihor Aleksandrov" userId="c3051032-6b87-4db2-b257-777a0106fbd9" providerId="ADAL" clId="{EA2B8A7D-3C52-4D81-9662-EF0FB964F7A9}" dt="2024-01-24T16:10:33.240" v="28" actId="14100"/>
+          <ac:spMkLst>
+            <pc:docMk/>
+            <pc:sldMk cId="2385514391" sldId="259"/>
+            <ac:spMk id="6" creationId="{115DFACF-1AA5-C3DC-C0A7-872F6D553428}"/>
+          </ac:spMkLst>
+        </pc:spChg>
+        <pc:picChg chg="add mod">
+          <ac:chgData name="Ihor Aleksandrov" userId="c3051032-6b87-4db2-b257-777a0106fbd9" providerId="ADAL" clId="{EA2B8A7D-3C52-4D81-9662-EF0FB964F7A9}" dt="2024-01-24T16:10:10.447" v="25" actId="1076"/>
+          <ac:picMkLst>
+            <pc:docMk/>
+            <pc:sldMk cId="2385514391" sldId="259"/>
+            <ac:picMk id="3" creationId="{94771F4B-C97E-4C7E-EE32-62B9CE4843E8}"/>
+          </ac:picMkLst>
+        </pc:picChg>
+        <pc:picChg chg="del">
+          <ac:chgData name="Ihor Aleksandrov" userId="c3051032-6b87-4db2-b257-777a0106fbd9" providerId="ADAL" clId="{EA2B8A7D-3C52-4D81-9662-EF0FB964F7A9}" dt="2024-01-24T16:09:56.379" v="21" actId="478"/>
+          <ac:picMkLst>
+            <pc:docMk/>
+            <pc:sldMk cId="2385514391" sldId="259"/>
+            <ac:picMk id="4" creationId="{385F9644-E8EA-6C22-DF80-DC79BE06769D}"/>
+          </ac:picMkLst>
+        </pc:picChg>
+      </pc:sldChg>
+      <pc:sldChg chg="addSp delSp modSp add mod">
+        <pc:chgData name="Ihor Aleksandrov" userId="c3051032-6b87-4db2-b257-777a0106fbd9" providerId="ADAL" clId="{EA2B8A7D-3C52-4D81-9662-EF0FB964F7A9}" dt="2024-01-24T16:14:38.639" v="41" actId="14100"/>
+        <pc:sldMkLst>
+          <pc:docMk/>
+          <pc:sldMk cId="1272792471" sldId="260"/>
+        </pc:sldMkLst>
+        <pc:spChg chg="add del">
+          <ac:chgData name="Ihor Aleksandrov" userId="c3051032-6b87-4db2-b257-777a0106fbd9" providerId="ADAL" clId="{EA2B8A7D-3C52-4D81-9662-EF0FB964F7A9}" dt="2024-01-24T16:14:31.607" v="38" actId="22"/>
+          <ac:spMkLst>
+            <pc:docMk/>
+            <pc:sldMk cId="1272792471" sldId="260"/>
+            <ac:spMk id="6" creationId="{3FE0DD55-F1FF-817B-C521-E1B38C3903B5}"/>
+          </ac:spMkLst>
+        </pc:spChg>
+        <pc:spChg chg="add mod">
+          <ac:chgData name="Ihor Aleksandrov" userId="c3051032-6b87-4db2-b257-777a0106fbd9" providerId="ADAL" clId="{EA2B8A7D-3C52-4D81-9662-EF0FB964F7A9}" dt="2024-01-24T16:14:38.639" v="41" actId="14100"/>
+          <ac:spMkLst>
+            <pc:docMk/>
+            <pc:sldMk cId="1272792471" sldId="260"/>
+            <ac:spMk id="8" creationId="{962CACC9-F2FB-EAE2-C7FA-A5DDED1544E9}"/>
+          </ac:spMkLst>
+        </pc:spChg>
+        <pc:picChg chg="add mod">
+          <ac:chgData name="Ihor Aleksandrov" userId="c3051032-6b87-4db2-b257-777a0106fbd9" providerId="ADAL" clId="{EA2B8A7D-3C52-4D81-9662-EF0FB964F7A9}" dt="2024-01-24T16:14:21.159" v="36" actId="1076"/>
+          <ac:picMkLst>
+            <pc:docMk/>
+            <pc:sldMk cId="1272792471" sldId="260"/>
+            <ac:picMk id="3" creationId="{1546C464-6844-1963-9CFB-73B9F3FB02A1}"/>
+          </ac:picMkLst>
+        </pc:picChg>
+        <pc:picChg chg="del">
+          <ac:chgData name="Ihor Aleksandrov" userId="c3051032-6b87-4db2-b257-777a0106fbd9" providerId="ADAL" clId="{EA2B8A7D-3C52-4D81-9662-EF0FB964F7A9}" dt="2024-01-24T16:14:01.347" v="31" actId="478"/>
+          <ac:picMkLst>
+            <pc:docMk/>
+            <pc:sldMk cId="1272792471" sldId="260"/>
+            <ac:picMk id="4" creationId="{385F9644-E8EA-6C22-DF80-DC79BE06769D}"/>
+          </ac:picMkLst>
+        </pc:picChg>
+      </pc:sldChg>
+      <pc:sldChg chg="addSp delSp modSp add del mod setBg delDesignElem">
+        <pc:chgData name="Ihor Aleksandrov" userId="c3051032-6b87-4db2-b257-777a0106fbd9" providerId="ADAL" clId="{EA2B8A7D-3C52-4D81-9662-EF0FB964F7A9}" dt="2024-01-24T16:18:02.567" v="53" actId="1076"/>
+        <pc:sldMkLst>
+          <pc:docMk/>
+          <pc:sldMk cId="3278151509" sldId="261"/>
+        </pc:sldMkLst>
+        <pc:spChg chg="mod">
+          <ac:chgData name="Ihor Aleksandrov" userId="c3051032-6b87-4db2-b257-777a0106fbd9" providerId="ADAL" clId="{EA2B8A7D-3C52-4D81-9662-EF0FB964F7A9}" dt="2024-01-24T16:17:36.102" v="47" actId="26606"/>
+          <ac:spMkLst>
+            <pc:docMk/>
+            <pc:sldMk cId="3278151509" sldId="261"/>
+            <ac:spMk id="2" creationId="{53C5D828-9666-E312-B574-9FE965A7D6BE}"/>
+          </ac:spMkLst>
+        </pc:spChg>
+        <pc:spChg chg="add del">
+          <ac:chgData name="Ihor Aleksandrov" userId="c3051032-6b87-4db2-b257-777a0106fbd9" providerId="ADAL" clId="{EA2B8A7D-3C52-4D81-9662-EF0FB964F7A9}" dt="2024-01-24T16:17:57.899" v="51" actId="22"/>
+          <ac:spMkLst>
+            <pc:docMk/>
+            <pc:sldMk cId="3278151509" sldId="261"/>
+            <ac:spMk id="5" creationId="{80C09514-761F-EDD8-1695-BBF5A6E5D9C0}"/>
+          </ac:spMkLst>
+        </pc:spChg>
+        <pc:spChg chg="add mod">
+          <ac:chgData name="Ihor Aleksandrov" userId="c3051032-6b87-4db2-b257-777a0106fbd9" providerId="ADAL" clId="{EA2B8A7D-3C52-4D81-9662-EF0FB964F7A9}" dt="2024-01-24T16:18:02.567" v="53" actId="1076"/>
+          <ac:spMkLst>
+            <pc:docMk/>
+            <pc:sldMk cId="3278151509" sldId="261"/>
+            <ac:spMk id="7" creationId="{01126049-0F88-3BD5-09AE-A83AF81ABE26}"/>
+          </ac:spMkLst>
+        </pc:spChg>
+        <pc:spChg chg="add">
+          <ac:chgData name="Ihor Aleksandrov" userId="c3051032-6b87-4db2-b257-777a0106fbd9" providerId="ADAL" clId="{EA2B8A7D-3C52-4D81-9662-EF0FB964F7A9}" dt="2024-01-24T16:17:36.102" v="47" actId="26606"/>
+          <ac:spMkLst>
+            <pc:docMk/>
+            <pc:sldMk cId="3278151509" sldId="261"/>
+            <ac:spMk id="9" creationId="{D4771268-CB57-404A-9271-370EB28F6090}"/>
+          </ac:spMkLst>
+        </pc:spChg>
+        <pc:spChg chg="add del">
+          <ac:chgData name="Ihor Aleksandrov" userId="c3051032-6b87-4db2-b257-777a0106fbd9" providerId="ADAL" clId="{EA2B8A7D-3C52-4D81-9662-EF0FB964F7A9}" dt="2024-01-24T16:17:09.141" v="46"/>
+          <ac:spMkLst>
+            <pc:docMk/>
+            <pc:sldMk cId="3278151509" sldId="261"/>
+            <ac:spMk id="24" creationId="{D4771268-CB57-404A-9271-370EB28F6090}"/>
+          </ac:spMkLst>
+        </pc:spChg>
+        <pc:picChg chg="mod ord">
+          <ac:chgData name="Ihor Aleksandrov" userId="c3051032-6b87-4db2-b257-777a0106fbd9" providerId="ADAL" clId="{EA2B8A7D-3C52-4D81-9662-EF0FB964F7A9}" dt="2024-01-24T16:17:46.040" v="49" actId="1076"/>
+          <ac:picMkLst>
+            <pc:docMk/>
+            <pc:sldMk cId="3278151509" sldId="261"/>
+            <ac:picMk id="4" creationId="{110B72A2-37FD-3982-5358-333497678F76}"/>
+          </ac:picMkLst>
+        </pc:picChg>
+      </pc:sldChg>
+      <pc:sldChg chg="addSp delSp modSp add mod setBg delDesignElem">
+        <pc:chgData name="Ihor Aleksandrov" userId="c3051032-6b87-4db2-b257-777a0106fbd9" providerId="ADAL" clId="{EA2B8A7D-3C52-4D81-9662-EF0FB964F7A9}" dt="2024-01-24T16:20:59.581" v="66" actId="1076"/>
+        <pc:sldMkLst>
+          <pc:docMk/>
+          <pc:sldMk cId="3670086471" sldId="262"/>
+        </pc:sldMkLst>
+        <pc:spChg chg="mod">
+          <ac:chgData name="Ihor Aleksandrov" userId="c3051032-6b87-4db2-b257-777a0106fbd9" providerId="ADAL" clId="{EA2B8A7D-3C52-4D81-9662-EF0FB964F7A9}" dt="2024-01-24T16:20:22.633" v="56" actId="26606"/>
+          <ac:spMkLst>
+            <pc:docMk/>
+            <pc:sldMk cId="3670086471" sldId="262"/>
+            <ac:spMk id="2" creationId="{53C5D828-9666-E312-B574-9FE965A7D6BE}"/>
+          </ac:spMkLst>
+        </pc:spChg>
+        <pc:spChg chg="add del">
+          <ac:chgData name="Ihor Aleksandrov" userId="c3051032-6b87-4db2-b257-777a0106fbd9" providerId="ADAL" clId="{EA2B8A7D-3C52-4D81-9662-EF0FB964F7A9}" dt="2024-01-24T16:20:43.237" v="60" actId="22"/>
+          <ac:spMkLst>
+            <pc:docMk/>
+            <pc:sldMk cId="3670086471" sldId="262"/>
+            <ac:spMk id="5" creationId="{87F45561-879D-7670-C001-865486ED03AA}"/>
+          </ac:spMkLst>
+        </pc:spChg>
+        <pc:spChg chg="add mod">
+          <ac:chgData name="Ihor Aleksandrov" userId="c3051032-6b87-4db2-b257-777a0106fbd9" providerId="ADAL" clId="{EA2B8A7D-3C52-4D81-9662-EF0FB964F7A9}" dt="2024-01-24T16:20:59.581" v="66" actId="1076"/>
+          <ac:spMkLst>
+            <pc:docMk/>
+            <pc:sldMk cId="3670086471" sldId="262"/>
+            <ac:spMk id="7" creationId="{0C7CD13E-FC32-AC89-26A1-AF80634998A4}"/>
+          </ac:spMkLst>
+        </pc:spChg>
+        <pc:spChg chg="add">
+          <ac:chgData name="Ihor Aleksandrov" userId="c3051032-6b87-4db2-b257-777a0106fbd9" providerId="ADAL" clId="{EA2B8A7D-3C52-4D81-9662-EF0FB964F7A9}" dt="2024-01-24T16:20:22.633" v="56" actId="26606"/>
+          <ac:spMkLst>
+            <pc:docMk/>
+            <pc:sldMk cId="3670086471" sldId="262"/>
+            <ac:spMk id="8" creationId="{D4771268-CB57-404A-9271-370EB28F6090}"/>
+          </ac:spMkLst>
+        </pc:spChg>
+        <pc:spChg chg="del">
+          <ac:chgData name="Ihor Aleksandrov" userId="c3051032-6b87-4db2-b257-777a0106fbd9" providerId="ADAL" clId="{EA2B8A7D-3C52-4D81-9662-EF0FB964F7A9}" dt="2024-01-24T16:20:18.797" v="55"/>
+          <ac:spMkLst>
+            <pc:docMk/>
+            <pc:sldMk cId="3670086471" sldId="262"/>
+            <ac:spMk id="24" creationId="{D4771268-CB57-404A-9271-370EB28F6090}"/>
+          </ac:spMkLst>
+        </pc:spChg>
+        <pc:picChg chg="mod ord">
+          <ac:chgData name="Ihor Aleksandrov" userId="c3051032-6b87-4db2-b257-777a0106fbd9" providerId="ADAL" clId="{EA2B8A7D-3C52-4D81-9662-EF0FB964F7A9}" dt="2024-01-24T16:20:28.992" v="58" actId="1076"/>
+          <ac:picMkLst>
+            <pc:docMk/>
+            <pc:sldMk cId="3670086471" sldId="262"/>
+            <ac:picMk id="3" creationId="{05A9FF40-DCEC-8E82-7C4D-BDBC1FAB1FDA}"/>
+          </ac:picMkLst>
+        </pc:picChg>
+      </pc:sldChg>
+      <pc:sldChg chg="addSp delSp modSp add mod setBg delDesignElem">
+        <pc:chgData name="Ihor Aleksandrov" userId="c3051032-6b87-4db2-b257-777a0106fbd9" providerId="ADAL" clId="{EA2B8A7D-3C52-4D81-9662-EF0FB964F7A9}" dt="2024-01-24T16:23:06.581" v="73" actId="1076"/>
+        <pc:sldMkLst>
+          <pc:docMk/>
+          <pc:sldMk cId="2476824021" sldId="263"/>
+        </pc:sldMkLst>
+        <pc:spChg chg="mod">
+          <ac:chgData name="Ihor Aleksandrov" userId="c3051032-6b87-4db2-b257-777a0106fbd9" providerId="ADAL" clId="{EA2B8A7D-3C52-4D81-9662-EF0FB964F7A9}" dt="2024-01-24T16:22:47.826" v="69" actId="26606"/>
+          <ac:spMkLst>
+            <pc:docMk/>
+            <pc:sldMk cId="2476824021" sldId="263"/>
+            <ac:spMk id="2" creationId="{53C5D828-9666-E312-B574-9FE965A7D6BE}"/>
+          </ac:spMkLst>
+        </pc:spChg>
+        <pc:spChg chg="add mod">
+          <ac:chgData name="Ihor Aleksandrov" userId="c3051032-6b87-4db2-b257-777a0106fbd9" providerId="ADAL" clId="{EA2B8A7D-3C52-4D81-9662-EF0FB964F7A9}" dt="2024-01-24T16:23:06.581" v="73" actId="1076"/>
+          <ac:spMkLst>
+            <pc:docMk/>
+            <pc:sldMk cId="2476824021" sldId="263"/>
+            <ac:spMk id="5" creationId="{E202FD3D-76E9-4318-0828-6FB8B5DBD2C5}"/>
+          </ac:spMkLst>
+        </pc:spChg>
+        <pc:spChg chg="add">
+          <ac:chgData name="Ihor Aleksandrov" userId="c3051032-6b87-4db2-b257-777a0106fbd9" providerId="ADAL" clId="{EA2B8A7D-3C52-4D81-9662-EF0FB964F7A9}" dt="2024-01-24T16:22:47.826" v="69" actId="26606"/>
+          <ac:spMkLst>
+            <pc:docMk/>
+            <pc:sldMk cId="2476824021" sldId="263"/>
+            <ac:spMk id="9" creationId="{D4771268-CB57-404A-9271-370EB28F6090}"/>
+          </ac:spMkLst>
+        </pc:spChg>
+        <pc:spChg chg="del">
+          <ac:chgData name="Ihor Aleksandrov" userId="c3051032-6b87-4db2-b257-777a0106fbd9" providerId="ADAL" clId="{EA2B8A7D-3C52-4D81-9662-EF0FB964F7A9}" dt="2024-01-24T16:22:44.812" v="68"/>
+          <ac:spMkLst>
+            <pc:docMk/>
+            <pc:sldMk cId="2476824021" sldId="263"/>
+            <ac:spMk id="24" creationId="{D4771268-CB57-404A-9271-370EB28F6090}"/>
+          </ac:spMkLst>
+        </pc:spChg>
+        <pc:picChg chg="mod">
+          <ac:chgData name="Ihor Aleksandrov" userId="c3051032-6b87-4db2-b257-777a0106fbd9" providerId="ADAL" clId="{EA2B8A7D-3C52-4D81-9662-EF0FB964F7A9}" dt="2024-01-24T16:22:54.712" v="71" actId="1076"/>
+          <ac:picMkLst>
+            <pc:docMk/>
+            <pc:sldMk cId="2476824021" sldId="263"/>
+            <ac:picMk id="4" creationId="{0A4A47BB-B86E-CE6D-6738-81D9FF41289F}"/>
+          </ac:picMkLst>
+        </pc:picChg>
+      </pc:sldChg>
+      <pc:sldChg chg="addSp delSp modSp add del mod setBg delDesignElem">
+        <pc:chgData name="Ihor Aleksandrov" userId="c3051032-6b87-4db2-b257-777a0106fbd9" providerId="ADAL" clId="{EA2B8A7D-3C52-4D81-9662-EF0FB964F7A9}" dt="2024-01-24T16:26:03.232" v="79" actId="47"/>
+        <pc:sldMkLst>
+          <pc:docMk/>
+          <pc:sldMk cId="303933854" sldId="264"/>
+        </pc:sldMkLst>
+        <pc:spChg chg="mod">
+          <ac:chgData name="Ihor Aleksandrov" userId="c3051032-6b87-4db2-b257-777a0106fbd9" providerId="ADAL" clId="{EA2B8A7D-3C52-4D81-9662-EF0FB964F7A9}" dt="2024-01-24T16:25:24.035" v="76" actId="26606"/>
+          <ac:spMkLst>
+            <pc:docMk/>
+            <pc:sldMk cId="303933854" sldId="264"/>
+            <ac:spMk id="2" creationId="{53C5D828-9666-E312-B574-9FE965A7D6BE}"/>
+          </ac:spMkLst>
+        </pc:spChg>
+        <pc:spChg chg="add">
+          <ac:chgData name="Ihor Aleksandrov" userId="c3051032-6b87-4db2-b257-777a0106fbd9" providerId="ADAL" clId="{EA2B8A7D-3C52-4D81-9662-EF0FB964F7A9}" dt="2024-01-24T16:25:24.035" v="76" actId="26606"/>
+          <ac:spMkLst>
+            <pc:docMk/>
+            <pc:sldMk cId="303933854" sldId="264"/>
+            <ac:spMk id="10" creationId="{53F29798-D584-4792-9B62-3F5F5C36D619}"/>
+          </ac:spMkLst>
+        </pc:spChg>
+        <pc:spChg chg="del">
+          <ac:chgData name="Ihor Aleksandrov" userId="c3051032-6b87-4db2-b257-777a0106fbd9" providerId="ADAL" clId="{EA2B8A7D-3C52-4D81-9662-EF0FB964F7A9}" dt="2024-01-24T16:25:20.099" v="75"/>
+          <ac:spMkLst>
+            <pc:docMk/>
+            <pc:sldMk cId="303933854" sldId="264"/>
+            <ac:spMk id="24" creationId="{D4771268-CB57-404A-9271-370EB28F6090}"/>
+          </ac:spMkLst>
+        </pc:spChg>
+        <pc:picChg chg="mod">
+          <ac:chgData name="Ihor Aleksandrov" userId="c3051032-6b87-4db2-b257-777a0106fbd9" providerId="ADAL" clId="{EA2B8A7D-3C52-4D81-9662-EF0FB964F7A9}" dt="2024-01-24T16:25:24.035" v="76" actId="26606"/>
+          <ac:picMkLst>
+            <pc:docMk/>
+            <pc:sldMk cId="303933854" sldId="264"/>
+            <ac:picMk id="3" creationId="{438AE1ED-C17A-0BC4-8D21-4B49E9F91B9F}"/>
+          </ac:picMkLst>
+        </pc:picChg>
+        <pc:picChg chg="mod ord">
+          <ac:chgData name="Ihor Aleksandrov" userId="c3051032-6b87-4db2-b257-777a0106fbd9" providerId="ADAL" clId="{EA2B8A7D-3C52-4D81-9662-EF0FB964F7A9}" dt="2024-01-24T16:25:24.035" v="76" actId="26606"/>
+          <ac:picMkLst>
+            <pc:docMk/>
+            <pc:sldMk cId="303933854" sldId="264"/>
+            <ac:picMk id="5" creationId="{699631DD-6035-BB9F-11EC-4E9F01F1D081}"/>
+          </ac:picMkLst>
+        </pc:picChg>
+      </pc:sldChg>
+      <pc:sldChg chg="delSp add del mod setBg delDesignElem">
+        <pc:chgData name="Ihor Aleksandrov" userId="c3051032-6b87-4db2-b257-777a0106fbd9" providerId="ADAL" clId="{EA2B8A7D-3C52-4D81-9662-EF0FB964F7A9}" dt="2024-01-24T16:26:15.663" v="82" actId="2696"/>
+        <pc:sldMkLst>
+          <pc:docMk/>
+          <pc:sldMk cId="3329585973" sldId="265"/>
+        </pc:sldMkLst>
+        <pc:spChg chg="del">
+          <ac:chgData name="Ihor Aleksandrov" userId="c3051032-6b87-4db2-b257-777a0106fbd9" providerId="ADAL" clId="{EA2B8A7D-3C52-4D81-9662-EF0FB964F7A9}" dt="2024-01-24T16:25:53.024" v="78"/>
+          <ac:spMkLst>
+            <pc:docMk/>
+            <pc:sldMk cId="3329585973" sldId="265"/>
+            <ac:spMk id="24" creationId="{D4771268-CB57-404A-9271-370EB28F6090}"/>
+          </ac:spMkLst>
+        </pc:spChg>
+        <pc:picChg chg="del">
+          <ac:chgData name="Ihor Aleksandrov" userId="c3051032-6b87-4db2-b257-777a0106fbd9" providerId="ADAL" clId="{EA2B8A7D-3C52-4D81-9662-EF0FB964F7A9}" dt="2024-01-24T16:26:11.119" v="81" actId="21"/>
+          <ac:picMkLst>
+            <pc:docMk/>
+            <pc:sldMk cId="3329585973" sldId="265"/>
+            <ac:picMk id="3" creationId="{438AE1ED-C17A-0BC4-8D21-4B49E9F91B9F}"/>
+          </ac:picMkLst>
+        </pc:picChg>
+        <pc:picChg chg="del">
+          <ac:chgData name="Ihor Aleksandrov" userId="c3051032-6b87-4db2-b257-777a0106fbd9" providerId="ADAL" clId="{EA2B8A7D-3C52-4D81-9662-EF0FB964F7A9}" dt="2024-01-24T16:26:11.119" v="81" actId="21"/>
+          <ac:picMkLst>
+            <pc:docMk/>
+            <pc:sldMk cId="3329585973" sldId="265"/>
+            <ac:picMk id="5" creationId="{699631DD-6035-BB9F-11EC-4E9F01F1D081}"/>
+          </ac:picMkLst>
+        </pc:picChg>
+      </pc:sldChg>
+      <pc:sldChg chg="delSp add del mod setBg delDesignElem">
+        <pc:chgData name="Ihor Aleksandrov" userId="c3051032-6b87-4db2-b257-777a0106fbd9" providerId="ADAL" clId="{EA2B8A7D-3C52-4D81-9662-EF0FB964F7A9}" dt="2024-01-24T16:30:49.711" v="105" actId="47"/>
+        <pc:sldMkLst>
+          <pc:docMk/>
+          <pc:sldMk cId="3569579791" sldId="265"/>
+        </pc:sldMkLst>
+        <pc:spChg chg="del">
+          <ac:chgData name="Ihor Aleksandrov" userId="c3051032-6b87-4db2-b257-777a0106fbd9" providerId="ADAL" clId="{EA2B8A7D-3C52-4D81-9662-EF0FB964F7A9}" dt="2024-01-24T16:30:40.099" v="103" actId="478"/>
+          <ac:spMkLst>
+            <pc:docMk/>
+            <pc:sldMk cId="3569579791" sldId="265"/>
+            <ac:spMk id="6" creationId="{E04F08BD-B70E-B1A8-7328-EE29B18E4AA1}"/>
+          </ac:spMkLst>
+        </pc:spChg>
+        <pc:spChg chg="del">
+          <ac:chgData name="Ihor Aleksandrov" userId="c3051032-6b87-4db2-b257-777a0106fbd9" providerId="ADAL" clId="{EA2B8A7D-3C52-4D81-9662-EF0FB964F7A9}" dt="2024-01-24T16:30:26.607" v="102"/>
+          <ac:spMkLst>
+            <pc:docMk/>
+            <pc:sldMk cId="3569579791" sldId="265"/>
+            <ac:spMk id="24" creationId="{D4771268-CB57-404A-9271-370EB28F6090}"/>
+          </ac:spMkLst>
+        </pc:spChg>
+      </pc:sldChg>
+      <pc:sldChg chg="addSp delSp modSp add mod">
+        <pc:chgData name="Ihor Aleksandrov" userId="c3051032-6b87-4db2-b257-777a0106fbd9" providerId="ADAL" clId="{EA2B8A7D-3C52-4D81-9662-EF0FB964F7A9}" dt="2024-01-24T16:27:15.280" v="97"/>
+        <pc:sldMkLst>
+          <pc:docMk/>
+          <pc:sldMk cId="1454947672" sldId="266"/>
+        </pc:sldMkLst>
+        <pc:spChg chg="mod">
+          <ac:chgData name="Ihor Aleksandrov" userId="c3051032-6b87-4db2-b257-777a0106fbd9" providerId="ADAL" clId="{EA2B8A7D-3C52-4D81-9662-EF0FB964F7A9}" dt="2024-01-24T16:27:15.280" v="97"/>
+          <ac:spMkLst>
+            <pc:docMk/>
+            <pc:sldMk cId="1454947672" sldId="266"/>
+            <ac:spMk id="2" creationId="{53C5D828-9666-E312-B574-9FE965A7D6BE}"/>
+          </ac:spMkLst>
+        </pc:spChg>
+        <pc:spChg chg="del mod">
+          <ac:chgData name="Ihor Aleksandrov" userId="c3051032-6b87-4db2-b257-777a0106fbd9" providerId="ADAL" clId="{EA2B8A7D-3C52-4D81-9662-EF0FB964F7A9}" dt="2024-01-24T16:26:42.413" v="88" actId="478"/>
+          <ac:spMkLst>
+            <pc:docMk/>
+            <pc:sldMk cId="1454947672" sldId="266"/>
+            <ac:spMk id="5" creationId="{E202FD3D-76E9-4318-0828-6FB8B5DBD2C5}"/>
+          </ac:spMkLst>
+        </pc:spChg>
+        <pc:spChg chg="add del">
+          <ac:chgData name="Ihor Aleksandrov" userId="c3051032-6b87-4db2-b257-777a0106fbd9" providerId="ADAL" clId="{EA2B8A7D-3C52-4D81-9662-EF0FB964F7A9}" dt="2024-01-24T16:26:47.309" v="90" actId="22"/>
+          <ac:spMkLst>
+            <pc:docMk/>
+            <pc:sldMk cId="1454947672" sldId="266"/>
+            <ac:spMk id="7" creationId="{EBBF43C8-41E2-AE32-94D4-F581BEA6FE8A}"/>
+          </ac:spMkLst>
+        </pc:spChg>
+        <pc:spChg chg="add mod">
+          <ac:chgData name="Ihor Aleksandrov" userId="c3051032-6b87-4db2-b257-777a0106fbd9" providerId="ADAL" clId="{EA2B8A7D-3C52-4D81-9662-EF0FB964F7A9}" dt="2024-01-24T16:26:50.235" v="92" actId="1076"/>
+          <ac:spMkLst>
+            <pc:docMk/>
+            <pc:sldMk cId="1454947672" sldId="266"/>
+            <ac:spMk id="10" creationId="{876EA409-9CED-1530-7AE1-2CE040ED9572}"/>
+          </ac:spMkLst>
+        </pc:spChg>
+        <pc:spChg chg="add del">
+          <ac:chgData name="Ihor Aleksandrov" userId="c3051032-6b87-4db2-b257-777a0106fbd9" providerId="ADAL" clId="{EA2B8A7D-3C52-4D81-9662-EF0FB964F7A9}" dt="2024-01-24T16:27:03.773" v="94" actId="22"/>
+          <ac:spMkLst>
+            <pc:docMk/>
+            <pc:sldMk cId="1454947672" sldId="266"/>
+            <ac:spMk id="12" creationId="{B2D7BD0E-CC55-1DD1-5742-E58CD9EC1D9B}"/>
+          </ac:spMkLst>
+        </pc:spChg>
+        <pc:spChg chg="add mod">
+          <ac:chgData name="Ihor Aleksandrov" userId="c3051032-6b87-4db2-b257-777a0106fbd9" providerId="ADAL" clId="{EA2B8A7D-3C52-4D81-9662-EF0FB964F7A9}" dt="2024-01-24T16:27:06.948" v="96" actId="1076"/>
+          <ac:spMkLst>
+            <pc:docMk/>
+            <pc:sldMk cId="1454947672" sldId="266"/>
+            <ac:spMk id="14" creationId="{51860035-8393-B608-A571-9F2BF673BAF4}"/>
+          </ac:spMkLst>
+        </pc:spChg>
+        <pc:picChg chg="add mod">
+          <ac:chgData name="Ihor Aleksandrov" userId="c3051032-6b87-4db2-b257-777a0106fbd9" providerId="ADAL" clId="{EA2B8A7D-3C52-4D81-9662-EF0FB964F7A9}" dt="2024-01-24T16:26:30.403" v="86" actId="1076"/>
+          <ac:picMkLst>
+            <pc:docMk/>
+            <pc:sldMk cId="1454947672" sldId="266"/>
+            <ac:picMk id="3" creationId="{4E45773B-3762-41A2-A15B-67E57E13AFF0}"/>
+          </ac:picMkLst>
+        </pc:picChg>
+        <pc:picChg chg="del">
+          <ac:chgData name="Ihor Aleksandrov" userId="c3051032-6b87-4db2-b257-777a0106fbd9" providerId="ADAL" clId="{EA2B8A7D-3C52-4D81-9662-EF0FB964F7A9}" dt="2024-01-24T16:26:26.334" v="85" actId="478"/>
+          <ac:picMkLst>
+            <pc:docMk/>
+            <pc:sldMk cId="1454947672" sldId="266"/>
+            <ac:picMk id="4" creationId="{0A4A47BB-B86E-CE6D-6738-81D9FF41289F}"/>
+          </ac:picMkLst>
+        </pc:picChg>
+      </pc:sldChg>
+      <pc:sldChg chg="addSp delSp modSp add mod">
+        <pc:chgData name="Ihor Aleksandrov" userId="c3051032-6b87-4db2-b257-777a0106fbd9" providerId="ADAL" clId="{EA2B8A7D-3C52-4D81-9662-EF0FB964F7A9}" dt="2024-01-24T16:31:25.335" v="112" actId="1076"/>
+        <pc:sldMkLst>
+          <pc:docMk/>
+          <pc:sldMk cId="361920255" sldId="267"/>
+        </pc:sldMkLst>
+        <pc:spChg chg="mod">
+          <ac:chgData name="Ihor Aleksandrov" userId="c3051032-6b87-4db2-b257-777a0106fbd9" providerId="ADAL" clId="{EA2B8A7D-3C52-4D81-9662-EF0FB964F7A9}" dt="2024-01-24T16:31:13.857" v="110"/>
+          <ac:spMkLst>
+            <pc:docMk/>
+            <pc:sldMk cId="361920255" sldId="267"/>
+            <ac:spMk id="2" creationId="{53C5D828-9666-E312-B574-9FE965A7D6BE}"/>
+          </ac:spMkLst>
+        </pc:spChg>
+        <pc:spChg chg="add mod">
+          <ac:chgData name="Ihor Aleksandrov" userId="c3051032-6b87-4db2-b257-777a0106fbd9" providerId="ADAL" clId="{EA2B8A7D-3C52-4D81-9662-EF0FB964F7A9}" dt="2024-01-24T16:31:25.335" v="112" actId="1076"/>
+          <ac:spMkLst>
+            <pc:docMk/>
+            <pc:sldMk cId="361920255" sldId="267"/>
+            <ac:spMk id="5" creationId="{02856B1C-9D37-7B11-BA48-D0E2FC265F83}"/>
+          </ac:spMkLst>
+        </pc:spChg>
+        <pc:spChg chg="del mod">
+          <ac:chgData name="Ihor Aleksandrov" userId="c3051032-6b87-4db2-b257-777a0106fbd9" providerId="ADAL" clId="{EA2B8A7D-3C52-4D81-9662-EF0FB964F7A9}" dt="2024-01-24T16:30:58.832" v="107" actId="478"/>
+          <ac:spMkLst>
+            <pc:docMk/>
+            <pc:sldMk cId="361920255" sldId="267"/>
+            <ac:spMk id="10" creationId="{876EA409-9CED-1530-7AE1-2CE040ED9572}"/>
+          </ac:spMkLst>
+        </pc:spChg>
+        <pc:spChg chg="del">
+          <ac:chgData name="Ihor Aleksandrov" userId="c3051032-6b87-4db2-b257-777a0106fbd9" providerId="ADAL" clId="{EA2B8A7D-3C52-4D81-9662-EF0FB964F7A9}" dt="2024-01-24T16:31:00.543" v="108" actId="478"/>
+          <ac:spMkLst>
+            <pc:docMk/>
+            <pc:sldMk cId="361920255" sldId="267"/>
+            <ac:spMk id="14" creationId="{51860035-8393-B608-A571-9F2BF673BAF4}"/>
+          </ac:spMkLst>
+        </pc:spChg>
+        <pc:picChg chg="del">
+          <ac:chgData name="Ihor Aleksandrov" userId="c3051032-6b87-4db2-b257-777a0106fbd9" providerId="ADAL" clId="{EA2B8A7D-3C52-4D81-9662-EF0FB964F7A9}" dt="2024-01-24T16:31:01.377" v="109" actId="478"/>
+          <ac:picMkLst>
+            <pc:docMk/>
+            <pc:sldMk cId="361920255" sldId="267"/>
+            <ac:picMk id="3" creationId="{4E45773B-3762-41A2-A15B-67E57E13AFF0}"/>
+          </ac:picMkLst>
+        </pc:picChg>
+      </pc:sldChg>
+      <pc:sldChg chg="addSp delSp modSp add mod">
+        <pc:chgData name="Ihor Aleksandrov" userId="c3051032-6b87-4db2-b257-777a0106fbd9" providerId="ADAL" clId="{EA2B8A7D-3C52-4D81-9662-EF0FB964F7A9}" dt="2024-01-24T16:32:14.326" v="126" actId="1076"/>
+        <pc:sldMkLst>
+          <pc:docMk/>
+          <pc:sldMk cId="2161892916" sldId="268"/>
+        </pc:sldMkLst>
+        <pc:spChg chg="mod">
+          <ac:chgData name="Ihor Aleksandrov" userId="c3051032-6b87-4db2-b257-777a0106fbd9" providerId="ADAL" clId="{EA2B8A7D-3C52-4D81-9662-EF0FB964F7A9}" dt="2024-01-24T16:31:48.062" v="116"/>
+          <ac:spMkLst>
+            <pc:docMk/>
+            <pc:sldMk cId="2161892916" sldId="268"/>
+            <ac:spMk id="2" creationId="{53C5D828-9666-E312-B574-9FE965A7D6BE}"/>
+          </ac:spMkLst>
+        </pc:spChg>
+        <pc:spChg chg="add del mod">
+          <ac:chgData name="Ihor Aleksandrov" userId="c3051032-6b87-4db2-b257-777a0106fbd9" providerId="ADAL" clId="{EA2B8A7D-3C52-4D81-9662-EF0FB964F7A9}" dt="2024-01-24T16:32:05.265" v="122" actId="22"/>
+          <ac:spMkLst>
+            <pc:docMk/>
+            <pc:sldMk cId="2161892916" sldId="268"/>
+            <ac:spMk id="4" creationId="{B8915959-A3F5-CE1D-2197-4D202DD13295}"/>
+          </ac:spMkLst>
+        </pc:spChg>
+        <pc:spChg chg="del mod">
+          <ac:chgData name="Ihor Aleksandrov" userId="c3051032-6b87-4db2-b257-777a0106fbd9" providerId="ADAL" clId="{EA2B8A7D-3C52-4D81-9662-EF0FB964F7A9}" dt="2024-01-24T16:31:54.161" v="118" actId="478"/>
+          <ac:spMkLst>
+            <pc:docMk/>
+            <pc:sldMk cId="2161892916" sldId="268"/>
+            <ac:spMk id="5" creationId="{02856B1C-9D37-7B11-BA48-D0E2FC265F83}"/>
+          </ac:spMkLst>
+        </pc:spChg>
+        <pc:spChg chg="add del">
+          <ac:chgData name="Ihor Aleksandrov" userId="c3051032-6b87-4db2-b257-777a0106fbd9" providerId="ADAL" clId="{EA2B8A7D-3C52-4D81-9662-EF0FB964F7A9}" dt="2024-01-24T16:32:08.037" v="124" actId="22"/>
+          <ac:spMkLst>
+            <pc:docMk/>
+            <pc:sldMk cId="2161892916" sldId="268"/>
+            <ac:spMk id="7" creationId="{DCE8D0BA-A771-5143-4367-C42932080953}"/>
+          </ac:spMkLst>
+        </pc:spChg>
+        <pc:spChg chg="add mod">
+          <ac:chgData name="Ihor Aleksandrov" userId="c3051032-6b87-4db2-b257-777a0106fbd9" providerId="ADAL" clId="{EA2B8A7D-3C52-4D81-9662-EF0FB964F7A9}" dt="2024-01-24T16:32:14.326" v="126" actId="1076"/>
+          <ac:spMkLst>
+            <pc:docMk/>
+            <pc:sldMk cId="2161892916" sldId="268"/>
+            <ac:spMk id="10" creationId="{F24BEA27-D44B-2EE7-CAFE-869E74A5EAC6}"/>
+          </ac:spMkLst>
+        </pc:spChg>
+      </pc:sldChg>
+      <pc:sldChg chg="modSp add mod">
+        <pc:chgData name="Ihor Aleksandrov" userId="c3051032-6b87-4db2-b257-777a0106fbd9" providerId="ADAL" clId="{EA2B8A7D-3C52-4D81-9662-EF0FB964F7A9}" dt="2024-01-24T16:33:04.330" v="132" actId="1076"/>
+        <pc:sldMkLst>
+          <pc:docMk/>
+          <pc:sldMk cId="3157685417" sldId="269"/>
+        </pc:sldMkLst>
+        <pc:spChg chg="mod">
+          <ac:chgData name="Ihor Aleksandrov" userId="c3051032-6b87-4db2-b257-777a0106fbd9" providerId="ADAL" clId="{EA2B8A7D-3C52-4D81-9662-EF0FB964F7A9}" dt="2024-01-24T16:32:51.150" v="130"/>
+          <ac:spMkLst>
+            <pc:docMk/>
+            <pc:sldMk cId="3157685417" sldId="269"/>
+            <ac:spMk id="2" creationId="{53C5D828-9666-E312-B574-9FE965A7D6BE}"/>
+          </ac:spMkLst>
+        </pc:spChg>
+        <pc:spChg chg="mod">
+          <ac:chgData name="Ihor Aleksandrov" userId="c3051032-6b87-4db2-b257-777a0106fbd9" providerId="ADAL" clId="{EA2B8A7D-3C52-4D81-9662-EF0FB964F7A9}" dt="2024-01-24T16:33:04.330" v="132" actId="1076"/>
+          <ac:spMkLst>
+            <pc:docMk/>
+            <pc:sldMk cId="3157685417" sldId="269"/>
+            <ac:spMk id="10" creationId="{F24BEA27-D44B-2EE7-CAFE-869E74A5EAC6}"/>
+          </ac:spMkLst>
+        </pc:spChg>
+      </pc:sldChg>
+      <pc:sldMasterChg chg="add addSldLayout">
+        <pc:chgData name="Ihor Aleksandrov" userId="c3051032-6b87-4db2-b257-777a0106fbd9" providerId="ADAL" clId="{EA2B8A7D-3C52-4D81-9662-EF0FB964F7A9}" dt="2024-01-24T16:09:52.219" v="19" actId="27028"/>
+        <pc:sldMasterMkLst>
+          <pc:docMk/>
+          <pc:sldMasterMk cId="1579723609" sldId="2147483660"/>
+        </pc:sldMasterMkLst>
+        <pc:sldLayoutChg chg="add">
+          <pc:chgData name="Ihor Aleksandrov" userId="c3051032-6b87-4db2-b257-777a0106fbd9" providerId="ADAL" clId="{EA2B8A7D-3C52-4D81-9662-EF0FB964F7A9}" dt="2024-01-24T16:09:52.219" v="19" actId="27028"/>
+          <pc:sldLayoutMkLst>
+            <pc:docMk/>
+            <pc:sldMasterMk cId="1579723609" sldId="2147483660"/>
+            <pc:sldLayoutMk cId="1498987355" sldId="2147483662"/>
+          </pc:sldLayoutMkLst>
+        </pc:sldLayoutChg>
+      </pc:sldMasterChg>
     </pc:docChg>
   </pc:docChgLst>
 </pc:chgInfo>
@@ -10594,39 +10594,6 @@
       </p:sp>
       <p:sp>
         <p:nvSpPr>
-          <p:cNvPr id="3" name="Subtitle 2">
-            <a:extLst>
-              <a:ext uri="{FF2B5EF4-FFF2-40B4-BE49-F238E27FC236}">
-                <a16:creationId xmlns:a16="http://schemas.microsoft.com/office/drawing/2014/main" id="{CC0591DF-C2F9-838D-FBD9-6ECAF8229E69}"/>
-              </a:ext>
-            </a:extLst>
-          </p:cNvPr>
-          <p:cNvSpPr>
-            <a:spLocks noGrp="1"/>
-          </p:cNvSpPr>
-          <p:nvPr>
-            <p:ph type="subTitle" idx="1"/>
-          </p:nvPr>
-        </p:nvSpPr>
-        <p:spPr>
-          <a:xfrm>
-            <a:off x="1155558" y="4307684"/>
-            <a:ext cx="9544153" cy="1906846"/>
-          </a:xfrm>
-        </p:spPr>
-        <p:txBody>
-          <a:bodyPr anchor="t">
-            <a:normAutofit/>
-          </a:bodyPr>
-          <a:lstStyle/>
-          <a:p>
-            <a:pPr algn="l"/>
-            <a:endParaRPr lang="ru-UA" sz="3200"/>
-          </a:p>
-        </p:txBody>
-      </p:sp>
-      <p:sp>
-        <p:nvSpPr>
           <p:cNvPr id="13" name="Rectangle 12">
             <a:extLst>
               <a:ext uri="{FF2B5EF4-FFF2-40B4-BE49-F238E27FC236}">
@@ -11275,8 +11242,8 @@
         </p:nvSpPr>
         <p:spPr>
           <a:xfrm>
-            <a:off x="4527804" y="394692"/>
-            <a:ext cx="7096160" cy="5632311"/>
+            <a:off x="4527804" y="801092"/>
+            <a:ext cx="7096160" cy="5078313"/>
           </a:xfrm>
           <a:prstGeom prst="rect">
             <a:avLst/>
@@ -11310,15 +11277,6 @@
             <a:r>
               <a:rPr lang="en-US" dirty="0"/>
               <a:t>You can create GitHub Pages sites that are publicly available on the internet. Organizations that use GitHub Enterprise Cloud can also publish sites privately by managing access control for the site. For more information, see "Changing the visibility of your GitHub Pages site" in the GitHub Enterprise Cloud documentation.</a:t>
-            </a:r>
-          </a:p>
-          <a:p>
-            <a:endParaRPr lang="en-US" dirty="0"/>
-          </a:p>
-          <a:p>
-            <a:r>
-              <a:rPr lang="en-US" dirty="0"/>
-              <a:t>To get started, see "Creating a GitHub Pages site."</a:t>
             </a:r>
           </a:p>
           <a:p>
@@ -11626,15 +11584,7 @@
           <a:p>
             <a:r>
               <a:rPr lang="en-US" dirty="0"/>
-              <a:t>Azure DevOps is a Software as a service (SaaS) provided by Microsoft Azure that will reduce human efforts and automates the deployment and testing of an application. You can use </a:t>
-            </a:r>
-            <a:r>
-              <a:rPr lang="en-US" dirty="0" err="1"/>
-              <a:t>no.of</a:t>
-            </a:r>
-            <a:r>
-              <a:rPr lang="en-US" dirty="0"/>
-              <a:t> services to deploy the application or complete the software development life cycle in a fast and efficient manner. previously Azure DevOps is also called Microsoft visual studio team services (VSTS).</a:t>
+              <a:t>Azure DevOps is a Software as a service (SaaS) provided by Microsoft Azure that will reduce human efforts and automates the deployment and testing of an application. You can use no of services to deploy the application or complete the software development life cycle in a fast and efficient manner. previously Azure DevOps is also called Microsoft visual studio team services (VSTS).</a:t>
             </a:r>
             <a:endParaRPr lang="ru-UA" dirty="0"/>
           </a:p>
@@ -14835,39 +14785,6 @@
       </p:sp>
       <p:sp>
         <p:nvSpPr>
-          <p:cNvPr id="3" name="Subtitle 2">
-            <a:extLst>
-              <a:ext uri="{FF2B5EF4-FFF2-40B4-BE49-F238E27FC236}">
-                <a16:creationId xmlns:a16="http://schemas.microsoft.com/office/drawing/2014/main" id="{83E94964-4387-6754-A4EC-18732A6BF475}"/>
-              </a:ext>
-            </a:extLst>
-          </p:cNvPr>
-          <p:cNvSpPr>
-            <a:spLocks noGrp="1"/>
-          </p:cNvSpPr>
-          <p:nvPr>
-            <p:ph type="subTitle" idx="1"/>
-          </p:nvPr>
-        </p:nvSpPr>
-        <p:spPr>
-          <a:xfrm>
-            <a:off x="6739464" y="637762"/>
-            <a:ext cx="4305881" cy="5860946"/>
-          </a:xfrm>
-        </p:spPr>
-        <p:txBody>
-          <a:bodyPr anchor="ctr">
-            <a:normAutofit/>
-          </a:bodyPr>
-          <a:lstStyle/>
-          <a:p>
-            <a:pPr algn="l"/>
-            <a:endParaRPr lang="ru-UA" sz="4000"/>
-          </a:p>
-        </p:txBody>
-      </p:sp>
-      <p:sp>
-        <p:nvSpPr>
           <p:cNvPr id="4" name="Footer Placeholder 3">
             <a:extLst>
               <a:ext uri="{FF2B5EF4-FFF2-40B4-BE49-F238E27FC236}">
@@ -16630,7 +16547,7 @@
         <p:spPr>
           <a:xfrm>
             <a:off x="4927476" y="1929200"/>
-            <a:ext cx="6096000" cy="2585323"/>
+            <a:ext cx="6096000" cy="2308324"/>
           </a:xfrm>
           <a:prstGeom prst="rect">
             <a:avLst/>
@@ -16645,17 +16562,7 @@
           <a:p>
             <a:r>
               <a:rPr lang="en-US" dirty="0"/>
-              <a:t>A runner is a server that runs your workflows when they're triggered. Each runner can run a single job at a time. GitHub provides Ubuntu Linux, Microsoft Windows, and macOS runners to run your workflows; each workflow run executes in a fresh, newly-provisioned virtual machine. GitHub also offers larger runners, which are available in larger configurations. For more information, see "</a:t>
-            </a:r>
-            <a:r>
-              <a:rPr lang="en-US" dirty="0">
-                <a:hlinkClick r:id="rId2"/>
-              </a:rPr>
-              <a:t>About larger runners</a:t>
-            </a:r>
-            <a:r>
-              <a:rPr lang="en-US" dirty="0"/>
-              <a:t>." If you need a different operating system or require a specific hardware configuration, you can host your own runners.</a:t>
+              <a:t>A runner is a server that runs your workflows when they're triggered. Each runner can run a single job at a time. GitHub provides Ubuntu Linux, Microsoft Windows, and macOS runners to run your workflows; each workflow run executes in a fresh, newly-provisioned virtual machine. GitHub also offers larger runners, which are available in larger configurations. If you need a different operating system or require a specific hardware configuration, you can host your own runners.</a:t>
             </a:r>
             <a:endParaRPr lang="ru-UA" dirty="0"/>
           </a:p>

--- a/Step03-Deployment_Automatization_speach.pptx
+++ b/Step03-Deployment_Automatization_speach.pptx
@@ -175,8 +175,7 @@
 <file path=ppt/revisionInfo.xml><?xml version="1.0" encoding="utf-8"?>
 <p1510:revInfo xmlns:a="http://schemas.openxmlformats.org/drawingml/2006/main" xmlns:r="http://schemas.openxmlformats.org/officeDocument/2006/relationships" xmlns:p1510="http://schemas.microsoft.com/office/powerpoint/2015/10/main">
   <p1510:revLst>
-    <p1510:client id="{543CC2C6-7ABF-48C5-8FEB-8FEABF903516}" v="16" dt="2024-01-25T15:39:05.634"/>
-    <p1510:client id="{56332CB3-8148-420A-A659-8047DFDBF6F1}" v="37" dt="2024-01-26T13:08:28.184"/>
+    <p1510:client id="{56332CB3-8148-420A-A659-8047DFDBF6F1}" v="75" dt="2024-01-30T10:37:56.399"/>
   </p1510:revLst>
 </p1510:revInfo>
 </file>
@@ -2933,9 +2932,618 @@
     </pc:docChg>
   </pc:docChgLst>
   <pc:docChgLst>
+    <pc:chgData name="Ihor Aleksandrov" userId="c3051032-6b87-4db2-b257-777a0106fbd9" providerId="ADAL" clId="{EA2B8A7D-3C52-4D81-9662-EF0FB964F7A9}"/>
+    <pc:docChg chg="undo custSel addSld delSld modSld addMainMaster">
+      <pc:chgData name="Ihor Aleksandrov" userId="c3051032-6b87-4db2-b257-777a0106fbd9" providerId="ADAL" clId="{EA2B8A7D-3C52-4D81-9662-EF0FB964F7A9}" dt="2024-01-24T16:33:04.330" v="132" actId="1076"/>
+      <pc:docMkLst>
+        <pc:docMk/>
+      </pc:docMkLst>
+      <pc:sldChg chg="addSp modSp mod">
+        <pc:chgData name="Ihor Aleksandrov" userId="c3051032-6b87-4db2-b257-777a0106fbd9" providerId="ADAL" clId="{EA2B8A7D-3C52-4D81-9662-EF0FB964F7A9}" dt="2024-01-24T16:06:56.557" v="4" actId="1076"/>
+        <pc:sldMkLst>
+          <pc:docMk/>
+          <pc:sldMk cId="3270890867" sldId="257"/>
+        </pc:sldMkLst>
+        <pc:picChg chg="add mod">
+          <ac:chgData name="Ihor Aleksandrov" userId="c3051032-6b87-4db2-b257-777a0106fbd9" providerId="ADAL" clId="{EA2B8A7D-3C52-4D81-9662-EF0FB964F7A9}" dt="2024-01-24T16:06:56.557" v="4" actId="1076"/>
+          <ac:picMkLst>
+            <pc:docMk/>
+            <pc:sldMk cId="3270890867" sldId="257"/>
+            <ac:picMk id="3" creationId="{4E689865-968D-3D93-994B-3AAC3051378B}"/>
+          </ac:picMkLst>
+        </pc:picChg>
+      </pc:sldChg>
+      <pc:sldChg chg="addSp delSp modSp mod">
+        <pc:chgData name="Ihor Aleksandrov" userId="c3051032-6b87-4db2-b257-777a0106fbd9" providerId="ADAL" clId="{EA2B8A7D-3C52-4D81-9662-EF0FB964F7A9}" dt="2024-01-24T16:10:01.112" v="22" actId="21"/>
+        <pc:sldMkLst>
+          <pc:docMk/>
+          <pc:sldMk cId="3417182101" sldId="258"/>
+        </pc:sldMkLst>
+        <pc:spChg chg="add mod">
+          <ac:chgData name="Ihor Aleksandrov" userId="c3051032-6b87-4db2-b257-777a0106fbd9" providerId="ADAL" clId="{EA2B8A7D-3C52-4D81-9662-EF0FB964F7A9}" dt="2024-01-24T16:08:27.998" v="15" actId="14100"/>
+          <ac:spMkLst>
+            <pc:docMk/>
+            <pc:sldMk cId="3417182101" sldId="258"/>
+            <ac:spMk id="5" creationId="{3101D806-403A-F079-818A-1207B8442687}"/>
+          </ac:spMkLst>
+        </pc:spChg>
+        <pc:picChg chg="add mod">
+          <ac:chgData name="Ihor Aleksandrov" userId="c3051032-6b87-4db2-b257-777a0106fbd9" providerId="ADAL" clId="{EA2B8A7D-3C52-4D81-9662-EF0FB964F7A9}" dt="2024-01-24T16:07:17.540" v="7" actId="1076"/>
+          <ac:picMkLst>
+            <pc:docMk/>
+            <pc:sldMk cId="3417182101" sldId="258"/>
+            <ac:picMk id="3" creationId="{73192EE5-F292-E8DF-78BB-C480918593D9}"/>
+          </ac:picMkLst>
+        </pc:picChg>
+        <pc:picChg chg="add del">
+          <ac:chgData name="Ihor Aleksandrov" userId="c3051032-6b87-4db2-b257-777a0106fbd9" providerId="ADAL" clId="{EA2B8A7D-3C52-4D81-9662-EF0FB964F7A9}" dt="2024-01-24T16:10:01.112" v="22" actId="21"/>
+          <ac:picMkLst>
+            <pc:docMk/>
+            <pc:sldMk cId="3417182101" sldId="258"/>
+            <ac:picMk id="6" creationId="{C576D1E6-CE0C-96E3-680F-E1B2C62F8CF7}"/>
+          </ac:picMkLst>
+        </pc:picChg>
+      </pc:sldChg>
+      <pc:sldChg chg="addSp delSp modSp add del mod">
+        <pc:chgData name="Ihor Aleksandrov" userId="c3051032-6b87-4db2-b257-777a0106fbd9" providerId="ADAL" clId="{EA2B8A7D-3C52-4D81-9662-EF0FB964F7A9}" dt="2024-01-24T16:09:34.630" v="18" actId="47"/>
+        <pc:sldMkLst>
+          <pc:docMk/>
+          <pc:sldMk cId="1989911605" sldId="259"/>
+        </pc:sldMkLst>
+        <pc:picChg chg="del">
+          <ac:chgData name="Ihor Aleksandrov" userId="c3051032-6b87-4db2-b257-777a0106fbd9" providerId="ADAL" clId="{EA2B8A7D-3C52-4D81-9662-EF0FB964F7A9}" dt="2024-01-24T16:07:27.525" v="9" actId="478"/>
+          <ac:picMkLst>
+            <pc:docMk/>
+            <pc:sldMk cId="1989911605" sldId="259"/>
+            <ac:picMk id="3" creationId="{73192EE5-F292-E8DF-78BB-C480918593D9}"/>
+          </ac:picMkLst>
+        </pc:picChg>
+        <pc:picChg chg="add del mod">
+          <ac:chgData name="Ihor Aleksandrov" userId="c3051032-6b87-4db2-b257-777a0106fbd9" providerId="ADAL" clId="{EA2B8A7D-3C52-4D81-9662-EF0FB964F7A9}" dt="2024-01-24T16:09:28.758" v="16" actId="21"/>
+          <ac:picMkLst>
+            <pc:docMk/>
+            <pc:sldMk cId="1989911605" sldId="259"/>
+            <ac:picMk id="4" creationId="{9B699F11-38F0-D536-EC59-183316D30A0B}"/>
+          </ac:picMkLst>
+        </pc:picChg>
+      </pc:sldChg>
+      <pc:sldChg chg="addSp delSp modSp add mod">
+        <pc:chgData name="Ihor Aleksandrov" userId="c3051032-6b87-4db2-b257-777a0106fbd9" providerId="ADAL" clId="{EA2B8A7D-3C52-4D81-9662-EF0FB964F7A9}" dt="2024-01-24T16:10:33.240" v="28" actId="14100"/>
+        <pc:sldMkLst>
+          <pc:docMk/>
+          <pc:sldMk cId="2385514391" sldId="259"/>
+        </pc:sldMkLst>
+        <pc:spChg chg="add mod">
+          <ac:chgData name="Ihor Aleksandrov" userId="c3051032-6b87-4db2-b257-777a0106fbd9" providerId="ADAL" clId="{EA2B8A7D-3C52-4D81-9662-EF0FB964F7A9}" dt="2024-01-24T16:10:33.240" v="28" actId="14100"/>
+          <ac:spMkLst>
+            <pc:docMk/>
+            <pc:sldMk cId="2385514391" sldId="259"/>
+            <ac:spMk id="6" creationId="{115DFACF-1AA5-C3DC-C0A7-872F6D553428}"/>
+          </ac:spMkLst>
+        </pc:spChg>
+        <pc:picChg chg="add mod">
+          <ac:chgData name="Ihor Aleksandrov" userId="c3051032-6b87-4db2-b257-777a0106fbd9" providerId="ADAL" clId="{EA2B8A7D-3C52-4D81-9662-EF0FB964F7A9}" dt="2024-01-24T16:10:10.447" v="25" actId="1076"/>
+          <ac:picMkLst>
+            <pc:docMk/>
+            <pc:sldMk cId="2385514391" sldId="259"/>
+            <ac:picMk id="3" creationId="{94771F4B-C97E-4C7E-EE32-62B9CE4843E8}"/>
+          </ac:picMkLst>
+        </pc:picChg>
+        <pc:picChg chg="del">
+          <ac:chgData name="Ihor Aleksandrov" userId="c3051032-6b87-4db2-b257-777a0106fbd9" providerId="ADAL" clId="{EA2B8A7D-3C52-4D81-9662-EF0FB964F7A9}" dt="2024-01-24T16:09:56.379" v="21" actId="478"/>
+          <ac:picMkLst>
+            <pc:docMk/>
+            <pc:sldMk cId="2385514391" sldId="259"/>
+            <ac:picMk id="4" creationId="{385F9644-E8EA-6C22-DF80-DC79BE06769D}"/>
+          </ac:picMkLst>
+        </pc:picChg>
+      </pc:sldChg>
+      <pc:sldChg chg="addSp delSp modSp add mod">
+        <pc:chgData name="Ihor Aleksandrov" userId="c3051032-6b87-4db2-b257-777a0106fbd9" providerId="ADAL" clId="{EA2B8A7D-3C52-4D81-9662-EF0FB964F7A9}" dt="2024-01-24T16:14:38.639" v="41" actId="14100"/>
+        <pc:sldMkLst>
+          <pc:docMk/>
+          <pc:sldMk cId="1272792471" sldId="260"/>
+        </pc:sldMkLst>
+        <pc:spChg chg="add del">
+          <ac:chgData name="Ihor Aleksandrov" userId="c3051032-6b87-4db2-b257-777a0106fbd9" providerId="ADAL" clId="{EA2B8A7D-3C52-4D81-9662-EF0FB964F7A9}" dt="2024-01-24T16:14:31.607" v="38" actId="22"/>
+          <ac:spMkLst>
+            <pc:docMk/>
+            <pc:sldMk cId="1272792471" sldId="260"/>
+            <ac:spMk id="6" creationId="{3FE0DD55-F1FF-817B-C521-E1B38C3903B5}"/>
+          </ac:spMkLst>
+        </pc:spChg>
+        <pc:spChg chg="add mod">
+          <ac:chgData name="Ihor Aleksandrov" userId="c3051032-6b87-4db2-b257-777a0106fbd9" providerId="ADAL" clId="{EA2B8A7D-3C52-4D81-9662-EF0FB964F7A9}" dt="2024-01-24T16:14:38.639" v="41" actId="14100"/>
+          <ac:spMkLst>
+            <pc:docMk/>
+            <pc:sldMk cId="1272792471" sldId="260"/>
+            <ac:spMk id="8" creationId="{962CACC9-F2FB-EAE2-C7FA-A5DDED1544E9}"/>
+          </ac:spMkLst>
+        </pc:spChg>
+        <pc:picChg chg="add mod">
+          <ac:chgData name="Ihor Aleksandrov" userId="c3051032-6b87-4db2-b257-777a0106fbd9" providerId="ADAL" clId="{EA2B8A7D-3C52-4D81-9662-EF0FB964F7A9}" dt="2024-01-24T16:14:21.159" v="36" actId="1076"/>
+          <ac:picMkLst>
+            <pc:docMk/>
+            <pc:sldMk cId="1272792471" sldId="260"/>
+            <ac:picMk id="3" creationId="{1546C464-6844-1963-9CFB-73B9F3FB02A1}"/>
+          </ac:picMkLst>
+        </pc:picChg>
+        <pc:picChg chg="del">
+          <ac:chgData name="Ihor Aleksandrov" userId="c3051032-6b87-4db2-b257-777a0106fbd9" providerId="ADAL" clId="{EA2B8A7D-3C52-4D81-9662-EF0FB964F7A9}" dt="2024-01-24T16:14:01.347" v="31" actId="478"/>
+          <ac:picMkLst>
+            <pc:docMk/>
+            <pc:sldMk cId="1272792471" sldId="260"/>
+            <ac:picMk id="4" creationId="{385F9644-E8EA-6C22-DF80-DC79BE06769D}"/>
+          </ac:picMkLst>
+        </pc:picChg>
+      </pc:sldChg>
+      <pc:sldChg chg="addSp delSp modSp add del mod setBg delDesignElem">
+        <pc:chgData name="Ihor Aleksandrov" userId="c3051032-6b87-4db2-b257-777a0106fbd9" providerId="ADAL" clId="{EA2B8A7D-3C52-4D81-9662-EF0FB964F7A9}" dt="2024-01-24T16:18:02.567" v="53" actId="1076"/>
+        <pc:sldMkLst>
+          <pc:docMk/>
+          <pc:sldMk cId="3278151509" sldId="261"/>
+        </pc:sldMkLst>
+        <pc:spChg chg="mod">
+          <ac:chgData name="Ihor Aleksandrov" userId="c3051032-6b87-4db2-b257-777a0106fbd9" providerId="ADAL" clId="{EA2B8A7D-3C52-4D81-9662-EF0FB964F7A9}" dt="2024-01-24T16:17:36.102" v="47" actId="26606"/>
+          <ac:spMkLst>
+            <pc:docMk/>
+            <pc:sldMk cId="3278151509" sldId="261"/>
+            <ac:spMk id="2" creationId="{53C5D828-9666-E312-B574-9FE965A7D6BE}"/>
+          </ac:spMkLst>
+        </pc:spChg>
+        <pc:spChg chg="add del">
+          <ac:chgData name="Ihor Aleksandrov" userId="c3051032-6b87-4db2-b257-777a0106fbd9" providerId="ADAL" clId="{EA2B8A7D-3C52-4D81-9662-EF0FB964F7A9}" dt="2024-01-24T16:17:57.899" v="51" actId="22"/>
+          <ac:spMkLst>
+            <pc:docMk/>
+            <pc:sldMk cId="3278151509" sldId="261"/>
+            <ac:spMk id="5" creationId="{80C09514-761F-EDD8-1695-BBF5A6E5D9C0}"/>
+          </ac:spMkLst>
+        </pc:spChg>
+        <pc:spChg chg="add mod">
+          <ac:chgData name="Ihor Aleksandrov" userId="c3051032-6b87-4db2-b257-777a0106fbd9" providerId="ADAL" clId="{EA2B8A7D-3C52-4D81-9662-EF0FB964F7A9}" dt="2024-01-24T16:18:02.567" v="53" actId="1076"/>
+          <ac:spMkLst>
+            <pc:docMk/>
+            <pc:sldMk cId="3278151509" sldId="261"/>
+            <ac:spMk id="7" creationId="{01126049-0F88-3BD5-09AE-A83AF81ABE26}"/>
+          </ac:spMkLst>
+        </pc:spChg>
+        <pc:spChg chg="add">
+          <ac:chgData name="Ihor Aleksandrov" userId="c3051032-6b87-4db2-b257-777a0106fbd9" providerId="ADAL" clId="{EA2B8A7D-3C52-4D81-9662-EF0FB964F7A9}" dt="2024-01-24T16:17:36.102" v="47" actId="26606"/>
+          <ac:spMkLst>
+            <pc:docMk/>
+            <pc:sldMk cId="3278151509" sldId="261"/>
+            <ac:spMk id="9" creationId="{D4771268-CB57-404A-9271-370EB28F6090}"/>
+          </ac:spMkLst>
+        </pc:spChg>
+        <pc:spChg chg="add del">
+          <ac:chgData name="Ihor Aleksandrov" userId="c3051032-6b87-4db2-b257-777a0106fbd9" providerId="ADAL" clId="{EA2B8A7D-3C52-4D81-9662-EF0FB964F7A9}" dt="2024-01-24T16:17:09.141" v="46"/>
+          <ac:spMkLst>
+            <pc:docMk/>
+            <pc:sldMk cId="3278151509" sldId="261"/>
+            <ac:spMk id="24" creationId="{D4771268-CB57-404A-9271-370EB28F6090}"/>
+          </ac:spMkLst>
+        </pc:spChg>
+        <pc:picChg chg="mod ord">
+          <ac:chgData name="Ihor Aleksandrov" userId="c3051032-6b87-4db2-b257-777a0106fbd9" providerId="ADAL" clId="{EA2B8A7D-3C52-4D81-9662-EF0FB964F7A9}" dt="2024-01-24T16:17:46.040" v="49" actId="1076"/>
+          <ac:picMkLst>
+            <pc:docMk/>
+            <pc:sldMk cId="3278151509" sldId="261"/>
+            <ac:picMk id="4" creationId="{110B72A2-37FD-3982-5358-333497678F76}"/>
+          </ac:picMkLst>
+        </pc:picChg>
+      </pc:sldChg>
+      <pc:sldChg chg="addSp delSp modSp add mod setBg delDesignElem">
+        <pc:chgData name="Ihor Aleksandrov" userId="c3051032-6b87-4db2-b257-777a0106fbd9" providerId="ADAL" clId="{EA2B8A7D-3C52-4D81-9662-EF0FB964F7A9}" dt="2024-01-24T16:20:59.581" v="66" actId="1076"/>
+        <pc:sldMkLst>
+          <pc:docMk/>
+          <pc:sldMk cId="3670086471" sldId="262"/>
+        </pc:sldMkLst>
+        <pc:spChg chg="mod">
+          <ac:chgData name="Ihor Aleksandrov" userId="c3051032-6b87-4db2-b257-777a0106fbd9" providerId="ADAL" clId="{EA2B8A7D-3C52-4D81-9662-EF0FB964F7A9}" dt="2024-01-24T16:20:22.633" v="56" actId="26606"/>
+          <ac:spMkLst>
+            <pc:docMk/>
+            <pc:sldMk cId="3670086471" sldId="262"/>
+            <ac:spMk id="2" creationId="{53C5D828-9666-E312-B574-9FE965A7D6BE}"/>
+          </ac:spMkLst>
+        </pc:spChg>
+        <pc:spChg chg="add del">
+          <ac:chgData name="Ihor Aleksandrov" userId="c3051032-6b87-4db2-b257-777a0106fbd9" providerId="ADAL" clId="{EA2B8A7D-3C52-4D81-9662-EF0FB964F7A9}" dt="2024-01-24T16:20:43.237" v="60" actId="22"/>
+          <ac:spMkLst>
+            <pc:docMk/>
+            <pc:sldMk cId="3670086471" sldId="262"/>
+            <ac:spMk id="5" creationId="{87F45561-879D-7670-C001-865486ED03AA}"/>
+          </ac:spMkLst>
+        </pc:spChg>
+        <pc:spChg chg="add mod">
+          <ac:chgData name="Ihor Aleksandrov" userId="c3051032-6b87-4db2-b257-777a0106fbd9" providerId="ADAL" clId="{EA2B8A7D-3C52-4D81-9662-EF0FB964F7A9}" dt="2024-01-24T16:20:59.581" v="66" actId="1076"/>
+          <ac:spMkLst>
+            <pc:docMk/>
+            <pc:sldMk cId="3670086471" sldId="262"/>
+            <ac:spMk id="7" creationId="{0C7CD13E-FC32-AC89-26A1-AF80634998A4}"/>
+          </ac:spMkLst>
+        </pc:spChg>
+        <pc:spChg chg="add">
+          <ac:chgData name="Ihor Aleksandrov" userId="c3051032-6b87-4db2-b257-777a0106fbd9" providerId="ADAL" clId="{EA2B8A7D-3C52-4D81-9662-EF0FB964F7A9}" dt="2024-01-24T16:20:22.633" v="56" actId="26606"/>
+          <ac:spMkLst>
+            <pc:docMk/>
+            <pc:sldMk cId="3670086471" sldId="262"/>
+            <ac:spMk id="8" creationId="{D4771268-CB57-404A-9271-370EB28F6090}"/>
+          </ac:spMkLst>
+        </pc:spChg>
+        <pc:spChg chg="del">
+          <ac:chgData name="Ihor Aleksandrov" userId="c3051032-6b87-4db2-b257-777a0106fbd9" providerId="ADAL" clId="{EA2B8A7D-3C52-4D81-9662-EF0FB964F7A9}" dt="2024-01-24T16:20:18.797" v="55"/>
+          <ac:spMkLst>
+            <pc:docMk/>
+            <pc:sldMk cId="3670086471" sldId="262"/>
+            <ac:spMk id="24" creationId="{D4771268-CB57-404A-9271-370EB28F6090}"/>
+          </ac:spMkLst>
+        </pc:spChg>
+        <pc:picChg chg="mod ord">
+          <ac:chgData name="Ihor Aleksandrov" userId="c3051032-6b87-4db2-b257-777a0106fbd9" providerId="ADAL" clId="{EA2B8A7D-3C52-4D81-9662-EF0FB964F7A9}" dt="2024-01-24T16:20:28.992" v="58" actId="1076"/>
+          <ac:picMkLst>
+            <pc:docMk/>
+            <pc:sldMk cId="3670086471" sldId="262"/>
+            <ac:picMk id="3" creationId="{05A9FF40-DCEC-8E82-7C4D-BDBC1FAB1FDA}"/>
+          </ac:picMkLst>
+        </pc:picChg>
+      </pc:sldChg>
+      <pc:sldChg chg="addSp delSp modSp add mod setBg delDesignElem">
+        <pc:chgData name="Ihor Aleksandrov" userId="c3051032-6b87-4db2-b257-777a0106fbd9" providerId="ADAL" clId="{EA2B8A7D-3C52-4D81-9662-EF0FB964F7A9}" dt="2024-01-24T16:23:06.581" v="73" actId="1076"/>
+        <pc:sldMkLst>
+          <pc:docMk/>
+          <pc:sldMk cId="2476824021" sldId="263"/>
+        </pc:sldMkLst>
+        <pc:spChg chg="mod">
+          <ac:chgData name="Ihor Aleksandrov" userId="c3051032-6b87-4db2-b257-777a0106fbd9" providerId="ADAL" clId="{EA2B8A7D-3C52-4D81-9662-EF0FB964F7A9}" dt="2024-01-24T16:22:47.826" v="69" actId="26606"/>
+          <ac:spMkLst>
+            <pc:docMk/>
+            <pc:sldMk cId="2476824021" sldId="263"/>
+            <ac:spMk id="2" creationId="{53C5D828-9666-E312-B574-9FE965A7D6BE}"/>
+          </ac:spMkLst>
+        </pc:spChg>
+        <pc:spChg chg="add mod">
+          <ac:chgData name="Ihor Aleksandrov" userId="c3051032-6b87-4db2-b257-777a0106fbd9" providerId="ADAL" clId="{EA2B8A7D-3C52-4D81-9662-EF0FB964F7A9}" dt="2024-01-24T16:23:06.581" v="73" actId="1076"/>
+          <ac:spMkLst>
+            <pc:docMk/>
+            <pc:sldMk cId="2476824021" sldId="263"/>
+            <ac:spMk id="5" creationId="{E202FD3D-76E9-4318-0828-6FB8B5DBD2C5}"/>
+          </ac:spMkLst>
+        </pc:spChg>
+        <pc:spChg chg="add">
+          <ac:chgData name="Ihor Aleksandrov" userId="c3051032-6b87-4db2-b257-777a0106fbd9" providerId="ADAL" clId="{EA2B8A7D-3C52-4D81-9662-EF0FB964F7A9}" dt="2024-01-24T16:22:47.826" v="69" actId="26606"/>
+          <ac:spMkLst>
+            <pc:docMk/>
+            <pc:sldMk cId="2476824021" sldId="263"/>
+            <ac:spMk id="9" creationId="{D4771268-CB57-404A-9271-370EB28F6090}"/>
+          </ac:spMkLst>
+        </pc:spChg>
+        <pc:spChg chg="del">
+          <ac:chgData name="Ihor Aleksandrov" userId="c3051032-6b87-4db2-b257-777a0106fbd9" providerId="ADAL" clId="{EA2B8A7D-3C52-4D81-9662-EF0FB964F7A9}" dt="2024-01-24T16:22:44.812" v="68"/>
+          <ac:spMkLst>
+            <pc:docMk/>
+            <pc:sldMk cId="2476824021" sldId="263"/>
+            <ac:spMk id="24" creationId="{D4771268-CB57-404A-9271-370EB28F6090}"/>
+          </ac:spMkLst>
+        </pc:spChg>
+        <pc:picChg chg="mod">
+          <ac:chgData name="Ihor Aleksandrov" userId="c3051032-6b87-4db2-b257-777a0106fbd9" providerId="ADAL" clId="{EA2B8A7D-3C52-4D81-9662-EF0FB964F7A9}" dt="2024-01-24T16:22:54.712" v="71" actId="1076"/>
+          <ac:picMkLst>
+            <pc:docMk/>
+            <pc:sldMk cId="2476824021" sldId="263"/>
+            <ac:picMk id="4" creationId="{0A4A47BB-B86E-CE6D-6738-81D9FF41289F}"/>
+          </ac:picMkLst>
+        </pc:picChg>
+      </pc:sldChg>
+      <pc:sldChg chg="addSp delSp modSp add del mod setBg delDesignElem">
+        <pc:chgData name="Ihor Aleksandrov" userId="c3051032-6b87-4db2-b257-777a0106fbd9" providerId="ADAL" clId="{EA2B8A7D-3C52-4D81-9662-EF0FB964F7A9}" dt="2024-01-24T16:26:03.232" v="79" actId="47"/>
+        <pc:sldMkLst>
+          <pc:docMk/>
+          <pc:sldMk cId="303933854" sldId="264"/>
+        </pc:sldMkLst>
+        <pc:spChg chg="mod">
+          <ac:chgData name="Ihor Aleksandrov" userId="c3051032-6b87-4db2-b257-777a0106fbd9" providerId="ADAL" clId="{EA2B8A7D-3C52-4D81-9662-EF0FB964F7A9}" dt="2024-01-24T16:25:24.035" v="76" actId="26606"/>
+          <ac:spMkLst>
+            <pc:docMk/>
+            <pc:sldMk cId="303933854" sldId="264"/>
+            <ac:spMk id="2" creationId="{53C5D828-9666-E312-B574-9FE965A7D6BE}"/>
+          </ac:spMkLst>
+        </pc:spChg>
+        <pc:spChg chg="add">
+          <ac:chgData name="Ihor Aleksandrov" userId="c3051032-6b87-4db2-b257-777a0106fbd9" providerId="ADAL" clId="{EA2B8A7D-3C52-4D81-9662-EF0FB964F7A9}" dt="2024-01-24T16:25:24.035" v="76" actId="26606"/>
+          <ac:spMkLst>
+            <pc:docMk/>
+            <pc:sldMk cId="303933854" sldId="264"/>
+            <ac:spMk id="10" creationId="{53F29798-D584-4792-9B62-3F5F5C36D619}"/>
+          </ac:spMkLst>
+        </pc:spChg>
+        <pc:spChg chg="del">
+          <ac:chgData name="Ihor Aleksandrov" userId="c3051032-6b87-4db2-b257-777a0106fbd9" providerId="ADAL" clId="{EA2B8A7D-3C52-4D81-9662-EF0FB964F7A9}" dt="2024-01-24T16:25:20.099" v="75"/>
+          <ac:spMkLst>
+            <pc:docMk/>
+            <pc:sldMk cId="303933854" sldId="264"/>
+            <ac:spMk id="24" creationId="{D4771268-CB57-404A-9271-370EB28F6090}"/>
+          </ac:spMkLst>
+        </pc:spChg>
+        <pc:picChg chg="mod">
+          <ac:chgData name="Ihor Aleksandrov" userId="c3051032-6b87-4db2-b257-777a0106fbd9" providerId="ADAL" clId="{EA2B8A7D-3C52-4D81-9662-EF0FB964F7A9}" dt="2024-01-24T16:25:24.035" v="76" actId="26606"/>
+          <ac:picMkLst>
+            <pc:docMk/>
+            <pc:sldMk cId="303933854" sldId="264"/>
+            <ac:picMk id="3" creationId="{438AE1ED-C17A-0BC4-8D21-4B49E9F91B9F}"/>
+          </ac:picMkLst>
+        </pc:picChg>
+        <pc:picChg chg="mod ord">
+          <ac:chgData name="Ihor Aleksandrov" userId="c3051032-6b87-4db2-b257-777a0106fbd9" providerId="ADAL" clId="{EA2B8A7D-3C52-4D81-9662-EF0FB964F7A9}" dt="2024-01-24T16:25:24.035" v="76" actId="26606"/>
+          <ac:picMkLst>
+            <pc:docMk/>
+            <pc:sldMk cId="303933854" sldId="264"/>
+            <ac:picMk id="5" creationId="{699631DD-6035-BB9F-11EC-4E9F01F1D081}"/>
+          </ac:picMkLst>
+        </pc:picChg>
+      </pc:sldChg>
+      <pc:sldChg chg="delSp add del mod setBg delDesignElem">
+        <pc:chgData name="Ihor Aleksandrov" userId="c3051032-6b87-4db2-b257-777a0106fbd9" providerId="ADAL" clId="{EA2B8A7D-3C52-4D81-9662-EF0FB964F7A9}" dt="2024-01-24T16:26:15.663" v="82" actId="2696"/>
+        <pc:sldMkLst>
+          <pc:docMk/>
+          <pc:sldMk cId="3329585973" sldId="265"/>
+        </pc:sldMkLst>
+        <pc:spChg chg="del">
+          <ac:chgData name="Ihor Aleksandrov" userId="c3051032-6b87-4db2-b257-777a0106fbd9" providerId="ADAL" clId="{EA2B8A7D-3C52-4D81-9662-EF0FB964F7A9}" dt="2024-01-24T16:25:53.024" v="78"/>
+          <ac:spMkLst>
+            <pc:docMk/>
+            <pc:sldMk cId="3329585973" sldId="265"/>
+            <ac:spMk id="24" creationId="{D4771268-CB57-404A-9271-370EB28F6090}"/>
+          </ac:spMkLst>
+        </pc:spChg>
+        <pc:picChg chg="del">
+          <ac:chgData name="Ihor Aleksandrov" userId="c3051032-6b87-4db2-b257-777a0106fbd9" providerId="ADAL" clId="{EA2B8A7D-3C52-4D81-9662-EF0FB964F7A9}" dt="2024-01-24T16:26:11.119" v="81" actId="21"/>
+          <ac:picMkLst>
+            <pc:docMk/>
+            <pc:sldMk cId="3329585973" sldId="265"/>
+            <ac:picMk id="3" creationId="{438AE1ED-C17A-0BC4-8D21-4B49E9F91B9F}"/>
+          </ac:picMkLst>
+        </pc:picChg>
+        <pc:picChg chg="del">
+          <ac:chgData name="Ihor Aleksandrov" userId="c3051032-6b87-4db2-b257-777a0106fbd9" providerId="ADAL" clId="{EA2B8A7D-3C52-4D81-9662-EF0FB964F7A9}" dt="2024-01-24T16:26:11.119" v="81" actId="21"/>
+          <ac:picMkLst>
+            <pc:docMk/>
+            <pc:sldMk cId="3329585973" sldId="265"/>
+            <ac:picMk id="5" creationId="{699631DD-6035-BB9F-11EC-4E9F01F1D081}"/>
+          </ac:picMkLst>
+        </pc:picChg>
+      </pc:sldChg>
+      <pc:sldChg chg="delSp add del mod setBg delDesignElem">
+        <pc:chgData name="Ihor Aleksandrov" userId="c3051032-6b87-4db2-b257-777a0106fbd9" providerId="ADAL" clId="{EA2B8A7D-3C52-4D81-9662-EF0FB964F7A9}" dt="2024-01-24T16:30:49.711" v="105" actId="47"/>
+        <pc:sldMkLst>
+          <pc:docMk/>
+          <pc:sldMk cId="3569579791" sldId="265"/>
+        </pc:sldMkLst>
+        <pc:spChg chg="del">
+          <ac:chgData name="Ihor Aleksandrov" userId="c3051032-6b87-4db2-b257-777a0106fbd9" providerId="ADAL" clId="{EA2B8A7D-3C52-4D81-9662-EF0FB964F7A9}" dt="2024-01-24T16:30:40.099" v="103" actId="478"/>
+          <ac:spMkLst>
+            <pc:docMk/>
+            <pc:sldMk cId="3569579791" sldId="265"/>
+            <ac:spMk id="6" creationId="{E04F08BD-B70E-B1A8-7328-EE29B18E4AA1}"/>
+          </ac:spMkLst>
+        </pc:spChg>
+        <pc:spChg chg="del">
+          <ac:chgData name="Ihor Aleksandrov" userId="c3051032-6b87-4db2-b257-777a0106fbd9" providerId="ADAL" clId="{EA2B8A7D-3C52-4D81-9662-EF0FB964F7A9}" dt="2024-01-24T16:30:26.607" v="102"/>
+          <ac:spMkLst>
+            <pc:docMk/>
+            <pc:sldMk cId="3569579791" sldId="265"/>
+            <ac:spMk id="24" creationId="{D4771268-CB57-404A-9271-370EB28F6090}"/>
+          </ac:spMkLst>
+        </pc:spChg>
+      </pc:sldChg>
+      <pc:sldChg chg="addSp delSp modSp add mod">
+        <pc:chgData name="Ihor Aleksandrov" userId="c3051032-6b87-4db2-b257-777a0106fbd9" providerId="ADAL" clId="{EA2B8A7D-3C52-4D81-9662-EF0FB964F7A9}" dt="2024-01-24T16:27:15.280" v="97"/>
+        <pc:sldMkLst>
+          <pc:docMk/>
+          <pc:sldMk cId="1454947672" sldId="266"/>
+        </pc:sldMkLst>
+        <pc:spChg chg="mod">
+          <ac:chgData name="Ihor Aleksandrov" userId="c3051032-6b87-4db2-b257-777a0106fbd9" providerId="ADAL" clId="{EA2B8A7D-3C52-4D81-9662-EF0FB964F7A9}" dt="2024-01-24T16:27:15.280" v="97"/>
+          <ac:spMkLst>
+            <pc:docMk/>
+            <pc:sldMk cId="1454947672" sldId="266"/>
+            <ac:spMk id="2" creationId="{53C5D828-9666-E312-B574-9FE965A7D6BE}"/>
+          </ac:spMkLst>
+        </pc:spChg>
+        <pc:spChg chg="del mod">
+          <ac:chgData name="Ihor Aleksandrov" userId="c3051032-6b87-4db2-b257-777a0106fbd9" providerId="ADAL" clId="{EA2B8A7D-3C52-4D81-9662-EF0FB964F7A9}" dt="2024-01-24T16:26:42.413" v="88" actId="478"/>
+          <ac:spMkLst>
+            <pc:docMk/>
+            <pc:sldMk cId="1454947672" sldId="266"/>
+            <ac:spMk id="5" creationId="{E202FD3D-76E9-4318-0828-6FB8B5DBD2C5}"/>
+          </ac:spMkLst>
+        </pc:spChg>
+        <pc:spChg chg="add del">
+          <ac:chgData name="Ihor Aleksandrov" userId="c3051032-6b87-4db2-b257-777a0106fbd9" providerId="ADAL" clId="{EA2B8A7D-3C52-4D81-9662-EF0FB964F7A9}" dt="2024-01-24T16:26:47.309" v="90" actId="22"/>
+          <ac:spMkLst>
+            <pc:docMk/>
+            <pc:sldMk cId="1454947672" sldId="266"/>
+            <ac:spMk id="7" creationId="{EBBF43C8-41E2-AE32-94D4-F581BEA6FE8A}"/>
+          </ac:spMkLst>
+        </pc:spChg>
+        <pc:spChg chg="add mod">
+          <ac:chgData name="Ihor Aleksandrov" userId="c3051032-6b87-4db2-b257-777a0106fbd9" providerId="ADAL" clId="{EA2B8A7D-3C52-4D81-9662-EF0FB964F7A9}" dt="2024-01-24T16:26:50.235" v="92" actId="1076"/>
+          <ac:spMkLst>
+            <pc:docMk/>
+            <pc:sldMk cId="1454947672" sldId="266"/>
+            <ac:spMk id="10" creationId="{876EA409-9CED-1530-7AE1-2CE040ED9572}"/>
+          </ac:spMkLst>
+        </pc:spChg>
+        <pc:spChg chg="add del">
+          <ac:chgData name="Ihor Aleksandrov" userId="c3051032-6b87-4db2-b257-777a0106fbd9" providerId="ADAL" clId="{EA2B8A7D-3C52-4D81-9662-EF0FB964F7A9}" dt="2024-01-24T16:27:03.773" v="94" actId="22"/>
+          <ac:spMkLst>
+            <pc:docMk/>
+            <pc:sldMk cId="1454947672" sldId="266"/>
+            <ac:spMk id="12" creationId="{B2D7BD0E-CC55-1DD1-5742-E58CD9EC1D9B}"/>
+          </ac:spMkLst>
+        </pc:spChg>
+        <pc:spChg chg="add mod">
+          <ac:chgData name="Ihor Aleksandrov" userId="c3051032-6b87-4db2-b257-777a0106fbd9" providerId="ADAL" clId="{EA2B8A7D-3C52-4D81-9662-EF0FB964F7A9}" dt="2024-01-24T16:27:06.948" v="96" actId="1076"/>
+          <ac:spMkLst>
+            <pc:docMk/>
+            <pc:sldMk cId="1454947672" sldId="266"/>
+            <ac:spMk id="14" creationId="{51860035-8393-B608-A571-9F2BF673BAF4}"/>
+          </ac:spMkLst>
+        </pc:spChg>
+        <pc:picChg chg="add mod">
+          <ac:chgData name="Ihor Aleksandrov" userId="c3051032-6b87-4db2-b257-777a0106fbd9" providerId="ADAL" clId="{EA2B8A7D-3C52-4D81-9662-EF0FB964F7A9}" dt="2024-01-24T16:26:30.403" v="86" actId="1076"/>
+          <ac:picMkLst>
+            <pc:docMk/>
+            <pc:sldMk cId="1454947672" sldId="266"/>
+            <ac:picMk id="3" creationId="{4E45773B-3762-41A2-A15B-67E57E13AFF0}"/>
+          </ac:picMkLst>
+        </pc:picChg>
+        <pc:picChg chg="del">
+          <ac:chgData name="Ihor Aleksandrov" userId="c3051032-6b87-4db2-b257-777a0106fbd9" providerId="ADAL" clId="{EA2B8A7D-3C52-4D81-9662-EF0FB964F7A9}" dt="2024-01-24T16:26:26.334" v="85" actId="478"/>
+          <ac:picMkLst>
+            <pc:docMk/>
+            <pc:sldMk cId="1454947672" sldId="266"/>
+            <ac:picMk id="4" creationId="{0A4A47BB-B86E-CE6D-6738-81D9FF41289F}"/>
+          </ac:picMkLst>
+        </pc:picChg>
+      </pc:sldChg>
+      <pc:sldChg chg="addSp delSp modSp add mod">
+        <pc:chgData name="Ihor Aleksandrov" userId="c3051032-6b87-4db2-b257-777a0106fbd9" providerId="ADAL" clId="{EA2B8A7D-3C52-4D81-9662-EF0FB964F7A9}" dt="2024-01-24T16:31:25.335" v="112" actId="1076"/>
+        <pc:sldMkLst>
+          <pc:docMk/>
+          <pc:sldMk cId="361920255" sldId="267"/>
+        </pc:sldMkLst>
+        <pc:spChg chg="mod">
+          <ac:chgData name="Ihor Aleksandrov" userId="c3051032-6b87-4db2-b257-777a0106fbd9" providerId="ADAL" clId="{EA2B8A7D-3C52-4D81-9662-EF0FB964F7A9}" dt="2024-01-24T16:31:13.857" v="110"/>
+          <ac:spMkLst>
+            <pc:docMk/>
+            <pc:sldMk cId="361920255" sldId="267"/>
+            <ac:spMk id="2" creationId="{53C5D828-9666-E312-B574-9FE965A7D6BE}"/>
+          </ac:spMkLst>
+        </pc:spChg>
+        <pc:spChg chg="add mod">
+          <ac:chgData name="Ihor Aleksandrov" userId="c3051032-6b87-4db2-b257-777a0106fbd9" providerId="ADAL" clId="{EA2B8A7D-3C52-4D81-9662-EF0FB964F7A9}" dt="2024-01-24T16:31:25.335" v="112" actId="1076"/>
+          <ac:spMkLst>
+            <pc:docMk/>
+            <pc:sldMk cId="361920255" sldId="267"/>
+            <ac:spMk id="5" creationId="{02856B1C-9D37-7B11-BA48-D0E2FC265F83}"/>
+          </ac:spMkLst>
+        </pc:spChg>
+        <pc:spChg chg="del mod">
+          <ac:chgData name="Ihor Aleksandrov" userId="c3051032-6b87-4db2-b257-777a0106fbd9" providerId="ADAL" clId="{EA2B8A7D-3C52-4D81-9662-EF0FB964F7A9}" dt="2024-01-24T16:30:58.832" v="107" actId="478"/>
+          <ac:spMkLst>
+            <pc:docMk/>
+            <pc:sldMk cId="361920255" sldId="267"/>
+            <ac:spMk id="10" creationId="{876EA409-9CED-1530-7AE1-2CE040ED9572}"/>
+          </ac:spMkLst>
+        </pc:spChg>
+        <pc:spChg chg="del">
+          <ac:chgData name="Ihor Aleksandrov" userId="c3051032-6b87-4db2-b257-777a0106fbd9" providerId="ADAL" clId="{EA2B8A7D-3C52-4D81-9662-EF0FB964F7A9}" dt="2024-01-24T16:31:00.543" v="108" actId="478"/>
+          <ac:spMkLst>
+            <pc:docMk/>
+            <pc:sldMk cId="361920255" sldId="267"/>
+            <ac:spMk id="14" creationId="{51860035-8393-B608-A571-9F2BF673BAF4}"/>
+          </ac:spMkLst>
+        </pc:spChg>
+        <pc:picChg chg="del">
+          <ac:chgData name="Ihor Aleksandrov" userId="c3051032-6b87-4db2-b257-777a0106fbd9" providerId="ADAL" clId="{EA2B8A7D-3C52-4D81-9662-EF0FB964F7A9}" dt="2024-01-24T16:31:01.377" v="109" actId="478"/>
+          <ac:picMkLst>
+            <pc:docMk/>
+            <pc:sldMk cId="361920255" sldId="267"/>
+            <ac:picMk id="3" creationId="{4E45773B-3762-41A2-A15B-67E57E13AFF0}"/>
+          </ac:picMkLst>
+        </pc:picChg>
+      </pc:sldChg>
+      <pc:sldChg chg="addSp delSp modSp add mod">
+        <pc:chgData name="Ihor Aleksandrov" userId="c3051032-6b87-4db2-b257-777a0106fbd9" providerId="ADAL" clId="{EA2B8A7D-3C52-4D81-9662-EF0FB964F7A9}" dt="2024-01-24T16:32:14.326" v="126" actId="1076"/>
+        <pc:sldMkLst>
+          <pc:docMk/>
+          <pc:sldMk cId="2161892916" sldId="268"/>
+        </pc:sldMkLst>
+        <pc:spChg chg="mod">
+          <ac:chgData name="Ihor Aleksandrov" userId="c3051032-6b87-4db2-b257-777a0106fbd9" providerId="ADAL" clId="{EA2B8A7D-3C52-4D81-9662-EF0FB964F7A9}" dt="2024-01-24T16:31:48.062" v="116"/>
+          <ac:spMkLst>
+            <pc:docMk/>
+            <pc:sldMk cId="2161892916" sldId="268"/>
+            <ac:spMk id="2" creationId="{53C5D828-9666-E312-B574-9FE965A7D6BE}"/>
+          </ac:spMkLst>
+        </pc:spChg>
+        <pc:spChg chg="add del mod">
+          <ac:chgData name="Ihor Aleksandrov" userId="c3051032-6b87-4db2-b257-777a0106fbd9" providerId="ADAL" clId="{EA2B8A7D-3C52-4D81-9662-EF0FB964F7A9}" dt="2024-01-24T16:32:05.265" v="122" actId="22"/>
+          <ac:spMkLst>
+            <pc:docMk/>
+            <pc:sldMk cId="2161892916" sldId="268"/>
+            <ac:spMk id="4" creationId="{B8915959-A3F5-CE1D-2197-4D202DD13295}"/>
+          </ac:spMkLst>
+        </pc:spChg>
+        <pc:spChg chg="del mod">
+          <ac:chgData name="Ihor Aleksandrov" userId="c3051032-6b87-4db2-b257-777a0106fbd9" providerId="ADAL" clId="{EA2B8A7D-3C52-4D81-9662-EF0FB964F7A9}" dt="2024-01-24T16:31:54.161" v="118" actId="478"/>
+          <ac:spMkLst>
+            <pc:docMk/>
+            <pc:sldMk cId="2161892916" sldId="268"/>
+            <ac:spMk id="5" creationId="{02856B1C-9D37-7B11-BA48-D0E2FC265F83}"/>
+          </ac:spMkLst>
+        </pc:spChg>
+        <pc:spChg chg="add del">
+          <ac:chgData name="Ihor Aleksandrov" userId="c3051032-6b87-4db2-b257-777a0106fbd9" providerId="ADAL" clId="{EA2B8A7D-3C52-4D81-9662-EF0FB964F7A9}" dt="2024-01-24T16:32:08.037" v="124" actId="22"/>
+          <ac:spMkLst>
+            <pc:docMk/>
+            <pc:sldMk cId="2161892916" sldId="268"/>
+            <ac:spMk id="7" creationId="{DCE8D0BA-A771-5143-4367-C42932080953}"/>
+          </ac:spMkLst>
+        </pc:spChg>
+        <pc:spChg chg="add mod">
+          <ac:chgData name="Ihor Aleksandrov" userId="c3051032-6b87-4db2-b257-777a0106fbd9" providerId="ADAL" clId="{EA2B8A7D-3C52-4D81-9662-EF0FB964F7A9}" dt="2024-01-24T16:32:14.326" v="126" actId="1076"/>
+          <ac:spMkLst>
+            <pc:docMk/>
+            <pc:sldMk cId="2161892916" sldId="268"/>
+            <ac:spMk id="10" creationId="{F24BEA27-D44B-2EE7-CAFE-869E74A5EAC6}"/>
+          </ac:spMkLst>
+        </pc:spChg>
+      </pc:sldChg>
+      <pc:sldChg chg="modSp add mod">
+        <pc:chgData name="Ihor Aleksandrov" userId="c3051032-6b87-4db2-b257-777a0106fbd9" providerId="ADAL" clId="{EA2B8A7D-3C52-4D81-9662-EF0FB964F7A9}" dt="2024-01-24T16:33:04.330" v="132" actId="1076"/>
+        <pc:sldMkLst>
+          <pc:docMk/>
+          <pc:sldMk cId="3157685417" sldId="269"/>
+        </pc:sldMkLst>
+        <pc:spChg chg="mod">
+          <ac:chgData name="Ihor Aleksandrov" userId="c3051032-6b87-4db2-b257-777a0106fbd9" providerId="ADAL" clId="{EA2B8A7D-3C52-4D81-9662-EF0FB964F7A9}" dt="2024-01-24T16:32:51.150" v="130"/>
+          <ac:spMkLst>
+            <pc:docMk/>
+            <pc:sldMk cId="3157685417" sldId="269"/>
+            <ac:spMk id="2" creationId="{53C5D828-9666-E312-B574-9FE965A7D6BE}"/>
+          </ac:spMkLst>
+        </pc:spChg>
+        <pc:spChg chg="mod">
+          <ac:chgData name="Ihor Aleksandrov" userId="c3051032-6b87-4db2-b257-777a0106fbd9" providerId="ADAL" clId="{EA2B8A7D-3C52-4D81-9662-EF0FB964F7A9}" dt="2024-01-24T16:33:04.330" v="132" actId="1076"/>
+          <ac:spMkLst>
+            <pc:docMk/>
+            <pc:sldMk cId="3157685417" sldId="269"/>
+            <ac:spMk id="10" creationId="{F24BEA27-D44B-2EE7-CAFE-869E74A5EAC6}"/>
+          </ac:spMkLst>
+        </pc:spChg>
+      </pc:sldChg>
+      <pc:sldMasterChg chg="add addSldLayout">
+        <pc:chgData name="Ihor Aleksandrov" userId="c3051032-6b87-4db2-b257-777a0106fbd9" providerId="ADAL" clId="{EA2B8A7D-3C52-4D81-9662-EF0FB964F7A9}" dt="2024-01-24T16:09:52.219" v="19" actId="27028"/>
+        <pc:sldMasterMkLst>
+          <pc:docMk/>
+          <pc:sldMasterMk cId="1579723609" sldId="2147483660"/>
+        </pc:sldMasterMkLst>
+        <pc:sldLayoutChg chg="add">
+          <pc:chgData name="Ihor Aleksandrov" userId="c3051032-6b87-4db2-b257-777a0106fbd9" providerId="ADAL" clId="{EA2B8A7D-3C52-4D81-9662-EF0FB964F7A9}" dt="2024-01-24T16:09:52.219" v="19" actId="27028"/>
+          <pc:sldLayoutMkLst>
+            <pc:docMk/>
+            <pc:sldMasterMk cId="1579723609" sldId="2147483660"/>
+            <pc:sldLayoutMk cId="1498987355" sldId="2147483662"/>
+          </pc:sldLayoutMkLst>
+        </pc:sldLayoutChg>
+      </pc:sldMasterChg>
+    </pc:docChg>
+  </pc:docChgLst>
+  <pc:docChgLst>
     <pc:chgData name="Ihor Aleksandrov" userId="c3051032-6b87-4db2-b257-777a0106fbd9" providerId="ADAL" clId="{56332CB3-8148-420A-A659-8047DFDBF6F1}"/>
     <pc:docChg chg="undo custSel addSld delSld modSld sldOrd addSection modSection">
-      <pc:chgData name="Ihor Aleksandrov" userId="c3051032-6b87-4db2-b257-777a0106fbd9" providerId="ADAL" clId="{56332CB3-8148-420A-A659-8047DFDBF6F1}" dt="2024-01-26T13:08:59.561" v="220" actId="20577"/>
+      <pc:chgData name="Ihor Aleksandrov" userId="c3051032-6b87-4db2-b257-777a0106fbd9" providerId="ADAL" clId="{56332CB3-8148-420A-A659-8047DFDBF6F1}" dt="2024-01-30T10:37:21.930" v="256" actId="1076"/>
       <pc:docMkLst>
         <pc:docMk/>
       </pc:docMkLst>
@@ -3122,6 +3730,21 @@
           </ac:spMkLst>
         </pc:spChg>
       </pc:sldChg>
+      <pc:sldChg chg="modSp mod">
+        <pc:chgData name="Ihor Aleksandrov" userId="c3051032-6b87-4db2-b257-777a0106fbd9" providerId="ADAL" clId="{56332CB3-8148-420A-A659-8047DFDBF6F1}" dt="2024-01-30T10:37:21.930" v="256" actId="1076"/>
+        <pc:sldMkLst>
+          <pc:docMk/>
+          <pc:sldMk cId="2972731808" sldId="308"/>
+        </pc:sldMkLst>
+        <pc:graphicFrameChg chg="mod">
+          <ac:chgData name="Ihor Aleksandrov" userId="c3051032-6b87-4db2-b257-777a0106fbd9" providerId="ADAL" clId="{56332CB3-8148-420A-A659-8047DFDBF6F1}" dt="2024-01-30T10:37:21.930" v="256" actId="1076"/>
+          <ac:graphicFrameMkLst>
+            <pc:docMk/>
+            <pc:sldMk cId="2972731808" sldId="308"/>
+            <ac:graphicFrameMk id="6" creationId="{0A25AD42-052A-793B-B420-809C33CC274D}"/>
+          </ac:graphicFrameMkLst>
+        </pc:graphicFrameChg>
+      </pc:sldChg>
       <pc:sldChg chg="del">
         <pc:chgData name="Ihor Aleksandrov" userId="c3051032-6b87-4db2-b257-777a0106fbd9" providerId="ADAL" clId="{56332CB3-8148-420A-A659-8047DFDBF6F1}" dt="2024-01-26T09:37:21.787" v="2" actId="2696"/>
         <pc:sldMkLst>
@@ -3958,615 +4581,6 @@
           </ac:picMkLst>
         </pc:picChg>
       </pc:sldChg>
-    </pc:docChg>
-  </pc:docChgLst>
-  <pc:docChgLst>
-    <pc:chgData name="Ihor Aleksandrov" userId="c3051032-6b87-4db2-b257-777a0106fbd9" providerId="ADAL" clId="{EA2B8A7D-3C52-4D81-9662-EF0FB964F7A9}"/>
-    <pc:docChg chg="undo custSel addSld delSld modSld addMainMaster">
-      <pc:chgData name="Ihor Aleksandrov" userId="c3051032-6b87-4db2-b257-777a0106fbd9" providerId="ADAL" clId="{EA2B8A7D-3C52-4D81-9662-EF0FB964F7A9}" dt="2024-01-24T16:33:04.330" v="132" actId="1076"/>
-      <pc:docMkLst>
-        <pc:docMk/>
-      </pc:docMkLst>
-      <pc:sldChg chg="addSp modSp mod">
-        <pc:chgData name="Ihor Aleksandrov" userId="c3051032-6b87-4db2-b257-777a0106fbd9" providerId="ADAL" clId="{EA2B8A7D-3C52-4D81-9662-EF0FB964F7A9}" dt="2024-01-24T16:06:56.557" v="4" actId="1076"/>
-        <pc:sldMkLst>
-          <pc:docMk/>
-          <pc:sldMk cId="3270890867" sldId="257"/>
-        </pc:sldMkLst>
-        <pc:picChg chg="add mod">
-          <ac:chgData name="Ihor Aleksandrov" userId="c3051032-6b87-4db2-b257-777a0106fbd9" providerId="ADAL" clId="{EA2B8A7D-3C52-4D81-9662-EF0FB964F7A9}" dt="2024-01-24T16:06:56.557" v="4" actId="1076"/>
-          <ac:picMkLst>
-            <pc:docMk/>
-            <pc:sldMk cId="3270890867" sldId="257"/>
-            <ac:picMk id="3" creationId="{4E689865-968D-3D93-994B-3AAC3051378B}"/>
-          </ac:picMkLst>
-        </pc:picChg>
-      </pc:sldChg>
-      <pc:sldChg chg="addSp delSp modSp mod">
-        <pc:chgData name="Ihor Aleksandrov" userId="c3051032-6b87-4db2-b257-777a0106fbd9" providerId="ADAL" clId="{EA2B8A7D-3C52-4D81-9662-EF0FB964F7A9}" dt="2024-01-24T16:10:01.112" v="22" actId="21"/>
-        <pc:sldMkLst>
-          <pc:docMk/>
-          <pc:sldMk cId="3417182101" sldId="258"/>
-        </pc:sldMkLst>
-        <pc:spChg chg="add mod">
-          <ac:chgData name="Ihor Aleksandrov" userId="c3051032-6b87-4db2-b257-777a0106fbd9" providerId="ADAL" clId="{EA2B8A7D-3C52-4D81-9662-EF0FB964F7A9}" dt="2024-01-24T16:08:27.998" v="15" actId="14100"/>
-          <ac:spMkLst>
-            <pc:docMk/>
-            <pc:sldMk cId="3417182101" sldId="258"/>
-            <ac:spMk id="5" creationId="{3101D806-403A-F079-818A-1207B8442687}"/>
-          </ac:spMkLst>
-        </pc:spChg>
-        <pc:picChg chg="add mod">
-          <ac:chgData name="Ihor Aleksandrov" userId="c3051032-6b87-4db2-b257-777a0106fbd9" providerId="ADAL" clId="{EA2B8A7D-3C52-4D81-9662-EF0FB964F7A9}" dt="2024-01-24T16:07:17.540" v="7" actId="1076"/>
-          <ac:picMkLst>
-            <pc:docMk/>
-            <pc:sldMk cId="3417182101" sldId="258"/>
-            <ac:picMk id="3" creationId="{73192EE5-F292-E8DF-78BB-C480918593D9}"/>
-          </ac:picMkLst>
-        </pc:picChg>
-        <pc:picChg chg="add del">
-          <ac:chgData name="Ihor Aleksandrov" userId="c3051032-6b87-4db2-b257-777a0106fbd9" providerId="ADAL" clId="{EA2B8A7D-3C52-4D81-9662-EF0FB964F7A9}" dt="2024-01-24T16:10:01.112" v="22" actId="21"/>
-          <ac:picMkLst>
-            <pc:docMk/>
-            <pc:sldMk cId="3417182101" sldId="258"/>
-            <ac:picMk id="6" creationId="{C576D1E6-CE0C-96E3-680F-E1B2C62F8CF7}"/>
-          </ac:picMkLst>
-        </pc:picChg>
-      </pc:sldChg>
-      <pc:sldChg chg="addSp delSp modSp add del mod">
-        <pc:chgData name="Ihor Aleksandrov" userId="c3051032-6b87-4db2-b257-777a0106fbd9" providerId="ADAL" clId="{EA2B8A7D-3C52-4D81-9662-EF0FB964F7A9}" dt="2024-01-24T16:09:34.630" v="18" actId="47"/>
-        <pc:sldMkLst>
-          <pc:docMk/>
-          <pc:sldMk cId="1989911605" sldId="259"/>
-        </pc:sldMkLst>
-        <pc:picChg chg="del">
-          <ac:chgData name="Ihor Aleksandrov" userId="c3051032-6b87-4db2-b257-777a0106fbd9" providerId="ADAL" clId="{EA2B8A7D-3C52-4D81-9662-EF0FB964F7A9}" dt="2024-01-24T16:07:27.525" v="9" actId="478"/>
-          <ac:picMkLst>
-            <pc:docMk/>
-            <pc:sldMk cId="1989911605" sldId="259"/>
-            <ac:picMk id="3" creationId="{73192EE5-F292-E8DF-78BB-C480918593D9}"/>
-          </ac:picMkLst>
-        </pc:picChg>
-        <pc:picChg chg="add del mod">
-          <ac:chgData name="Ihor Aleksandrov" userId="c3051032-6b87-4db2-b257-777a0106fbd9" providerId="ADAL" clId="{EA2B8A7D-3C52-4D81-9662-EF0FB964F7A9}" dt="2024-01-24T16:09:28.758" v="16" actId="21"/>
-          <ac:picMkLst>
-            <pc:docMk/>
-            <pc:sldMk cId="1989911605" sldId="259"/>
-            <ac:picMk id="4" creationId="{9B699F11-38F0-D536-EC59-183316D30A0B}"/>
-          </ac:picMkLst>
-        </pc:picChg>
-      </pc:sldChg>
-      <pc:sldChg chg="addSp delSp modSp add mod">
-        <pc:chgData name="Ihor Aleksandrov" userId="c3051032-6b87-4db2-b257-777a0106fbd9" providerId="ADAL" clId="{EA2B8A7D-3C52-4D81-9662-EF0FB964F7A9}" dt="2024-01-24T16:10:33.240" v="28" actId="14100"/>
-        <pc:sldMkLst>
-          <pc:docMk/>
-          <pc:sldMk cId="2385514391" sldId="259"/>
-        </pc:sldMkLst>
-        <pc:spChg chg="add mod">
-          <ac:chgData name="Ihor Aleksandrov" userId="c3051032-6b87-4db2-b257-777a0106fbd9" providerId="ADAL" clId="{EA2B8A7D-3C52-4D81-9662-EF0FB964F7A9}" dt="2024-01-24T16:10:33.240" v="28" actId="14100"/>
-          <ac:spMkLst>
-            <pc:docMk/>
-            <pc:sldMk cId="2385514391" sldId="259"/>
-            <ac:spMk id="6" creationId="{115DFACF-1AA5-C3DC-C0A7-872F6D553428}"/>
-          </ac:spMkLst>
-        </pc:spChg>
-        <pc:picChg chg="add mod">
-          <ac:chgData name="Ihor Aleksandrov" userId="c3051032-6b87-4db2-b257-777a0106fbd9" providerId="ADAL" clId="{EA2B8A7D-3C52-4D81-9662-EF0FB964F7A9}" dt="2024-01-24T16:10:10.447" v="25" actId="1076"/>
-          <ac:picMkLst>
-            <pc:docMk/>
-            <pc:sldMk cId="2385514391" sldId="259"/>
-            <ac:picMk id="3" creationId="{94771F4B-C97E-4C7E-EE32-62B9CE4843E8}"/>
-          </ac:picMkLst>
-        </pc:picChg>
-        <pc:picChg chg="del">
-          <ac:chgData name="Ihor Aleksandrov" userId="c3051032-6b87-4db2-b257-777a0106fbd9" providerId="ADAL" clId="{EA2B8A7D-3C52-4D81-9662-EF0FB964F7A9}" dt="2024-01-24T16:09:56.379" v="21" actId="478"/>
-          <ac:picMkLst>
-            <pc:docMk/>
-            <pc:sldMk cId="2385514391" sldId="259"/>
-            <ac:picMk id="4" creationId="{385F9644-E8EA-6C22-DF80-DC79BE06769D}"/>
-          </ac:picMkLst>
-        </pc:picChg>
-      </pc:sldChg>
-      <pc:sldChg chg="addSp delSp modSp add mod">
-        <pc:chgData name="Ihor Aleksandrov" userId="c3051032-6b87-4db2-b257-777a0106fbd9" providerId="ADAL" clId="{EA2B8A7D-3C52-4D81-9662-EF0FB964F7A9}" dt="2024-01-24T16:14:38.639" v="41" actId="14100"/>
-        <pc:sldMkLst>
-          <pc:docMk/>
-          <pc:sldMk cId="1272792471" sldId="260"/>
-        </pc:sldMkLst>
-        <pc:spChg chg="add del">
-          <ac:chgData name="Ihor Aleksandrov" userId="c3051032-6b87-4db2-b257-777a0106fbd9" providerId="ADAL" clId="{EA2B8A7D-3C52-4D81-9662-EF0FB964F7A9}" dt="2024-01-24T16:14:31.607" v="38" actId="22"/>
-          <ac:spMkLst>
-            <pc:docMk/>
-            <pc:sldMk cId="1272792471" sldId="260"/>
-            <ac:spMk id="6" creationId="{3FE0DD55-F1FF-817B-C521-E1B38C3903B5}"/>
-          </ac:spMkLst>
-        </pc:spChg>
-        <pc:spChg chg="add mod">
-          <ac:chgData name="Ihor Aleksandrov" userId="c3051032-6b87-4db2-b257-777a0106fbd9" providerId="ADAL" clId="{EA2B8A7D-3C52-4D81-9662-EF0FB964F7A9}" dt="2024-01-24T16:14:38.639" v="41" actId="14100"/>
-          <ac:spMkLst>
-            <pc:docMk/>
-            <pc:sldMk cId="1272792471" sldId="260"/>
-            <ac:spMk id="8" creationId="{962CACC9-F2FB-EAE2-C7FA-A5DDED1544E9}"/>
-          </ac:spMkLst>
-        </pc:spChg>
-        <pc:picChg chg="add mod">
-          <ac:chgData name="Ihor Aleksandrov" userId="c3051032-6b87-4db2-b257-777a0106fbd9" providerId="ADAL" clId="{EA2B8A7D-3C52-4D81-9662-EF0FB964F7A9}" dt="2024-01-24T16:14:21.159" v="36" actId="1076"/>
-          <ac:picMkLst>
-            <pc:docMk/>
-            <pc:sldMk cId="1272792471" sldId="260"/>
-            <ac:picMk id="3" creationId="{1546C464-6844-1963-9CFB-73B9F3FB02A1}"/>
-          </ac:picMkLst>
-        </pc:picChg>
-        <pc:picChg chg="del">
-          <ac:chgData name="Ihor Aleksandrov" userId="c3051032-6b87-4db2-b257-777a0106fbd9" providerId="ADAL" clId="{EA2B8A7D-3C52-4D81-9662-EF0FB964F7A9}" dt="2024-01-24T16:14:01.347" v="31" actId="478"/>
-          <ac:picMkLst>
-            <pc:docMk/>
-            <pc:sldMk cId="1272792471" sldId="260"/>
-            <ac:picMk id="4" creationId="{385F9644-E8EA-6C22-DF80-DC79BE06769D}"/>
-          </ac:picMkLst>
-        </pc:picChg>
-      </pc:sldChg>
-      <pc:sldChg chg="addSp delSp modSp add del mod setBg delDesignElem">
-        <pc:chgData name="Ihor Aleksandrov" userId="c3051032-6b87-4db2-b257-777a0106fbd9" providerId="ADAL" clId="{EA2B8A7D-3C52-4D81-9662-EF0FB964F7A9}" dt="2024-01-24T16:18:02.567" v="53" actId="1076"/>
-        <pc:sldMkLst>
-          <pc:docMk/>
-          <pc:sldMk cId="3278151509" sldId="261"/>
-        </pc:sldMkLst>
-        <pc:spChg chg="mod">
-          <ac:chgData name="Ihor Aleksandrov" userId="c3051032-6b87-4db2-b257-777a0106fbd9" providerId="ADAL" clId="{EA2B8A7D-3C52-4D81-9662-EF0FB964F7A9}" dt="2024-01-24T16:17:36.102" v="47" actId="26606"/>
-          <ac:spMkLst>
-            <pc:docMk/>
-            <pc:sldMk cId="3278151509" sldId="261"/>
-            <ac:spMk id="2" creationId="{53C5D828-9666-E312-B574-9FE965A7D6BE}"/>
-          </ac:spMkLst>
-        </pc:spChg>
-        <pc:spChg chg="add del">
-          <ac:chgData name="Ihor Aleksandrov" userId="c3051032-6b87-4db2-b257-777a0106fbd9" providerId="ADAL" clId="{EA2B8A7D-3C52-4D81-9662-EF0FB964F7A9}" dt="2024-01-24T16:17:57.899" v="51" actId="22"/>
-          <ac:spMkLst>
-            <pc:docMk/>
-            <pc:sldMk cId="3278151509" sldId="261"/>
-            <ac:spMk id="5" creationId="{80C09514-761F-EDD8-1695-BBF5A6E5D9C0}"/>
-          </ac:spMkLst>
-        </pc:spChg>
-        <pc:spChg chg="add mod">
-          <ac:chgData name="Ihor Aleksandrov" userId="c3051032-6b87-4db2-b257-777a0106fbd9" providerId="ADAL" clId="{EA2B8A7D-3C52-4D81-9662-EF0FB964F7A9}" dt="2024-01-24T16:18:02.567" v="53" actId="1076"/>
-          <ac:spMkLst>
-            <pc:docMk/>
-            <pc:sldMk cId="3278151509" sldId="261"/>
-            <ac:spMk id="7" creationId="{01126049-0F88-3BD5-09AE-A83AF81ABE26}"/>
-          </ac:spMkLst>
-        </pc:spChg>
-        <pc:spChg chg="add">
-          <ac:chgData name="Ihor Aleksandrov" userId="c3051032-6b87-4db2-b257-777a0106fbd9" providerId="ADAL" clId="{EA2B8A7D-3C52-4D81-9662-EF0FB964F7A9}" dt="2024-01-24T16:17:36.102" v="47" actId="26606"/>
-          <ac:spMkLst>
-            <pc:docMk/>
-            <pc:sldMk cId="3278151509" sldId="261"/>
-            <ac:spMk id="9" creationId="{D4771268-CB57-404A-9271-370EB28F6090}"/>
-          </ac:spMkLst>
-        </pc:spChg>
-        <pc:spChg chg="add del">
-          <ac:chgData name="Ihor Aleksandrov" userId="c3051032-6b87-4db2-b257-777a0106fbd9" providerId="ADAL" clId="{EA2B8A7D-3C52-4D81-9662-EF0FB964F7A9}" dt="2024-01-24T16:17:09.141" v="46"/>
-          <ac:spMkLst>
-            <pc:docMk/>
-            <pc:sldMk cId="3278151509" sldId="261"/>
-            <ac:spMk id="24" creationId="{D4771268-CB57-404A-9271-370EB28F6090}"/>
-          </ac:spMkLst>
-        </pc:spChg>
-        <pc:picChg chg="mod ord">
-          <ac:chgData name="Ihor Aleksandrov" userId="c3051032-6b87-4db2-b257-777a0106fbd9" providerId="ADAL" clId="{EA2B8A7D-3C52-4D81-9662-EF0FB964F7A9}" dt="2024-01-24T16:17:46.040" v="49" actId="1076"/>
-          <ac:picMkLst>
-            <pc:docMk/>
-            <pc:sldMk cId="3278151509" sldId="261"/>
-            <ac:picMk id="4" creationId="{110B72A2-37FD-3982-5358-333497678F76}"/>
-          </ac:picMkLst>
-        </pc:picChg>
-      </pc:sldChg>
-      <pc:sldChg chg="addSp delSp modSp add mod setBg delDesignElem">
-        <pc:chgData name="Ihor Aleksandrov" userId="c3051032-6b87-4db2-b257-777a0106fbd9" providerId="ADAL" clId="{EA2B8A7D-3C52-4D81-9662-EF0FB964F7A9}" dt="2024-01-24T16:20:59.581" v="66" actId="1076"/>
-        <pc:sldMkLst>
-          <pc:docMk/>
-          <pc:sldMk cId="3670086471" sldId="262"/>
-        </pc:sldMkLst>
-        <pc:spChg chg="mod">
-          <ac:chgData name="Ihor Aleksandrov" userId="c3051032-6b87-4db2-b257-777a0106fbd9" providerId="ADAL" clId="{EA2B8A7D-3C52-4D81-9662-EF0FB964F7A9}" dt="2024-01-24T16:20:22.633" v="56" actId="26606"/>
-          <ac:spMkLst>
-            <pc:docMk/>
-            <pc:sldMk cId="3670086471" sldId="262"/>
-            <ac:spMk id="2" creationId="{53C5D828-9666-E312-B574-9FE965A7D6BE}"/>
-          </ac:spMkLst>
-        </pc:spChg>
-        <pc:spChg chg="add del">
-          <ac:chgData name="Ihor Aleksandrov" userId="c3051032-6b87-4db2-b257-777a0106fbd9" providerId="ADAL" clId="{EA2B8A7D-3C52-4D81-9662-EF0FB964F7A9}" dt="2024-01-24T16:20:43.237" v="60" actId="22"/>
-          <ac:spMkLst>
-            <pc:docMk/>
-            <pc:sldMk cId="3670086471" sldId="262"/>
-            <ac:spMk id="5" creationId="{87F45561-879D-7670-C001-865486ED03AA}"/>
-          </ac:spMkLst>
-        </pc:spChg>
-        <pc:spChg chg="add mod">
-          <ac:chgData name="Ihor Aleksandrov" userId="c3051032-6b87-4db2-b257-777a0106fbd9" providerId="ADAL" clId="{EA2B8A7D-3C52-4D81-9662-EF0FB964F7A9}" dt="2024-01-24T16:20:59.581" v="66" actId="1076"/>
-          <ac:spMkLst>
-            <pc:docMk/>
-            <pc:sldMk cId="3670086471" sldId="262"/>
-            <ac:spMk id="7" creationId="{0C7CD13E-FC32-AC89-26A1-AF80634998A4}"/>
-          </ac:spMkLst>
-        </pc:spChg>
-        <pc:spChg chg="add">
-          <ac:chgData name="Ihor Aleksandrov" userId="c3051032-6b87-4db2-b257-777a0106fbd9" providerId="ADAL" clId="{EA2B8A7D-3C52-4D81-9662-EF0FB964F7A9}" dt="2024-01-24T16:20:22.633" v="56" actId="26606"/>
-          <ac:spMkLst>
-            <pc:docMk/>
-            <pc:sldMk cId="3670086471" sldId="262"/>
-            <ac:spMk id="8" creationId="{D4771268-CB57-404A-9271-370EB28F6090}"/>
-          </ac:spMkLst>
-        </pc:spChg>
-        <pc:spChg chg="del">
-          <ac:chgData name="Ihor Aleksandrov" userId="c3051032-6b87-4db2-b257-777a0106fbd9" providerId="ADAL" clId="{EA2B8A7D-3C52-4D81-9662-EF0FB964F7A9}" dt="2024-01-24T16:20:18.797" v="55"/>
-          <ac:spMkLst>
-            <pc:docMk/>
-            <pc:sldMk cId="3670086471" sldId="262"/>
-            <ac:spMk id="24" creationId="{D4771268-CB57-404A-9271-370EB28F6090}"/>
-          </ac:spMkLst>
-        </pc:spChg>
-        <pc:picChg chg="mod ord">
-          <ac:chgData name="Ihor Aleksandrov" userId="c3051032-6b87-4db2-b257-777a0106fbd9" providerId="ADAL" clId="{EA2B8A7D-3C52-4D81-9662-EF0FB964F7A9}" dt="2024-01-24T16:20:28.992" v="58" actId="1076"/>
-          <ac:picMkLst>
-            <pc:docMk/>
-            <pc:sldMk cId="3670086471" sldId="262"/>
-            <ac:picMk id="3" creationId="{05A9FF40-DCEC-8E82-7C4D-BDBC1FAB1FDA}"/>
-          </ac:picMkLst>
-        </pc:picChg>
-      </pc:sldChg>
-      <pc:sldChg chg="addSp delSp modSp add mod setBg delDesignElem">
-        <pc:chgData name="Ihor Aleksandrov" userId="c3051032-6b87-4db2-b257-777a0106fbd9" providerId="ADAL" clId="{EA2B8A7D-3C52-4D81-9662-EF0FB964F7A9}" dt="2024-01-24T16:23:06.581" v="73" actId="1076"/>
-        <pc:sldMkLst>
-          <pc:docMk/>
-          <pc:sldMk cId="2476824021" sldId="263"/>
-        </pc:sldMkLst>
-        <pc:spChg chg="mod">
-          <ac:chgData name="Ihor Aleksandrov" userId="c3051032-6b87-4db2-b257-777a0106fbd9" providerId="ADAL" clId="{EA2B8A7D-3C52-4D81-9662-EF0FB964F7A9}" dt="2024-01-24T16:22:47.826" v="69" actId="26606"/>
-          <ac:spMkLst>
-            <pc:docMk/>
-            <pc:sldMk cId="2476824021" sldId="263"/>
-            <ac:spMk id="2" creationId="{53C5D828-9666-E312-B574-9FE965A7D6BE}"/>
-          </ac:spMkLst>
-        </pc:spChg>
-        <pc:spChg chg="add mod">
-          <ac:chgData name="Ihor Aleksandrov" userId="c3051032-6b87-4db2-b257-777a0106fbd9" providerId="ADAL" clId="{EA2B8A7D-3C52-4D81-9662-EF0FB964F7A9}" dt="2024-01-24T16:23:06.581" v="73" actId="1076"/>
-          <ac:spMkLst>
-            <pc:docMk/>
-            <pc:sldMk cId="2476824021" sldId="263"/>
-            <ac:spMk id="5" creationId="{E202FD3D-76E9-4318-0828-6FB8B5DBD2C5}"/>
-          </ac:spMkLst>
-        </pc:spChg>
-        <pc:spChg chg="add">
-          <ac:chgData name="Ihor Aleksandrov" userId="c3051032-6b87-4db2-b257-777a0106fbd9" providerId="ADAL" clId="{EA2B8A7D-3C52-4D81-9662-EF0FB964F7A9}" dt="2024-01-24T16:22:47.826" v="69" actId="26606"/>
-          <ac:spMkLst>
-            <pc:docMk/>
-            <pc:sldMk cId="2476824021" sldId="263"/>
-            <ac:spMk id="9" creationId="{D4771268-CB57-404A-9271-370EB28F6090}"/>
-          </ac:spMkLst>
-        </pc:spChg>
-        <pc:spChg chg="del">
-          <ac:chgData name="Ihor Aleksandrov" userId="c3051032-6b87-4db2-b257-777a0106fbd9" providerId="ADAL" clId="{EA2B8A7D-3C52-4D81-9662-EF0FB964F7A9}" dt="2024-01-24T16:22:44.812" v="68"/>
-          <ac:spMkLst>
-            <pc:docMk/>
-            <pc:sldMk cId="2476824021" sldId="263"/>
-            <ac:spMk id="24" creationId="{D4771268-CB57-404A-9271-370EB28F6090}"/>
-          </ac:spMkLst>
-        </pc:spChg>
-        <pc:picChg chg="mod">
-          <ac:chgData name="Ihor Aleksandrov" userId="c3051032-6b87-4db2-b257-777a0106fbd9" providerId="ADAL" clId="{EA2B8A7D-3C52-4D81-9662-EF0FB964F7A9}" dt="2024-01-24T16:22:54.712" v="71" actId="1076"/>
-          <ac:picMkLst>
-            <pc:docMk/>
-            <pc:sldMk cId="2476824021" sldId="263"/>
-            <ac:picMk id="4" creationId="{0A4A47BB-B86E-CE6D-6738-81D9FF41289F}"/>
-          </ac:picMkLst>
-        </pc:picChg>
-      </pc:sldChg>
-      <pc:sldChg chg="addSp delSp modSp add del mod setBg delDesignElem">
-        <pc:chgData name="Ihor Aleksandrov" userId="c3051032-6b87-4db2-b257-777a0106fbd9" providerId="ADAL" clId="{EA2B8A7D-3C52-4D81-9662-EF0FB964F7A9}" dt="2024-01-24T16:26:03.232" v="79" actId="47"/>
-        <pc:sldMkLst>
-          <pc:docMk/>
-          <pc:sldMk cId="303933854" sldId="264"/>
-        </pc:sldMkLst>
-        <pc:spChg chg="mod">
-          <ac:chgData name="Ihor Aleksandrov" userId="c3051032-6b87-4db2-b257-777a0106fbd9" providerId="ADAL" clId="{EA2B8A7D-3C52-4D81-9662-EF0FB964F7A9}" dt="2024-01-24T16:25:24.035" v="76" actId="26606"/>
-          <ac:spMkLst>
-            <pc:docMk/>
-            <pc:sldMk cId="303933854" sldId="264"/>
-            <ac:spMk id="2" creationId="{53C5D828-9666-E312-B574-9FE965A7D6BE}"/>
-          </ac:spMkLst>
-        </pc:spChg>
-        <pc:spChg chg="add">
-          <ac:chgData name="Ihor Aleksandrov" userId="c3051032-6b87-4db2-b257-777a0106fbd9" providerId="ADAL" clId="{EA2B8A7D-3C52-4D81-9662-EF0FB964F7A9}" dt="2024-01-24T16:25:24.035" v="76" actId="26606"/>
-          <ac:spMkLst>
-            <pc:docMk/>
-            <pc:sldMk cId="303933854" sldId="264"/>
-            <ac:spMk id="10" creationId="{53F29798-D584-4792-9B62-3F5F5C36D619}"/>
-          </ac:spMkLst>
-        </pc:spChg>
-        <pc:spChg chg="del">
-          <ac:chgData name="Ihor Aleksandrov" userId="c3051032-6b87-4db2-b257-777a0106fbd9" providerId="ADAL" clId="{EA2B8A7D-3C52-4D81-9662-EF0FB964F7A9}" dt="2024-01-24T16:25:20.099" v="75"/>
-          <ac:spMkLst>
-            <pc:docMk/>
-            <pc:sldMk cId="303933854" sldId="264"/>
-            <ac:spMk id="24" creationId="{D4771268-CB57-404A-9271-370EB28F6090}"/>
-          </ac:spMkLst>
-        </pc:spChg>
-        <pc:picChg chg="mod">
-          <ac:chgData name="Ihor Aleksandrov" userId="c3051032-6b87-4db2-b257-777a0106fbd9" providerId="ADAL" clId="{EA2B8A7D-3C52-4D81-9662-EF0FB964F7A9}" dt="2024-01-24T16:25:24.035" v="76" actId="26606"/>
-          <ac:picMkLst>
-            <pc:docMk/>
-            <pc:sldMk cId="303933854" sldId="264"/>
-            <ac:picMk id="3" creationId="{438AE1ED-C17A-0BC4-8D21-4B49E9F91B9F}"/>
-          </ac:picMkLst>
-        </pc:picChg>
-        <pc:picChg chg="mod ord">
-          <ac:chgData name="Ihor Aleksandrov" userId="c3051032-6b87-4db2-b257-777a0106fbd9" providerId="ADAL" clId="{EA2B8A7D-3C52-4D81-9662-EF0FB964F7A9}" dt="2024-01-24T16:25:24.035" v="76" actId="26606"/>
-          <ac:picMkLst>
-            <pc:docMk/>
-            <pc:sldMk cId="303933854" sldId="264"/>
-            <ac:picMk id="5" creationId="{699631DD-6035-BB9F-11EC-4E9F01F1D081}"/>
-          </ac:picMkLst>
-        </pc:picChg>
-      </pc:sldChg>
-      <pc:sldChg chg="delSp add del mod setBg delDesignElem">
-        <pc:chgData name="Ihor Aleksandrov" userId="c3051032-6b87-4db2-b257-777a0106fbd9" providerId="ADAL" clId="{EA2B8A7D-3C52-4D81-9662-EF0FB964F7A9}" dt="2024-01-24T16:26:15.663" v="82" actId="2696"/>
-        <pc:sldMkLst>
-          <pc:docMk/>
-          <pc:sldMk cId="3329585973" sldId="265"/>
-        </pc:sldMkLst>
-        <pc:spChg chg="del">
-          <ac:chgData name="Ihor Aleksandrov" userId="c3051032-6b87-4db2-b257-777a0106fbd9" providerId="ADAL" clId="{EA2B8A7D-3C52-4D81-9662-EF0FB964F7A9}" dt="2024-01-24T16:25:53.024" v="78"/>
-          <ac:spMkLst>
-            <pc:docMk/>
-            <pc:sldMk cId="3329585973" sldId="265"/>
-            <ac:spMk id="24" creationId="{D4771268-CB57-404A-9271-370EB28F6090}"/>
-          </ac:spMkLst>
-        </pc:spChg>
-        <pc:picChg chg="del">
-          <ac:chgData name="Ihor Aleksandrov" userId="c3051032-6b87-4db2-b257-777a0106fbd9" providerId="ADAL" clId="{EA2B8A7D-3C52-4D81-9662-EF0FB964F7A9}" dt="2024-01-24T16:26:11.119" v="81" actId="21"/>
-          <ac:picMkLst>
-            <pc:docMk/>
-            <pc:sldMk cId="3329585973" sldId="265"/>
-            <ac:picMk id="3" creationId="{438AE1ED-C17A-0BC4-8D21-4B49E9F91B9F}"/>
-          </ac:picMkLst>
-        </pc:picChg>
-        <pc:picChg chg="del">
-          <ac:chgData name="Ihor Aleksandrov" userId="c3051032-6b87-4db2-b257-777a0106fbd9" providerId="ADAL" clId="{EA2B8A7D-3C52-4D81-9662-EF0FB964F7A9}" dt="2024-01-24T16:26:11.119" v="81" actId="21"/>
-          <ac:picMkLst>
-            <pc:docMk/>
-            <pc:sldMk cId="3329585973" sldId="265"/>
-            <ac:picMk id="5" creationId="{699631DD-6035-BB9F-11EC-4E9F01F1D081}"/>
-          </ac:picMkLst>
-        </pc:picChg>
-      </pc:sldChg>
-      <pc:sldChg chg="delSp add del mod setBg delDesignElem">
-        <pc:chgData name="Ihor Aleksandrov" userId="c3051032-6b87-4db2-b257-777a0106fbd9" providerId="ADAL" clId="{EA2B8A7D-3C52-4D81-9662-EF0FB964F7A9}" dt="2024-01-24T16:30:49.711" v="105" actId="47"/>
-        <pc:sldMkLst>
-          <pc:docMk/>
-          <pc:sldMk cId="3569579791" sldId="265"/>
-        </pc:sldMkLst>
-        <pc:spChg chg="del">
-          <ac:chgData name="Ihor Aleksandrov" userId="c3051032-6b87-4db2-b257-777a0106fbd9" providerId="ADAL" clId="{EA2B8A7D-3C52-4D81-9662-EF0FB964F7A9}" dt="2024-01-24T16:30:40.099" v="103" actId="478"/>
-          <ac:spMkLst>
-            <pc:docMk/>
-            <pc:sldMk cId="3569579791" sldId="265"/>
-            <ac:spMk id="6" creationId="{E04F08BD-B70E-B1A8-7328-EE29B18E4AA1}"/>
-          </ac:spMkLst>
-        </pc:spChg>
-        <pc:spChg chg="del">
-          <ac:chgData name="Ihor Aleksandrov" userId="c3051032-6b87-4db2-b257-777a0106fbd9" providerId="ADAL" clId="{EA2B8A7D-3C52-4D81-9662-EF0FB964F7A9}" dt="2024-01-24T16:30:26.607" v="102"/>
-          <ac:spMkLst>
-            <pc:docMk/>
-            <pc:sldMk cId="3569579791" sldId="265"/>
-            <ac:spMk id="24" creationId="{D4771268-CB57-404A-9271-370EB28F6090}"/>
-          </ac:spMkLst>
-        </pc:spChg>
-      </pc:sldChg>
-      <pc:sldChg chg="addSp delSp modSp add mod">
-        <pc:chgData name="Ihor Aleksandrov" userId="c3051032-6b87-4db2-b257-777a0106fbd9" providerId="ADAL" clId="{EA2B8A7D-3C52-4D81-9662-EF0FB964F7A9}" dt="2024-01-24T16:27:15.280" v="97"/>
-        <pc:sldMkLst>
-          <pc:docMk/>
-          <pc:sldMk cId="1454947672" sldId="266"/>
-        </pc:sldMkLst>
-        <pc:spChg chg="mod">
-          <ac:chgData name="Ihor Aleksandrov" userId="c3051032-6b87-4db2-b257-777a0106fbd9" providerId="ADAL" clId="{EA2B8A7D-3C52-4D81-9662-EF0FB964F7A9}" dt="2024-01-24T16:27:15.280" v="97"/>
-          <ac:spMkLst>
-            <pc:docMk/>
-            <pc:sldMk cId="1454947672" sldId="266"/>
-            <ac:spMk id="2" creationId="{53C5D828-9666-E312-B574-9FE965A7D6BE}"/>
-          </ac:spMkLst>
-        </pc:spChg>
-        <pc:spChg chg="del mod">
-          <ac:chgData name="Ihor Aleksandrov" userId="c3051032-6b87-4db2-b257-777a0106fbd9" providerId="ADAL" clId="{EA2B8A7D-3C52-4D81-9662-EF0FB964F7A9}" dt="2024-01-24T16:26:42.413" v="88" actId="478"/>
-          <ac:spMkLst>
-            <pc:docMk/>
-            <pc:sldMk cId="1454947672" sldId="266"/>
-            <ac:spMk id="5" creationId="{E202FD3D-76E9-4318-0828-6FB8B5DBD2C5}"/>
-          </ac:spMkLst>
-        </pc:spChg>
-        <pc:spChg chg="add del">
-          <ac:chgData name="Ihor Aleksandrov" userId="c3051032-6b87-4db2-b257-777a0106fbd9" providerId="ADAL" clId="{EA2B8A7D-3C52-4D81-9662-EF0FB964F7A9}" dt="2024-01-24T16:26:47.309" v="90" actId="22"/>
-          <ac:spMkLst>
-            <pc:docMk/>
-            <pc:sldMk cId="1454947672" sldId="266"/>
-            <ac:spMk id="7" creationId="{EBBF43C8-41E2-AE32-94D4-F581BEA6FE8A}"/>
-          </ac:spMkLst>
-        </pc:spChg>
-        <pc:spChg chg="add mod">
-          <ac:chgData name="Ihor Aleksandrov" userId="c3051032-6b87-4db2-b257-777a0106fbd9" providerId="ADAL" clId="{EA2B8A7D-3C52-4D81-9662-EF0FB964F7A9}" dt="2024-01-24T16:26:50.235" v="92" actId="1076"/>
-          <ac:spMkLst>
-            <pc:docMk/>
-            <pc:sldMk cId="1454947672" sldId="266"/>
-            <ac:spMk id="10" creationId="{876EA409-9CED-1530-7AE1-2CE040ED9572}"/>
-          </ac:spMkLst>
-        </pc:spChg>
-        <pc:spChg chg="add del">
-          <ac:chgData name="Ihor Aleksandrov" userId="c3051032-6b87-4db2-b257-777a0106fbd9" providerId="ADAL" clId="{EA2B8A7D-3C52-4D81-9662-EF0FB964F7A9}" dt="2024-01-24T16:27:03.773" v="94" actId="22"/>
-          <ac:spMkLst>
-            <pc:docMk/>
-            <pc:sldMk cId="1454947672" sldId="266"/>
-            <ac:spMk id="12" creationId="{B2D7BD0E-CC55-1DD1-5742-E58CD9EC1D9B}"/>
-          </ac:spMkLst>
-        </pc:spChg>
-        <pc:spChg chg="add mod">
-          <ac:chgData name="Ihor Aleksandrov" userId="c3051032-6b87-4db2-b257-777a0106fbd9" providerId="ADAL" clId="{EA2B8A7D-3C52-4D81-9662-EF0FB964F7A9}" dt="2024-01-24T16:27:06.948" v="96" actId="1076"/>
-          <ac:spMkLst>
-            <pc:docMk/>
-            <pc:sldMk cId="1454947672" sldId="266"/>
-            <ac:spMk id="14" creationId="{51860035-8393-B608-A571-9F2BF673BAF4}"/>
-          </ac:spMkLst>
-        </pc:spChg>
-        <pc:picChg chg="add mod">
-          <ac:chgData name="Ihor Aleksandrov" userId="c3051032-6b87-4db2-b257-777a0106fbd9" providerId="ADAL" clId="{EA2B8A7D-3C52-4D81-9662-EF0FB964F7A9}" dt="2024-01-24T16:26:30.403" v="86" actId="1076"/>
-          <ac:picMkLst>
-            <pc:docMk/>
-            <pc:sldMk cId="1454947672" sldId="266"/>
-            <ac:picMk id="3" creationId="{4E45773B-3762-41A2-A15B-67E57E13AFF0}"/>
-          </ac:picMkLst>
-        </pc:picChg>
-        <pc:picChg chg="del">
-          <ac:chgData name="Ihor Aleksandrov" userId="c3051032-6b87-4db2-b257-777a0106fbd9" providerId="ADAL" clId="{EA2B8A7D-3C52-4D81-9662-EF0FB964F7A9}" dt="2024-01-24T16:26:26.334" v="85" actId="478"/>
-          <ac:picMkLst>
-            <pc:docMk/>
-            <pc:sldMk cId="1454947672" sldId="266"/>
-            <ac:picMk id="4" creationId="{0A4A47BB-B86E-CE6D-6738-81D9FF41289F}"/>
-          </ac:picMkLst>
-        </pc:picChg>
-      </pc:sldChg>
-      <pc:sldChg chg="addSp delSp modSp add mod">
-        <pc:chgData name="Ihor Aleksandrov" userId="c3051032-6b87-4db2-b257-777a0106fbd9" providerId="ADAL" clId="{EA2B8A7D-3C52-4D81-9662-EF0FB964F7A9}" dt="2024-01-24T16:31:25.335" v="112" actId="1076"/>
-        <pc:sldMkLst>
-          <pc:docMk/>
-          <pc:sldMk cId="361920255" sldId="267"/>
-        </pc:sldMkLst>
-        <pc:spChg chg="mod">
-          <ac:chgData name="Ihor Aleksandrov" userId="c3051032-6b87-4db2-b257-777a0106fbd9" providerId="ADAL" clId="{EA2B8A7D-3C52-4D81-9662-EF0FB964F7A9}" dt="2024-01-24T16:31:13.857" v="110"/>
-          <ac:spMkLst>
-            <pc:docMk/>
-            <pc:sldMk cId="361920255" sldId="267"/>
-            <ac:spMk id="2" creationId="{53C5D828-9666-E312-B574-9FE965A7D6BE}"/>
-          </ac:spMkLst>
-        </pc:spChg>
-        <pc:spChg chg="add mod">
-          <ac:chgData name="Ihor Aleksandrov" userId="c3051032-6b87-4db2-b257-777a0106fbd9" providerId="ADAL" clId="{EA2B8A7D-3C52-4D81-9662-EF0FB964F7A9}" dt="2024-01-24T16:31:25.335" v="112" actId="1076"/>
-          <ac:spMkLst>
-            <pc:docMk/>
-            <pc:sldMk cId="361920255" sldId="267"/>
-            <ac:spMk id="5" creationId="{02856B1C-9D37-7B11-BA48-D0E2FC265F83}"/>
-          </ac:spMkLst>
-        </pc:spChg>
-        <pc:spChg chg="del mod">
-          <ac:chgData name="Ihor Aleksandrov" userId="c3051032-6b87-4db2-b257-777a0106fbd9" providerId="ADAL" clId="{EA2B8A7D-3C52-4D81-9662-EF0FB964F7A9}" dt="2024-01-24T16:30:58.832" v="107" actId="478"/>
-          <ac:spMkLst>
-            <pc:docMk/>
-            <pc:sldMk cId="361920255" sldId="267"/>
-            <ac:spMk id="10" creationId="{876EA409-9CED-1530-7AE1-2CE040ED9572}"/>
-          </ac:spMkLst>
-        </pc:spChg>
-        <pc:spChg chg="del">
-          <ac:chgData name="Ihor Aleksandrov" userId="c3051032-6b87-4db2-b257-777a0106fbd9" providerId="ADAL" clId="{EA2B8A7D-3C52-4D81-9662-EF0FB964F7A9}" dt="2024-01-24T16:31:00.543" v="108" actId="478"/>
-          <ac:spMkLst>
-            <pc:docMk/>
-            <pc:sldMk cId="361920255" sldId="267"/>
-            <ac:spMk id="14" creationId="{51860035-8393-B608-A571-9F2BF673BAF4}"/>
-          </ac:spMkLst>
-        </pc:spChg>
-        <pc:picChg chg="del">
-          <ac:chgData name="Ihor Aleksandrov" userId="c3051032-6b87-4db2-b257-777a0106fbd9" providerId="ADAL" clId="{EA2B8A7D-3C52-4D81-9662-EF0FB964F7A9}" dt="2024-01-24T16:31:01.377" v="109" actId="478"/>
-          <ac:picMkLst>
-            <pc:docMk/>
-            <pc:sldMk cId="361920255" sldId="267"/>
-            <ac:picMk id="3" creationId="{4E45773B-3762-41A2-A15B-67E57E13AFF0}"/>
-          </ac:picMkLst>
-        </pc:picChg>
-      </pc:sldChg>
-      <pc:sldChg chg="addSp delSp modSp add mod">
-        <pc:chgData name="Ihor Aleksandrov" userId="c3051032-6b87-4db2-b257-777a0106fbd9" providerId="ADAL" clId="{EA2B8A7D-3C52-4D81-9662-EF0FB964F7A9}" dt="2024-01-24T16:32:14.326" v="126" actId="1076"/>
-        <pc:sldMkLst>
-          <pc:docMk/>
-          <pc:sldMk cId="2161892916" sldId="268"/>
-        </pc:sldMkLst>
-        <pc:spChg chg="mod">
-          <ac:chgData name="Ihor Aleksandrov" userId="c3051032-6b87-4db2-b257-777a0106fbd9" providerId="ADAL" clId="{EA2B8A7D-3C52-4D81-9662-EF0FB964F7A9}" dt="2024-01-24T16:31:48.062" v="116"/>
-          <ac:spMkLst>
-            <pc:docMk/>
-            <pc:sldMk cId="2161892916" sldId="268"/>
-            <ac:spMk id="2" creationId="{53C5D828-9666-E312-B574-9FE965A7D6BE}"/>
-          </ac:spMkLst>
-        </pc:spChg>
-        <pc:spChg chg="add del mod">
-          <ac:chgData name="Ihor Aleksandrov" userId="c3051032-6b87-4db2-b257-777a0106fbd9" providerId="ADAL" clId="{EA2B8A7D-3C52-4D81-9662-EF0FB964F7A9}" dt="2024-01-24T16:32:05.265" v="122" actId="22"/>
-          <ac:spMkLst>
-            <pc:docMk/>
-            <pc:sldMk cId="2161892916" sldId="268"/>
-            <ac:spMk id="4" creationId="{B8915959-A3F5-CE1D-2197-4D202DD13295}"/>
-          </ac:spMkLst>
-        </pc:spChg>
-        <pc:spChg chg="del mod">
-          <ac:chgData name="Ihor Aleksandrov" userId="c3051032-6b87-4db2-b257-777a0106fbd9" providerId="ADAL" clId="{EA2B8A7D-3C52-4D81-9662-EF0FB964F7A9}" dt="2024-01-24T16:31:54.161" v="118" actId="478"/>
-          <ac:spMkLst>
-            <pc:docMk/>
-            <pc:sldMk cId="2161892916" sldId="268"/>
-            <ac:spMk id="5" creationId="{02856B1C-9D37-7B11-BA48-D0E2FC265F83}"/>
-          </ac:spMkLst>
-        </pc:spChg>
-        <pc:spChg chg="add del">
-          <ac:chgData name="Ihor Aleksandrov" userId="c3051032-6b87-4db2-b257-777a0106fbd9" providerId="ADAL" clId="{EA2B8A7D-3C52-4D81-9662-EF0FB964F7A9}" dt="2024-01-24T16:32:08.037" v="124" actId="22"/>
-          <ac:spMkLst>
-            <pc:docMk/>
-            <pc:sldMk cId="2161892916" sldId="268"/>
-            <ac:spMk id="7" creationId="{DCE8D0BA-A771-5143-4367-C42932080953}"/>
-          </ac:spMkLst>
-        </pc:spChg>
-        <pc:spChg chg="add mod">
-          <ac:chgData name="Ihor Aleksandrov" userId="c3051032-6b87-4db2-b257-777a0106fbd9" providerId="ADAL" clId="{EA2B8A7D-3C52-4D81-9662-EF0FB964F7A9}" dt="2024-01-24T16:32:14.326" v="126" actId="1076"/>
-          <ac:spMkLst>
-            <pc:docMk/>
-            <pc:sldMk cId="2161892916" sldId="268"/>
-            <ac:spMk id="10" creationId="{F24BEA27-D44B-2EE7-CAFE-869E74A5EAC6}"/>
-          </ac:spMkLst>
-        </pc:spChg>
-      </pc:sldChg>
-      <pc:sldChg chg="modSp add mod">
-        <pc:chgData name="Ihor Aleksandrov" userId="c3051032-6b87-4db2-b257-777a0106fbd9" providerId="ADAL" clId="{EA2B8A7D-3C52-4D81-9662-EF0FB964F7A9}" dt="2024-01-24T16:33:04.330" v="132" actId="1076"/>
-        <pc:sldMkLst>
-          <pc:docMk/>
-          <pc:sldMk cId="3157685417" sldId="269"/>
-        </pc:sldMkLst>
-        <pc:spChg chg="mod">
-          <ac:chgData name="Ihor Aleksandrov" userId="c3051032-6b87-4db2-b257-777a0106fbd9" providerId="ADAL" clId="{EA2B8A7D-3C52-4D81-9662-EF0FB964F7A9}" dt="2024-01-24T16:32:51.150" v="130"/>
-          <ac:spMkLst>
-            <pc:docMk/>
-            <pc:sldMk cId="3157685417" sldId="269"/>
-            <ac:spMk id="2" creationId="{53C5D828-9666-E312-B574-9FE965A7D6BE}"/>
-          </ac:spMkLst>
-        </pc:spChg>
-        <pc:spChg chg="mod">
-          <ac:chgData name="Ihor Aleksandrov" userId="c3051032-6b87-4db2-b257-777a0106fbd9" providerId="ADAL" clId="{EA2B8A7D-3C52-4D81-9662-EF0FB964F7A9}" dt="2024-01-24T16:33:04.330" v="132" actId="1076"/>
-          <ac:spMkLst>
-            <pc:docMk/>
-            <pc:sldMk cId="3157685417" sldId="269"/>
-            <ac:spMk id="10" creationId="{F24BEA27-D44B-2EE7-CAFE-869E74A5EAC6}"/>
-          </ac:spMkLst>
-        </pc:spChg>
-      </pc:sldChg>
-      <pc:sldMasterChg chg="add addSldLayout">
-        <pc:chgData name="Ihor Aleksandrov" userId="c3051032-6b87-4db2-b257-777a0106fbd9" providerId="ADAL" clId="{EA2B8A7D-3C52-4D81-9662-EF0FB964F7A9}" dt="2024-01-24T16:09:52.219" v="19" actId="27028"/>
-        <pc:sldMasterMkLst>
-          <pc:docMk/>
-          <pc:sldMasterMk cId="1579723609" sldId="2147483660"/>
-        </pc:sldMasterMkLst>
-        <pc:sldLayoutChg chg="add">
-          <pc:chgData name="Ihor Aleksandrov" userId="c3051032-6b87-4db2-b257-777a0106fbd9" providerId="ADAL" clId="{EA2B8A7D-3C52-4D81-9662-EF0FB964F7A9}" dt="2024-01-24T16:09:52.219" v="19" actId="27028"/>
-          <pc:sldLayoutMkLst>
-            <pc:docMk/>
-            <pc:sldMasterMk cId="1579723609" sldId="2147483660"/>
-            <pc:sldLayoutMk cId="1498987355" sldId="2147483662"/>
-          </pc:sldLayoutMkLst>
-        </pc:sldLayoutChg>
-      </pc:sldMasterChg>
     </pc:docChg>
   </pc:docChgLst>
 </pc:chgInfo>
@@ -5342,7 +5356,7 @@
         <a:p>
           <a:r>
             <a:rPr lang="en-US" dirty="0"/>
-            <a:t>CI/CD</a:t>
+            <a:t>GitHub DevOps</a:t>
           </a:r>
         </a:p>
       </dgm:t>
@@ -5376,6 +5390,49 @@
         </a:p>
       </dgm:t>
     </dgm:pt>
+    <dgm:pt modelId="{DAD70996-E23E-44CF-9496-9F225988824C}">
+      <dgm:prSet/>
+      <dgm:spPr/>
+      <dgm:t>
+        <a:bodyPr/>
+        <a:lstStyle/>
+        <a:p>
+          <a:r>
+            <a:rPr lang="en-US" dirty="0"/>
+            <a:t>Azure DevOps</a:t>
+          </a:r>
+        </a:p>
+      </dgm:t>
+      <dgm:extLst>
+        <a:ext uri="{E40237B7-FDA0-4F09-8148-C483321AD2D9}">
+          <dgm14:cNvPr xmlns:dgm14="http://schemas.microsoft.com/office/drawing/2010/diagram" id="0" name="">
+            <a:hlinkClick xmlns:r="http://schemas.openxmlformats.org/officeDocument/2006/relationships" r:id="rId2" action="ppaction://hlinksldjump"/>
+          </dgm14:cNvPr>
+        </a:ext>
+      </dgm:extLst>
+    </dgm:pt>
+    <dgm:pt modelId="{94137695-88CF-4EED-B255-FD5FCD575BB8}" type="parTrans" cxnId="{CC0AE570-E75F-4678-9CD9-E364B5C64E63}">
+      <dgm:prSet/>
+      <dgm:spPr/>
+      <dgm:t>
+        <a:bodyPr/>
+        <a:lstStyle/>
+        <a:p>
+          <a:endParaRPr lang="ru-UA"/>
+        </a:p>
+      </dgm:t>
+    </dgm:pt>
+    <dgm:pt modelId="{2B9B5814-8CE0-4BB9-8EDD-ACCF502F2C87}" type="sibTrans" cxnId="{CC0AE570-E75F-4678-9CD9-E364B5C64E63}">
+      <dgm:prSet/>
+      <dgm:spPr/>
+      <dgm:t>
+        <a:bodyPr/>
+        <a:lstStyle/>
+        <a:p>
+          <a:endParaRPr lang="ru-UA"/>
+        </a:p>
+      </dgm:t>
+    </dgm:pt>
     <dgm:pt modelId="{4FE4B1AC-A99B-45EC-AFA8-E510D59359ED}" type="pres">
       <dgm:prSet presAssocID="{1C600E66-A0CB-470F-8514-C91590285CB3}" presName="Name0" presStyleCnt="0">
         <dgm:presLayoutVars>
@@ -5391,7 +5448,24 @@
       <dgm:spPr/>
     </dgm:pt>
     <dgm:pt modelId="{938A66F9-A955-4384-A32F-5A244E92AC01}" type="pres">
-      <dgm:prSet presAssocID="{64E9ACE6-9AFD-4BBA-80CB-01DA1300E087}" presName="parentText" presStyleLbl="node1" presStyleIdx="0" presStyleCnt="1">
+      <dgm:prSet presAssocID="{64E9ACE6-9AFD-4BBA-80CB-01DA1300E087}" presName="parentText" presStyleLbl="node1" presStyleIdx="0" presStyleCnt="2">
+        <dgm:presLayoutVars>
+          <dgm:chMax val="1"/>
+          <dgm:bulletEnabled val="1"/>
+        </dgm:presLayoutVars>
+      </dgm:prSet>
+      <dgm:spPr/>
+    </dgm:pt>
+    <dgm:pt modelId="{FEEBB475-23F0-4EEC-8808-EA0736323CB5}" type="pres">
+      <dgm:prSet presAssocID="{7B2C8051-D046-465E-BB80-77D9BB7B38CD}" presName="sp" presStyleCnt="0"/>
+      <dgm:spPr/>
+    </dgm:pt>
+    <dgm:pt modelId="{B9D0CF47-F7D0-4572-8FF1-B0AC879FEFBD}" type="pres">
+      <dgm:prSet presAssocID="{DAD70996-E23E-44CF-9496-9F225988824C}" presName="linNode" presStyleCnt="0"/>
+      <dgm:spPr/>
+    </dgm:pt>
+    <dgm:pt modelId="{B4BF24B5-900B-4F0B-9034-BC92D079EFDD}" type="pres">
+      <dgm:prSet presAssocID="{DAD70996-E23E-44CF-9496-9F225988824C}" presName="parentText" presStyleLbl="node1" presStyleIdx="1" presStyleCnt="2">
         <dgm:presLayoutVars>
           <dgm:chMax val="1"/>
           <dgm:bulletEnabled val="1"/>
@@ -5402,10 +5476,15 @@
   </dgm:ptLst>
   <dgm:cxnLst>
     <dgm:cxn modelId="{B4E32220-B6E5-419F-85FB-810888F0627F}" type="presOf" srcId="{64E9ACE6-9AFD-4BBA-80CB-01DA1300E087}" destId="{938A66F9-A955-4384-A32F-5A244E92AC01}" srcOrd="0" destOrd="0" presId="urn:microsoft.com/office/officeart/2005/8/layout/vList5"/>
+    <dgm:cxn modelId="{FBADA732-B3AD-4BED-906C-C0BAB399D555}" type="presOf" srcId="{DAD70996-E23E-44CF-9496-9F225988824C}" destId="{B4BF24B5-900B-4F0B-9034-BC92D079EFDD}" srcOrd="0" destOrd="0" presId="urn:microsoft.com/office/officeart/2005/8/layout/vList5"/>
+    <dgm:cxn modelId="{CC0AE570-E75F-4678-9CD9-E364B5C64E63}" srcId="{1C600E66-A0CB-470F-8514-C91590285CB3}" destId="{DAD70996-E23E-44CF-9496-9F225988824C}" srcOrd="1" destOrd="0" parTransId="{94137695-88CF-4EED-B255-FD5FCD575BB8}" sibTransId="{2B9B5814-8CE0-4BB9-8EDD-ACCF502F2C87}"/>
     <dgm:cxn modelId="{C7C38DA0-CE59-4FEF-BFD1-6FDA69259313}" srcId="{1C600E66-A0CB-470F-8514-C91590285CB3}" destId="{64E9ACE6-9AFD-4BBA-80CB-01DA1300E087}" srcOrd="0" destOrd="0" parTransId="{FD0FAFBC-EEAF-4FBF-916F-D182FE250A26}" sibTransId="{7B2C8051-D046-465E-BB80-77D9BB7B38CD}"/>
     <dgm:cxn modelId="{C92152C9-FF79-4894-84FC-66E915F78959}" type="presOf" srcId="{1C600E66-A0CB-470F-8514-C91590285CB3}" destId="{4FE4B1AC-A99B-45EC-AFA8-E510D59359ED}" srcOrd="0" destOrd="0" presId="urn:microsoft.com/office/officeart/2005/8/layout/vList5"/>
     <dgm:cxn modelId="{83CB446D-F423-469F-BA03-5D05F0C13392}" type="presParOf" srcId="{4FE4B1AC-A99B-45EC-AFA8-E510D59359ED}" destId="{025ACBAF-46AC-4624-83DD-68FF5F6C7CAC}" srcOrd="0" destOrd="0" presId="urn:microsoft.com/office/officeart/2005/8/layout/vList5"/>
     <dgm:cxn modelId="{63EE6CDD-CD71-4C1F-8B53-41E7553C7928}" type="presParOf" srcId="{025ACBAF-46AC-4624-83DD-68FF5F6C7CAC}" destId="{938A66F9-A955-4384-A32F-5A244E92AC01}" srcOrd="0" destOrd="0" presId="urn:microsoft.com/office/officeart/2005/8/layout/vList5"/>
+    <dgm:cxn modelId="{7BCDEA48-C0F6-4F07-A07B-1BEE0525B3F7}" type="presParOf" srcId="{4FE4B1AC-A99B-45EC-AFA8-E510D59359ED}" destId="{FEEBB475-23F0-4EEC-8808-EA0736323CB5}" srcOrd="1" destOrd="0" presId="urn:microsoft.com/office/officeart/2005/8/layout/vList5"/>
+    <dgm:cxn modelId="{887B3CE1-C4E9-4D9A-B562-5B3DEDF88E53}" type="presParOf" srcId="{4FE4B1AC-A99B-45EC-AFA8-E510D59359ED}" destId="{B9D0CF47-F7D0-4572-8FF1-B0AC879FEFBD}" srcOrd="2" destOrd="0" presId="urn:microsoft.com/office/officeart/2005/8/layout/vList5"/>
+    <dgm:cxn modelId="{12D6CF28-8297-4E1C-8C7F-71F47F5ACA82}" type="presParOf" srcId="{B9D0CF47-F7D0-4572-8FF1-B0AC879FEFBD}" destId="{B4BF24B5-900B-4F0B-9034-BC92D079EFDD}" srcOrd="0" destOrd="0" presId="urn:microsoft.com/office/officeart/2005/8/layout/vList5"/>
   </dgm:cxnLst>
   <dgm:bg/>
   <dgm:whole/>
@@ -5432,8 +5511,8 @@
       </dsp:nvSpPr>
       <dsp:spPr>
         <a:xfrm>
-          <a:off x="2044999" y="0"/>
-          <a:ext cx="2300624" cy="1526770"/>
+          <a:off x="2044999" y="39"/>
+          <a:ext cx="2300624" cy="1572621"/>
         </a:xfrm>
         <a:prstGeom prst="roundRect">
           <a:avLst/>
@@ -5475,12 +5554,12 @@
         </a:fontRef>
       </dsp:style>
       <dsp:txBody>
-        <a:bodyPr spcFirstLastPara="0" vert="horz" wrap="square" lIns="220980" tIns="110490" rIns="220980" bIns="110490" numCol="1" spcCol="1270" anchor="ctr" anchorCtr="0">
+        <a:bodyPr spcFirstLastPara="0" vert="horz" wrap="square" lIns="163830" tIns="81915" rIns="163830" bIns="81915" numCol="1" spcCol="1270" anchor="ctr" anchorCtr="0">
           <a:noAutofit/>
         </a:bodyPr>
         <a:lstStyle/>
         <a:p>
-          <a:pPr marL="0" lvl="0" indent="0" algn="ctr" defTabSz="2578100">
+          <a:pPr marL="0" lvl="0" indent="0" algn="ctr" defTabSz="1911350">
             <a:lnSpc>
               <a:spcPct val="90000"/>
             </a:lnSpc>
@@ -5493,14 +5572,92 @@
             <a:buNone/>
           </a:pPr>
           <a:r>
-            <a:rPr lang="en-US" sz="5800" kern="1200" dirty="0"/>
-            <a:t>CI/CD</a:t>
+            <a:rPr lang="en-US" sz="4300" kern="1200" dirty="0"/>
+            <a:t>GitHub DevOps</a:t>
           </a:r>
         </a:p>
       </dsp:txBody>
       <dsp:txXfrm>
-        <a:off x="2119530" y="74531"/>
-        <a:ext cx="2151562" cy="1377708"/>
+        <a:off x="2121768" y="76808"/>
+        <a:ext cx="2147086" cy="1419083"/>
+      </dsp:txXfrm>
+    </dsp:sp>
+    <dsp:sp modelId="{B4BF24B5-900B-4F0B-9034-BC92D079EFDD}">
+      <dsp:nvSpPr>
+        <dsp:cNvPr id="0" name=""/>
+        <dsp:cNvSpPr/>
+      </dsp:nvSpPr>
+      <dsp:spPr>
+        <a:xfrm>
+          <a:off x="2044999" y="1651292"/>
+          <a:ext cx="2300624" cy="1572621"/>
+        </a:xfrm>
+        <a:prstGeom prst="roundRect">
+          <a:avLst/>
+        </a:prstGeom>
+        <a:solidFill>
+          <a:schemeClr val="accent1">
+            <a:hueOff val="0"/>
+            <a:satOff val="0"/>
+            <a:lumOff val="0"/>
+            <a:alphaOff val="0"/>
+          </a:schemeClr>
+        </a:solidFill>
+        <a:ln w="12700" cap="flat" cmpd="sng" algn="ctr">
+          <a:solidFill>
+            <a:schemeClr val="lt1">
+              <a:hueOff val="0"/>
+              <a:satOff val="0"/>
+              <a:lumOff val="0"/>
+              <a:alphaOff val="0"/>
+            </a:schemeClr>
+          </a:solidFill>
+          <a:prstDash val="solid"/>
+          <a:miter lim="800000"/>
+        </a:ln>
+        <a:effectLst/>
+      </dsp:spPr>
+      <dsp:style>
+        <a:lnRef idx="2">
+          <a:scrgbClr r="0" g="0" b="0"/>
+        </a:lnRef>
+        <a:fillRef idx="1">
+          <a:scrgbClr r="0" g="0" b="0"/>
+        </a:fillRef>
+        <a:effectRef idx="0">
+          <a:scrgbClr r="0" g="0" b="0"/>
+        </a:effectRef>
+        <a:fontRef idx="minor">
+          <a:schemeClr val="lt1"/>
+        </a:fontRef>
+      </dsp:style>
+      <dsp:txBody>
+        <a:bodyPr spcFirstLastPara="0" vert="horz" wrap="square" lIns="163830" tIns="81915" rIns="163830" bIns="81915" numCol="1" spcCol="1270" anchor="ctr" anchorCtr="0">
+          <a:noAutofit/>
+        </a:bodyPr>
+        <a:lstStyle/>
+        <a:p>
+          <a:pPr marL="0" lvl="0" indent="0" algn="ctr" defTabSz="1911350">
+            <a:lnSpc>
+              <a:spcPct val="90000"/>
+            </a:lnSpc>
+            <a:spcBef>
+              <a:spcPct val="0"/>
+            </a:spcBef>
+            <a:spcAft>
+              <a:spcPct val="35000"/>
+            </a:spcAft>
+            <a:buNone/>
+          </a:pPr>
+          <a:r>
+            <a:rPr lang="en-US" sz="4300" kern="1200" dirty="0"/>
+            <a:t>Azure DevOps</a:t>
+          </a:r>
+        </a:p>
+      </dsp:txBody>
+      <dsp:txXfrm>
+        <a:off x="2121768" y="1728061"/>
+        <a:ext cx="2147086" cy="1419083"/>
       </dsp:txXfrm>
     </dsp:sp>
   </dsp:spTree>
@@ -6856,7 +7013,7 @@
           <a:p>
             <a:fld id="{EABA3F4B-EFF6-45E3-A6AB-4944039E81EC}" type="datetimeFigureOut">
               <a:rPr lang="ru-UA" smtClean="0"/>
-              <a:t>26.01.2024</a:t>
+              <a:t>30.01.2024</a:t>
             </a:fld>
             <a:endParaRPr lang="ru-UA"/>
           </a:p>
@@ -7273,7 +7430,7 @@
           <a:p>
             <a:fld id="{C75B975F-BA21-4E1C-99B6-ABED30F89540}" type="datetime1">
               <a:rPr lang="ru-UA" smtClean="0"/>
-              <a:t>26.01.2024</a:t>
+              <a:t>30.01.2024</a:t>
             </a:fld>
             <a:endParaRPr lang="ru-UA"/>
           </a:p>
@@ -7477,7 +7634,7 @@
           <a:p>
             <a:fld id="{D66328E5-C855-4166-8AD5-040012BE18D2}" type="datetime1">
               <a:rPr lang="ru-UA" smtClean="0"/>
-              <a:t>26.01.2024</a:t>
+              <a:t>30.01.2024</a:t>
             </a:fld>
             <a:endParaRPr lang="ru-UA"/>
           </a:p>
@@ -7691,7 +7848,7 @@
           <a:p>
             <a:fld id="{84DAB8F6-F46E-4246-80EF-DE02354418E7}" type="datetime1">
               <a:rPr lang="ru-UA" smtClean="0"/>
-              <a:t>26.01.2024</a:t>
+              <a:t>30.01.2024</a:t>
             </a:fld>
             <a:endParaRPr lang="ru-UA"/>
           </a:p>
@@ -7895,7 +8052,7 @@
           <a:p>
             <a:fld id="{8467C913-2051-48A1-86F2-D1DABB2E6F13}" type="datetime1">
               <a:rPr lang="ru-UA" smtClean="0"/>
-              <a:t>26.01.2024</a:t>
+              <a:t>30.01.2024</a:t>
             </a:fld>
             <a:endParaRPr lang="ru-UA"/>
           </a:p>
@@ -8175,7 +8332,7 @@
           <a:p>
             <a:fld id="{4343B6D0-012B-4BC7-8612-51CB74638584}" type="datetime1">
               <a:rPr lang="ru-UA" smtClean="0"/>
-              <a:t>26.01.2024</a:t>
+              <a:t>30.01.2024</a:t>
             </a:fld>
             <a:endParaRPr lang="ru-UA"/>
           </a:p>
@@ -8447,7 +8604,7 @@
           <a:p>
             <a:fld id="{DA3001A2-AE52-4B99-AC5B-08EC45DA8AD0}" type="datetime1">
               <a:rPr lang="ru-UA" smtClean="0"/>
-              <a:t>26.01.2024</a:t>
+              <a:t>30.01.2024</a:t>
             </a:fld>
             <a:endParaRPr lang="ru-UA"/>
           </a:p>
@@ -8866,7 +9023,7 @@
           <a:p>
             <a:fld id="{A27ADE6B-13FE-4183-AA7E-A7D12E19AD4E}" type="datetime1">
               <a:rPr lang="ru-UA" smtClean="0"/>
-              <a:t>26.01.2024</a:t>
+              <a:t>30.01.2024</a:t>
             </a:fld>
             <a:endParaRPr lang="ru-UA"/>
           </a:p>
@@ -9012,7 +9169,7 @@
           <a:p>
             <a:fld id="{F2FE09EF-E9B0-47B3-A956-B1218ACEB757}" type="datetime1">
               <a:rPr lang="ru-UA" smtClean="0"/>
-              <a:t>26.01.2024</a:t>
+              <a:t>30.01.2024</a:t>
             </a:fld>
             <a:endParaRPr lang="ru-UA"/>
           </a:p>
@@ -9129,7 +9286,7 @@
           <a:p>
             <a:fld id="{7C0BA055-DA58-45E6-8246-829A0C23A93B}" type="datetime1">
               <a:rPr lang="ru-UA" smtClean="0"/>
-              <a:t>26.01.2024</a:t>
+              <a:t>30.01.2024</a:t>
             </a:fld>
             <a:endParaRPr lang="ru-UA"/>
           </a:p>
@@ -9446,7 +9603,7 @@
           <a:p>
             <a:fld id="{6AED41DF-758F-4A6C-8E37-CA28871B2E5A}" type="datetime1">
               <a:rPr lang="ru-UA" smtClean="0"/>
-              <a:t>26.01.2024</a:t>
+              <a:t>30.01.2024</a:t>
             </a:fld>
             <a:endParaRPr lang="ru-UA"/>
           </a:p>
@@ -9739,7 +9896,7 @@
           <a:p>
             <a:fld id="{B092880E-860C-4927-A378-BCF65DB089C9}" type="datetime1">
               <a:rPr lang="ru-UA" smtClean="0"/>
-              <a:t>26.01.2024</a:t>
+              <a:t>30.01.2024</a:t>
             </a:fld>
             <a:endParaRPr lang="ru-UA"/>
           </a:p>
@@ -9986,7 +10143,7 @@
           <a:p>
             <a:fld id="{50344D1B-5235-486F-A999-CD74520911B6}" type="datetime1">
               <a:rPr lang="ru-UA" smtClean="0"/>
-              <a:t>26.01.2024</a:t>
+              <a:t>30.01.2024</a:t>
             </a:fld>
             <a:endParaRPr lang="ru-UA"/>
           </a:p>
@@ -13970,14 +14127,14 @@
           <p:nvPr>
             <p:extLst>
               <p:ext uri="{D42A27DB-BD31-4B8C-83A1-F6EECF244321}">
-                <p14:modId xmlns:p14="http://schemas.microsoft.com/office/powerpoint/2010/main" val="3992486113"/>
+                <p14:modId xmlns:p14="http://schemas.microsoft.com/office/powerpoint/2010/main" val="328349157"/>
               </p:ext>
             </p:extLst>
           </p:nvPr>
         </p:nvGraphicFramePr>
         <p:xfrm>
-          <a:off x="4654732" y="2664229"/>
-          <a:ext cx="6390623" cy="1526770"/>
+          <a:off x="4644525" y="2013065"/>
+          <a:ext cx="6390623" cy="3223953"/>
         </p:xfrm>
         <a:graphic>
           <a:graphicData uri="http://schemas.openxmlformats.org/drawingml/2006/diagram">

--- a/Step03-Deployment_Automatization_speach.pptx
+++ b/Step03-Deployment_Automatization_speach.pptx
@@ -2932,615 +2932,6 @@
     </pc:docChg>
   </pc:docChgLst>
   <pc:docChgLst>
-    <pc:chgData name="Ihor Aleksandrov" userId="c3051032-6b87-4db2-b257-777a0106fbd9" providerId="ADAL" clId="{EA2B8A7D-3C52-4D81-9662-EF0FB964F7A9}"/>
-    <pc:docChg chg="undo custSel addSld delSld modSld addMainMaster">
-      <pc:chgData name="Ihor Aleksandrov" userId="c3051032-6b87-4db2-b257-777a0106fbd9" providerId="ADAL" clId="{EA2B8A7D-3C52-4D81-9662-EF0FB964F7A9}" dt="2024-01-24T16:33:04.330" v="132" actId="1076"/>
-      <pc:docMkLst>
-        <pc:docMk/>
-      </pc:docMkLst>
-      <pc:sldChg chg="addSp modSp mod">
-        <pc:chgData name="Ihor Aleksandrov" userId="c3051032-6b87-4db2-b257-777a0106fbd9" providerId="ADAL" clId="{EA2B8A7D-3C52-4D81-9662-EF0FB964F7A9}" dt="2024-01-24T16:06:56.557" v="4" actId="1076"/>
-        <pc:sldMkLst>
-          <pc:docMk/>
-          <pc:sldMk cId="3270890867" sldId="257"/>
-        </pc:sldMkLst>
-        <pc:picChg chg="add mod">
-          <ac:chgData name="Ihor Aleksandrov" userId="c3051032-6b87-4db2-b257-777a0106fbd9" providerId="ADAL" clId="{EA2B8A7D-3C52-4D81-9662-EF0FB964F7A9}" dt="2024-01-24T16:06:56.557" v="4" actId="1076"/>
-          <ac:picMkLst>
-            <pc:docMk/>
-            <pc:sldMk cId="3270890867" sldId="257"/>
-            <ac:picMk id="3" creationId="{4E689865-968D-3D93-994B-3AAC3051378B}"/>
-          </ac:picMkLst>
-        </pc:picChg>
-      </pc:sldChg>
-      <pc:sldChg chg="addSp delSp modSp mod">
-        <pc:chgData name="Ihor Aleksandrov" userId="c3051032-6b87-4db2-b257-777a0106fbd9" providerId="ADAL" clId="{EA2B8A7D-3C52-4D81-9662-EF0FB964F7A9}" dt="2024-01-24T16:10:01.112" v="22" actId="21"/>
-        <pc:sldMkLst>
-          <pc:docMk/>
-          <pc:sldMk cId="3417182101" sldId="258"/>
-        </pc:sldMkLst>
-        <pc:spChg chg="add mod">
-          <ac:chgData name="Ihor Aleksandrov" userId="c3051032-6b87-4db2-b257-777a0106fbd9" providerId="ADAL" clId="{EA2B8A7D-3C52-4D81-9662-EF0FB964F7A9}" dt="2024-01-24T16:08:27.998" v="15" actId="14100"/>
-          <ac:spMkLst>
-            <pc:docMk/>
-            <pc:sldMk cId="3417182101" sldId="258"/>
-            <ac:spMk id="5" creationId="{3101D806-403A-F079-818A-1207B8442687}"/>
-          </ac:spMkLst>
-        </pc:spChg>
-        <pc:picChg chg="add mod">
-          <ac:chgData name="Ihor Aleksandrov" userId="c3051032-6b87-4db2-b257-777a0106fbd9" providerId="ADAL" clId="{EA2B8A7D-3C52-4D81-9662-EF0FB964F7A9}" dt="2024-01-24T16:07:17.540" v="7" actId="1076"/>
-          <ac:picMkLst>
-            <pc:docMk/>
-            <pc:sldMk cId="3417182101" sldId="258"/>
-            <ac:picMk id="3" creationId="{73192EE5-F292-E8DF-78BB-C480918593D9}"/>
-          </ac:picMkLst>
-        </pc:picChg>
-        <pc:picChg chg="add del">
-          <ac:chgData name="Ihor Aleksandrov" userId="c3051032-6b87-4db2-b257-777a0106fbd9" providerId="ADAL" clId="{EA2B8A7D-3C52-4D81-9662-EF0FB964F7A9}" dt="2024-01-24T16:10:01.112" v="22" actId="21"/>
-          <ac:picMkLst>
-            <pc:docMk/>
-            <pc:sldMk cId="3417182101" sldId="258"/>
-            <ac:picMk id="6" creationId="{C576D1E6-CE0C-96E3-680F-E1B2C62F8CF7}"/>
-          </ac:picMkLst>
-        </pc:picChg>
-      </pc:sldChg>
-      <pc:sldChg chg="addSp delSp modSp add del mod">
-        <pc:chgData name="Ihor Aleksandrov" userId="c3051032-6b87-4db2-b257-777a0106fbd9" providerId="ADAL" clId="{EA2B8A7D-3C52-4D81-9662-EF0FB964F7A9}" dt="2024-01-24T16:09:34.630" v="18" actId="47"/>
-        <pc:sldMkLst>
-          <pc:docMk/>
-          <pc:sldMk cId="1989911605" sldId="259"/>
-        </pc:sldMkLst>
-        <pc:picChg chg="del">
-          <ac:chgData name="Ihor Aleksandrov" userId="c3051032-6b87-4db2-b257-777a0106fbd9" providerId="ADAL" clId="{EA2B8A7D-3C52-4D81-9662-EF0FB964F7A9}" dt="2024-01-24T16:07:27.525" v="9" actId="478"/>
-          <ac:picMkLst>
-            <pc:docMk/>
-            <pc:sldMk cId="1989911605" sldId="259"/>
-            <ac:picMk id="3" creationId="{73192EE5-F292-E8DF-78BB-C480918593D9}"/>
-          </ac:picMkLst>
-        </pc:picChg>
-        <pc:picChg chg="add del mod">
-          <ac:chgData name="Ihor Aleksandrov" userId="c3051032-6b87-4db2-b257-777a0106fbd9" providerId="ADAL" clId="{EA2B8A7D-3C52-4D81-9662-EF0FB964F7A9}" dt="2024-01-24T16:09:28.758" v="16" actId="21"/>
-          <ac:picMkLst>
-            <pc:docMk/>
-            <pc:sldMk cId="1989911605" sldId="259"/>
-            <ac:picMk id="4" creationId="{9B699F11-38F0-D536-EC59-183316D30A0B}"/>
-          </ac:picMkLst>
-        </pc:picChg>
-      </pc:sldChg>
-      <pc:sldChg chg="addSp delSp modSp add mod">
-        <pc:chgData name="Ihor Aleksandrov" userId="c3051032-6b87-4db2-b257-777a0106fbd9" providerId="ADAL" clId="{EA2B8A7D-3C52-4D81-9662-EF0FB964F7A9}" dt="2024-01-24T16:10:33.240" v="28" actId="14100"/>
-        <pc:sldMkLst>
-          <pc:docMk/>
-          <pc:sldMk cId="2385514391" sldId="259"/>
-        </pc:sldMkLst>
-        <pc:spChg chg="add mod">
-          <ac:chgData name="Ihor Aleksandrov" userId="c3051032-6b87-4db2-b257-777a0106fbd9" providerId="ADAL" clId="{EA2B8A7D-3C52-4D81-9662-EF0FB964F7A9}" dt="2024-01-24T16:10:33.240" v="28" actId="14100"/>
-          <ac:spMkLst>
-            <pc:docMk/>
-            <pc:sldMk cId="2385514391" sldId="259"/>
-            <ac:spMk id="6" creationId="{115DFACF-1AA5-C3DC-C0A7-872F6D553428}"/>
-          </ac:spMkLst>
-        </pc:spChg>
-        <pc:picChg chg="add mod">
-          <ac:chgData name="Ihor Aleksandrov" userId="c3051032-6b87-4db2-b257-777a0106fbd9" providerId="ADAL" clId="{EA2B8A7D-3C52-4D81-9662-EF0FB964F7A9}" dt="2024-01-24T16:10:10.447" v="25" actId="1076"/>
-          <ac:picMkLst>
-            <pc:docMk/>
-            <pc:sldMk cId="2385514391" sldId="259"/>
-            <ac:picMk id="3" creationId="{94771F4B-C97E-4C7E-EE32-62B9CE4843E8}"/>
-          </ac:picMkLst>
-        </pc:picChg>
-        <pc:picChg chg="del">
-          <ac:chgData name="Ihor Aleksandrov" userId="c3051032-6b87-4db2-b257-777a0106fbd9" providerId="ADAL" clId="{EA2B8A7D-3C52-4D81-9662-EF0FB964F7A9}" dt="2024-01-24T16:09:56.379" v="21" actId="478"/>
-          <ac:picMkLst>
-            <pc:docMk/>
-            <pc:sldMk cId="2385514391" sldId="259"/>
-            <ac:picMk id="4" creationId="{385F9644-E8EA-6C22-DF80-DC79BE06769D}"/>
-          </ac:picMkLst>
-        </pc:picChg>
-      </pc:sldChg>
-      <pc:sldChg chg="addSp delSp modSp add mod">
-        <pc:chgData name="Ihor Aleksandrov" userId="c3051032-6b87-4db2-b257-777a0106fbd9" providerId="ADAL" clId="{EA2B8A7D-3C52-4D81-9662-EF0FB964F7A9}" dt="2024-01-24T16:14:38.639" v="41" actId="14100"/>
-        <pc:sldMkLst>
-          <pc:docMk/>
-          <pc:sldMk cId="1272792471" sldId="260"/>
-        </pc:sldMkLst>
-        <pc:spChg chg="add del">
-          <ac:chgData name="Ihor Aleksandrov" userId="c3051032-6b87-4db2-b257-777a0106fbd9" providerId="ADAL" clId="{EA2B8A7D-3C52-4D81-9662-EF0FB964F7A9}" dt="2024-01-24T16:14:31.607" v="38" actId="22"/>
-          <ac:spMkLst>
-            <pc:docMk/>
-            <pc:sldMk cId="1272792471" sldId="260"/>
-            <ac:spMk id="6" creationId="{3FE0DD55-F1FF-817B-C521-E1B38C3903B5}"/>
-          </ac:spMkLst>
-        </pc:spChg>
-        <pc:spChg chg="add mod">
-          <ac:chgData name="Ihor Aleksandrov" userId="c3051032-6b87-4db2-b257-777a0106fbd9" providerId="ADAL" clId="{EA2B8A7D-3C52-4D81-9662-EF0FB964F7A9}" dt="2024-01-24T16:14:38.639" v="41" actId="14100"/>
-          <ac:spMkLst>
-            <pc:docMk/>
-            <pc:sldMk cId="1272792471" sldId="260"/>
-            <ac:spMk id="8" creationId="{962CACC9-F2FB-EAE2-C7FA-A5DDED1544E9}"/>
-          </ac:spMkLst>
-        </pc:spChg>
-        <pc:picChg chg="add mod">
-          <ac:chgData name="Ihor Aleksandrov" userId="c3051032-6b87-4db2-b257-777a0106fbd9" providerId="ADAL" clId="{EA2B8A7D-3C52-4D81-9662-EF0FB964F7A9}" dt="2024-01-24T16:14:21.159" v="36" actId="1076"/>
-          <ac:picMkLst>
-            <pc:docMk/>
-            <pc:sldMk cId="1272792471" sldId="260"/>
-            <ac:picMk id="3" creationId="{1546C464-6844-1963-9CFB-73B9F3FB02A1}"/>
-          </ac:picMkLst>
-        </pc:picChg>
-        <pc:picChg chg="del">
-          <ac:chgData name="Ihor Aleksandrov" userId="c3051032-6b87-4db2-b257-777a0106fbd9" providerId="ADAL" clId="{EA2B8A7D-3C52-4D81-9662-EF0FB964F7A9}" dt="2024-01-24T16:14:01.347" v="31" actId="478"/>
-          <ac:picMkLst>
-            <pc:docMk/>
-            <pc:sldMk cId="1272792471" sldId="260"/>
-            <ac:picMk id="4" creationId="{385F9644-E8EA-6C22-DF80-DC79BE06769D}"/>
-          </ac:picMkLst>
-        </pc:picChg>
-      </pc:sldChg>
-      <pc:sldChg chg="addSp delSp modSp add del mod setBg delDesignElem">
-        <pc:chgData name="Ihor Aleksandrov" userId="c3051032-6b87-4db2-b257-777a0106fbd9" providerId="ADAL" clId="{EA2B8A7D-3C52-4D81-9662-EF0FB964F7A9}" dt="2024-01-24T16:18:02.567" v="53" actId="1076"/>
-        <pc:sldMkLst>
-          <pc:docMk/>
-          <pc:sldMk cId="3278151509" sldId="261"/>
-        </pc:sldMkLst>
-        <pc:spChg chg="mod">
-          <ac:chgData name="Ihor Aleksandrov" userId="c3051032-6b87-4db2-b257-777a0106fbd9" providerId="ADAL" clId="{EA2B8A7D-3C52-4D81-9662-EF0FB964F7A9}" dt="2024-01-24T16:17:36.102" v="47" actId="26606"/>
-          <ac:spMkLst>
-            <pc:docMk/>
-            <pc:sldMk cId="3278151509" sldId="261"/>
-            <ac:spMk id="2" creationId="{53C5D828-9666-E312-B574-9FE965A7D6BE}"/>
-          </ac:spMkLst>
-        </pc:spChg>
-        <pc:spChg chg="add del">
-          <ac:chgData name="Ihor Aleksandrov" userId="c3051032-6b87-4db2-b257-777a0106fbd9" providerId="ADAL" clId="{EA2B8A7D-3C52-4D81-9662-EF0FB964F7A9}" dt="2024-01-24T16:17:57.899" v="51" actId="22"/>
-          <ac:spMkLst>
-            <pc:docMk/>
-            <pc:sldMk cId="3278151509" sldId="261"/>
-            <ac:spMk id="5" creationId="{80C09514-761F-EDD8-1695-BBF5A6E5D9C0}"/>
-          </ac:spMkLst>
-        </pc:spChg>
-        <pc:spChg chg="add mod">
-          <ac:chgData name="Ihor Aleksandrov" userId="c3051032-6b87-4db2-b257-777a0106fbd9" providerId="ADAL" clId="{EA2B8A7D-3C52-4D81-9662-EF0FB964F7A9}" dt="2024-01-24T16:18:02.567" v="53" actId="1076"/>
-          <ac:spMkLst>
-            <pc:docMk/>
-            <pc:sldMk cId="3278151509" sldId="261"/>
-            <ac:spMk id="7" creationId="{01126049-0F88-3BD5-09AE-A83AF81ABE26}"/>
-          </ac:spMkLst>
-        </pc:spChg>
-        <pc:spChg chg="add">
-          <ac:chgData name="Ihor Aleksandrov" userId="c3051032-6b87-4db2-b257-777a0106fbd9" providerId="ADAL" clId="{EA2B8A7D-3C52-4D81-9662-EF0FB964F7A9}" dt="2024-01-24T16:17:36.102" v="47" actId="26606"/>
-          <ac:spMkLst>
-            <pc:docMk/>
-            <pc:sldMk cId="3278151509" sldId="261"/>
-            <ac:spMk id="9" creationId="{D4771268-CB57-404A-9271-370EB28F6090}"/>
-          </ac:spMkLst>
-        </pc:spChg>
-        <pc:spChg chg="add del">
-          <ac:chgData name="Ihor Aleksandrov" userId="c3051032-6b87-4db2-b257-777a0106fbd9" providerId="ADAL" clId="{EA2B8A7D-3C52-4D81-9662-EF0FB964F7A9}" dt="2024-01-24T16:17:09.141" v="46"/>
-          <ac:spMkLst>
-            <pc:docMk/>
-            <pc:sldMk cId="3278151509" sldId="261"/>
-            <ac:spMk id="24" creationId="{D4771268-CB57-404A-9271-370EB28F6090}"/>
-          </ac:spMkLst>
-        </pc:spChg>
-        <pc:picChg chg="mod ord">
-          <ac:chgData name="Ihor Aleksandrov" userId="c3051032-6b87-4db2-b257-777a0106fbd9" providerId="ADAL" clId="{EA2B8A7D-3C52-4D81-9662-EF0FB964F7A9}" dt="2024-01-24T16:17:46.040" v="49" actId="1076"/>
-          <ac:picMkLst>
-            <pc:docMk/>
-            <pc:sldMk cId="3278151509" sldId="261"/>
-            <ac:picMk id="4" creationId="{110B72A2-37FD-3982-5358-333497678F76}"/>
-          </ac:picMkLst>
-        </pc:picChg>
-      </pc:sldChg>
-      <pc:sldChg chg="addSp delSp modSp add mod setBg delDesignElem">
-        <pc:chgData name="Ihor Aleksandrov" userId="c3051032-6b87-4db2-b257-777a0106fbd9" providerId="ADAL" clId="{EA2B8A7D-3C52-4D81-9662-EF0FB964F7A9}" dt="2024-01-24T16:20:59.581" v="66" actId="1076"/>
-        <pc:sldMkLst>
-          <pc:docMk/>
-          <pc:sldMk cId="3670086471" sldId="262"/>
-        </pc:sldMkLst>
-        <pc:spChg chg="mod">
-          <ac:chgData name="Ihor Aleksandrov" userId="c3051032-6b87-4db2-b257-777a0106fbd9" providerId="ADAL" clId="{EA2B8A7D-3C52-4D81-9662-EF0FB964F7A9}" dt="2024-01-24T16:20:22.633" v="56" actId="26606"/>
-          <ac:spMkLst>
-            <pc:docMk/>
-            <pc:sldMk cId="3670086471" sldId="262"/>
-            <ac:spMk id="2" creationId="{53C5D828-9666-E312-B574-9FE965A7D6BE}"/>
-          </ac:spMkLst>
-        </pc:spChg>
-        <pc:spChg chg="add del">
-          <ac:chgData name="Ihor Aleksandrov" userId="c3051032-6b87-4db2-b257-777a0106fbd9" providerId="ADAL" clId="{EA2B8A7D-3C52-4D81-9662-EF0FB964F7A9}" dt="2024-01-24T16:20:43.237" v="60" actId="22"/>
-          <ac:spMkLst>
-            <pc:docMk/>
-            <pc:sldMk cId="3670086471" sldId="262"/>
-            <ac:spMk id="5" creationId="{87F45561-879D-7670-C001-865486ED03AA}"/>
-          </ac:spMkLst>
-        </pc:spChg>
-        <pc:spChg chg="add mod">
-          <ac:chgData name="Ihor Aleksandrov" userId="c3051032-6b87-4db2-b257-777a0106fbd9" providerId="ADAL" clId="{EA2B8A7D-3C52-4D81-9662-EF0FB964F7A9}" dt="2024-01-24T16:20:59.581" v="66" actId="1076"/>
-          <ac:spMkLst>
-            <pc:docMk/>
-            <pc:sldMk cId="3670086471" sldId="262"/>
-            <ac:spMk id="7" creationId="{0C7CD13E-FC32-AC89-26A1-AF80634998A4}"/>
-          </ac:spMkLst>
-        </pc:spChg>
-        <pc:spChg chg="add">
-          <ac:chgData name="Ihor Aleksandrov" userId="c3051032-6b87-4db2-b257-777a0106fbd9" providerId="ADAL" clId="{EA2B8A7D-3C52-4D81-9662-EF0FB964F7A9}" dt="2024-01-24T16:20:22.633" v="56" actId="26606"/>
-          <ac:spMkLst>
-            <pc:docMk/>
-            <pc:sldMk cId="3670086471" sldId="262"/>
-            <ac:spMk id="8" creationId="{D4771268-CB57-404A-9271-370EB28F6090}"/>
-          </ac:spMkLst>
-        </pc:spChg>
-        <pc:spChg chg="del">
-          <ac:chgData name="Ihor Aleksandrov" userId="c3051032-6b87-4db2-b257-777a0106fbd9" providerId="ADAL" clId="{EA2B8A7D-3C52-4D81-9662-EF0FB964F7A9}" dt="2024-01-24T16:20:18.797" v="55"/>
-          <ac:spMkLst>
-            <pc:docMk/>
-            <pc:sldMk cId="3670086471" sldId="262"/>
-            <ac:spMk id="24" creationId="{D4771268-CB57-404A-9271-370EB28F6090}"/>
-          </ac:spMkLst>
-        </pc:spChg>
-        <pc:picChg chg="mod ord">
-          <ac:chgData name="Ihor Aleksandrov" userId="c3051032-6b87-4db2-b257-777a0106fbd9" providerId="ADAL" clId="{EA2B8A7D-3C52-4D81-9662-EF0FB964F7A9}" dt="2024-01-24T16:20:28.992" v="58" actId="1076"/>
-          <ac:picMkLst>
-            <pc:docMk/>
-            <pc:sldMk cId="3670086471" sldId="262"/>
-            <ac:picMk id="3" creationId="{05A9FF40-DCEC-8E82-7C4D-BDBC1FAB1FDA}"/>
-          </ac:picMkLst>
-        </pc:picChg>
-      </pc:sldChg>
-      <pc:sldChg chg="addSp delSp modSp add mod setBg delDesignElem">
-        <pc:chgData name="Ihor Aleksandrov" userId="c3051032-6b87-4db2-b257-777a0106fbd9" providerId="ADAL" clId="{EA2B8A7D-3C52-4D81-9662-EF0FB964F7A9}" dt="2024-01-24T16:23:06.581" v="73" actId="1076"/>
-        <pc:sldMkLst>
-          <pc:docMk/>
-          <pc:sldMk cId="2476824021" sldId="263"/>
-        </pc:sldMkLst>
-        <pc:spChg chg="mod">
-          <ac:chgData name="Ihor Aleksandrov" userId="c3051032-6b87-4db2-b257-777a0106fbd9" providerId="ADAL" clId="{EA2B8A7D-3C52-4D81-9662-EF0FB964F7A9}" dt="2024-01-24T16:22:47.826" v="69" actId="26606"/>
-          <ac:spMkLst>
-            <pc:docMk/>
-            <pc:sldMk cId="2476824021" sldId="263"/>
-            <ac:spMk id="2" creationId="{53C5D828-9666-E312-B574-9FE965A7D6BE}"/>
-          </ac:spMkLst>
-        </pc:spChg>
-        <pc:spChg chg="add mod">
-          <ac:chgData name="Ihor Aleksandrov" userId="c3051032-6b87-4db2-b257-777a0106fbd9" providerId="ADAL" clId="{EA2B8A7D-3C52-4D81-9662-EF0FB964F7A9}" dt="2024-01-24T16:23:06.581" v="73" actId="1076"/>
-          <ac:spMkLst>
-            <pc:docMk/>
-            <pc:sldMk cId="2476824021" sldId="263"/>
-            <ac:spMk id="5" creationId="{E202FD3D-76E9-4318-0828-6FB8B5DBD2C5}"/>
-          </ac:spMkLst>
-        </pc:spChg>
-        <pc:spChg chg="add">
-          <ac:chgData name="Ihor Aleksandrov" userId="c3051032-6b87-4db2-b257-777a0106fbd9" providerId="ADAL" clId="{EA2B8A7D-3C52-4D81-9662-EF0FB964F7A9}" dt="2024-01-24T16:22:47.826" v="69" actId="26606"/>
-          <ac:spMkLst>
-            <pc:docMk/>
-            <pc:sldMk cId="2476824021" sldId="263"/>
-            <ac:spMk id="9" creationId="{D4771268-CB57-404A-9271-370EB28F6090}"/>
-          </ac:spMkLst>
-        </pc:spChg>
-        <pc:spChg chg="del">
-          <ac:chgData name="Ihor Aleksandrov" userId="c3051032-6b87-4db2-b257-777a0106fbd9" providerId="ADAL" clId="{EA2B8A7D-3C52-4D81-9662-EF0FB964F7A9}" dt="2024-01-24T16:22:44.812" v="68"/>
-          <ac:spMkLst>
-            <pc:docMk/>
-            <pc:sldMk cId="2476824021" sldId="263"/>
-            <ac:spMk id="24" creationId="{D4771268-CB57-404A-9271-370EB28F6090}"/>
-          </ac:spMkLst>
-        </pc:spChg>
-        <pc:picChg chg="mod">
-          <ac:chgData name="Ihor Aleksandrov" userId="c3051032-6b87-4db2-b257-777a0106fbd9" providerId="ADAL" clId="{EA2B8A7D-3C52-4D81-9662-EF0FB964F7A9}" dt="2024-01-24T16:22:54.712" v="71" actId="1076"/>
-          <ac:picMkLst>
-            <pc:docMk/>
-            <pc:sldMk cId="2476824021" sldId="263"/>
-            <ac:picMk id="4" creationId="{0A4A47BB-B86E-CE6D-6738-81D9FF41289F}"/>
-          </ac:picMkLst>
-        </pc:picChg>
-      </pc:sldChg>
-      <pc:sldChg chg="addSp delSp modSp add del mod setBg delDesignElem">
-        <pc:chgData name="Ihor Aleksandrov" userId="c3051032-6b87-4db2-b257-777a0106fbd9" providerId="ADAL" clId="{EA2B8A7D-3C52-4D81-9662-EF0FB964F7A9}" dt="2024-01-24T16:26:03.232" v="79" actId="47"/>
-        <pc:sldMkLst>
-          <pc:docMk/>
-          <pc:sldMk cId="303933854" sldId="264"/>
-        </pc:sldMkLst>
-        <pc:spChg chg="mod">
-          <ac:chgData name="Ihor Aleksandrov" userId="c3051032-6b87-4db2-b257-777a0106fbd9" providerId="ADAL" clId="{EA2B8A7D-3C52-4D81-9662-EF0FB964F7A9}" dt="2024-01-24T16:25:24.035" v="76" actId="26606"/>
-          <ac:spMkLst>
-            <pc:docMk/>
-            <pc:sldMk cId="303933854" sldId="264"/>
-            <ac:spMk id="2" creationId="{53C5D828-9666-E312-B574-9FE965A7D6BE}"/>
-          </ac:spMkLst>
-        </pc:spChg>
-        <pc:spChg chg="add">
-          <ac:chgData name="Ihor Aleksandrov" userId="c3051032-6b87-4db2-b257-777a0106fbd9" providerId="ADAL" clId="{EA2B8A7D-3C52-4D81-9662-EF0FB964F7A9}" dt="2024-01-24T16:25:24.035" v="76" actId="26606"/>
-          <ac:spMkLst>
-            <pc:docMk/>
-            <pc:sldMk cId="303933854" sldId="264"/>
-            <ac:spMk id="10" creationId="{53F29798-D584-4792-9B62-3F5F5C36D619}"/>
-          </ac:spMkLst>
-        </pc:spChg>
-        <pc:spChg chg="del">
-          <ac:chgData name="Ihor Aleksandrov" userId="c3051032-6b87-4db2-b257-777a0106fbd9" providerId="ADAL" clId="{EA2B8A7D-3C52-4D81-9662-EF0FB964F7A9}" dt="2024-01-24T16:25:20.099" v="75"/>
-          <ac:spMkLst>
-            <pc:docMk/>
-            <pc:sldMk cId="303933854" sldId="264"/>
-            <ac:spMk id="24" creationId="{D4771268-CB57-404A-9271-370EB28F6090}"/>
-          </ac:spMkLst>
-        </pc:spChg>
-        <pc:picChg chg="mod">
-          <ac:chgData name="Ihor Aleksandrov" userId="c3051032-6b87-4db2-b257-777a0106fbd9" providerId="ADAL" clId="{EA2B8A7D-3C52-4D81-9662-EF0FB964F7A9}" dt="2024-01-24T16:25:24.035" v="76" actId="26606"/>
-          <ac:picMkLst>
-            <pc:docMk/>
-            <pc:sldMk cId="303933854" sldId="264"/>
-            <ac:picMk id="3" creationId="{438AE1ED-C17A-0BC4-8D21-4B49E9F91B9F}"/>
-          </ac:picMkLst>
-        </pc:picChg>
-        <pc:picChg chg="mod ord">
-          <ac:chgData name="Ihor Aleksandrov" userId="c3051032-6b87-4db2-b257-777a0106fbd9" providerId="ADAL" clId="{EA2B8A7D-3C52-4D81-9662-EF0FB964F7A9}" dt="2024-01-24T16:25:24.035" v="76" actId="26606"/>
-          <ac:picMkLst>
-            <pc:docMk/>
-            <pc:sldMk cId="303933854" sldId="264"/>
-            <ac:picMk id="5" creationId="{699631DD-6035-BB9F-11EC-4E9F01F1D081}"/>
-          </ac:picMkLst>
-        </pc:picChg>
-      </pc:sldChg>
-      <pc:sldChg chg="delSp add del mod setBg delDesignElem">
-        <pc:chgData name="Ihor Aleksandrov" userId="c3051032-6b87-4db2-b257-777a0106fbd9" providerId="ADAL" clId="{EA2B8A7D-3C52-4D81-9662-EF0FB964F7A9}" dt="2024-01-24T16:26:15.663" v="82" actId="2696"/>
-        <pc:sldMkLst>
-          <pc:docMk/>
-          <pc:sldMk cId="3329585973" sldId="265"/>
-        </pc:sldMkLst>
-        <pc:spChg chg="del">
-          <ac:chgData name="Ihor Aleksandrov" userId="c3051032-6b87-4db2-b257-777a0106fbd9" providerId="ADAL" clId="{EA2B8A7D-3C52-4D81-9662-EF0FB964F7A9}" dt="2024-01-24T16:25:53.024" v="78"/>
-          <ac:spMkLst>
-            <pc:docMk/>
-            <pc:sldMk cId="3329585973" sldId="265"/>
-            <ac:spMk id="24" creationId="{D4771268-CB57-404A-9271-370EB28F6090}"/>
-          </ac:spMkLst>
-        </pc:spChg>
-        <pc:picChg chg="del">
-          <ac:chgData name="Ihor Aleksandrov" userId="c3051032-6b87-4db2-b257-777a0106fbd9" providerId="ADAL" clId="{EA2B8A7D-3C52-4D81-9662-EF0FB964F7A9}" dt="2024-01-24T16:26:11.119" v="81" actId="21"/>
-          <ac:picMkLst>
-            <pc:docMk/>
-            <pc:sldMk cId="3329585973" sldId="265"/>
-            <ac:picMk id="3" creationId="{438AE1ED-C17A-0BC4-8D21-4B49E9F91B9F}"/>
-          </ac:picMkLst>
-        </pc:picChg>
-        <pc:picChg chg="del">
-          <ac:chgData name="Ihor Aleksandrov" userId="c3051032-6b87-4db2-b257-777a0106fbd9" providerId="ADAL" clId="{EA2B8A7D-3C52-4D81-9662-EF0FB964F7A9}" dt="2024-01-24T16:26:11.119" v="81" actId="21"/>
-          <ac:picMkLst>
-            <pc:docMk/>
-            <pc:sldMk cId="3329585973" sldId="265"/>
-            <ac:picMk id="5" creationId="{699631DD-6035-BB9F-11EC-4E9F01F1D081}"/>
-          </ac:picMkLst>
-        </pc:picChg>
-      </pc:sldChg>
-      <pc:sldChg chg="delSp add del mod setBg delDesignElem">
-        <pc:chgData name="Ihor Aleksandrov" userId="c3051032-6b87-4db2-b257-777a0106fbd9" providerId="ADAL" clId="{EA2B8A7D-3C52-4D81-9662-EF0FB964F7A9}" dt="2024-01-24T16:30:49.711" v="105" actId="47"/>
-        <pc:sldMkLst>
-          <pc:docMk/>
-          <pc:sldMk cId="3569579791" sldId="265"/>
-        </pc:sldMkLst>
-        <pc:spChg chg="del">
-          <ac:chgData name="Ihor Aleksandrov" userId="c3051032-6b87-4db2-b257-777a0106fbd9" providerId="ADAL" clId="{EA2B8A7D-3C52-4D81-9662-EF0FB964F7A9}" dt="2024-01-24T16:30:40.099" v="103" actId="478"/>
-          <ac:spMkLst>
-            <pc:docMk/>
-            <pc:sldMk cId="3569579791" sldId="265"/>
-            <ac:spMk id="6" creationId="{E04F08BD-B70E-B1A8-7328-EE29B18E4AA1}"/>
-          </ac:spMkLst>
-        </pc:spChg>
-        <pc:spChg chg="del">
-          <ac:chgData name="Ihor Aleksandrov" userId="c3051032-6b87-4db2-b257-777a0106fbd9" providerId="ADAL" clId="{EA2B8A7D-3C52-4D81-9662-EF0FB964F7A9}" dt="2024-01-24T16:30:26.607" v="102"/>
-          <ac:spMkLst>
-            <pc:docMk/>
-            <pc:sldMk cId="3569579791" sldId="265"/>
-            <ac:spMk id="24" creationId="{D4771268-CB57-404A-9271-370EB28F6090}"/>
-          </ac:spMkLst>
-        </pc:spChg>
-      </pc:sldChg>
-      <pc:sldChg chg="addSp delSp modSp add mod">
-        <pc:chgData name="Ihor Aleksandrov" userId="c3051032-6b87-4db2-b257-777a0106fbd9" providerId="ADAL" clId="{EA2B8A7D-3C52-4D81-9662-EF0FB964F7A9}" dt="2024-01-24T16:27:15.280" v="97"/>
-        <pc:sldMkLst>
-          <pc:docMk/>
-          <pc:sldMk cId="1454947672" sldId="266"/>
-        </pc:sldMkLst>
-        <pc:spChg chg="mod">
-          <ac:chgData name="Ihor Aleksandrov" userId="c3051032-6b87-4db2-b257-777a0106fbd9" providerId="ADAL" clId="{EA2B8A7D-3C52-4D81-9662-EF0FB964F7A9}" dt="2024-01-24T16:27:15.280" v="97"/>
-          <ac:spMkLst>
-            <pc:docMk/>
-            <pc:sldMk cId="1454947672" sldId="266"/>
-            <ac:spMk id="2" creationId="{53C5D828-9666-E312-B574-9FE965A7D6BE}"/>
-          </ac:spMkLst>
-        </pc:spChg>
-        <pc:spChg chg="del mod">
-          <ac:chgData name="Ihor Aleksandrov" userId="c3051032-6b87-4db2-b257-777a0106fbd9" providerId="ADAL" clId="{EA2B8A7D-3C52-4D81-9662-EF0FB964F7A9}" dt="2024-01-24T16:26:42.413" v="88" actId="478"/>
-          <ac:spMkLst>
-            <pc:docMk/>
-            <pc:sldMk cId="1454947672" sldId="266"/>
-            <ac:spMk id="5" creationId="{E202FD3D-76E9-4318-0828-6FB8B5DBD2C5}"/>
-          </ac:spMkLst>
-        </pc:spChg>
-        <pc:spChg chg="add del">
-          <ac:chgData name="Ihor Aleksandrov" userId="c3051032-6b87-4db2-b257-777a0106fbd9" providerId="ADAL" clId="{EA2B8A7D-3C52-4D81-9662-EF0FB964F7A9}" dt="2024-01-24T16:26:47.309" v="90" actId="22"/>
-          <ac:spMkLst>
-            <pc:docMk/>
-            <pc:sldMk cId="1454947672" sldId="266"/>
-            <ac:spMk id="7" creationId="{EBBF43C8-41E2-AE32-94D4-F581BEA6FE8A}"/>
-          </ac:spMkLst>
-        </pc:spChg>
-        <pc:spChg chg="add mod">
-          <ac:chgData name="Ihor Aleksandrov" userId="c3051032-6b87-4db2-b257-777a0106fbd9" providerId="ADAL" clId="{EA2B8A7D-3C52-4D81-9662-EF0FB964F7A9}" dt="2024-01-24T16:26:50.235" v="92" actId="1076"/>
-          <ac:spMkLst>
-            <pc:docMk/>
-            <pc:sldMk cId="1454947672" sldId="266"/>
-            <ac:spMk id="10" creationId="{876EA409-9CED-1530-7AE1-2CE040ED9572}"/>
-          </ac:spMkLst>
-        </pc:spChg>
-        <pc:spChg chg="add del">
-          <ac:chgData name="Ihor Aleksandrov" userId="c3051032-6b87-4db2-b257-777a0106fbd9" providerId="ADAL" clId="{EA2B8A7D-3C52-4D81-9662-EF0FB964F7A9}" dt="2024-01-24T16:27:03.773" v="94" actId="22"/>
-          <ac:spMkLst>
-            <pc:docMk/>
-            <pc:sldMk cId="1454947672" sldId="266"/>
-            <ac:spMk id="12" creationId="{B2D7BD0E-CC55-1DD1-5742-E58CD9EC1D9B}"/>
-          </ac:spMkLst>
-        </pc:spChg>
-        <pc:spChg chg="add mod">
-          <ac:chgData name="Ihor Aleksandrov" userId="c3051032-6b87-4db2-b257-777a0106fbd9" providerId="ADAL" clId="{EA2B8A7D-3C52-4D81-9662-EF0FB964F7A9}" dt="2024-01-24T16:27:06.948" v="96" actId="1076"/>
-          <ac:spMkLst>
-            <pc:docMk/>
-            <pc:sldMk cId="1454947672" sldId="266"/>
-            <ac:spMk id="14" creationId="{51860035-8393-B608-A571-9F2BF673BAF4}"/>
-          </ac:spMkLst>
-        </pc:spChg>
-        <pc:picChg chg="add mod">
-          <ac:chgData name="Ihor Aleksandrov" userId="c3051032-6b87-4db2-b257-777a0106fbd9" providerId="ADAL" clId="{EA2B8A7D-3C52-4D81-9662-EF0FB964F7A9}" dt="2024-01-24T16:26:30.403" v="86" actId="1076"/>
-          <ac:picMkLst>
-            <pc:docMk/>
-            <pc:sldMk cId="1454947672" sldId="266"/>
-            <ac:picMk id="3" creationId="{4E45773B-3762-41A2-A15B-67E57E13AFF0}"/>
-          </ac:picMkLst>
-        </pc:picChg>
-        <pc:picChg chg="del">
-          <ac:chgData name="Ihor Aleksandrov" userId="c3051032-6b87-4db2-b257-777a0106fbd9" providerId="ADAL" clId="{EA2B8A7D-3C52-4D81-9662-EF0FB964F7A9}" dt="2024-01-24T16:26:26.334" v="85" actId="478"/>
-          <ac:picMkLst>
-            <pc:docMk/>
-            <pc:sldMk cId="1454947672" sldId="266"/>
-            <ac:picMk id="4" creationId="{0A4A47BB-B86E-CE6D-6738-81D9FF41289F}"/>
-          </ac:picMkLst>
-        </pc:picChg>
-      </pc:sldChg>
-      <pc:sldChg chg="addSp delSp modSp add mod">
-        <pc:chgData name="Ihor Aleksandrov" userId="c3051032-6b87-4db2-b257-777a0106fbd9" providerId="ADAL" clId="{EA2B8A7D-3C52-4D81-9662-EF0FB964F7A9}" dt="2024-01-24T16:31:25.335" v="112" actId="1076"/>
-        <pc:sldMkLst>
-          <pc:docMk/>
-          <pc:sldMk cId="361920255" sldId="267"/>
-        </pc:sldMkLst>
-        <pc:spChg chg="mod">
-          <ac:chgData name="Ihor Aleksandrov" userId="c3051032-6b87-4db2-b257-777a0106fbd9" providerId="ADAL" clId="{EA2B8A7D-3C52-4D81-9662-EF0FB964F7A9}" dt="2024-01-24T16:31:13.857" v="110"/>
-          <ac:spMkLst>
-            <pc:docMk/>
-            <pc:sldMk cId="361920255" sldId="267"/>
-            <ac:spMk id="2" creationId="{53C5D828-9666-E312-B574-9FE965A7D6BE}"/>
-          </ac:spMkLst>
-        </pc:spChg>
-        <pc:spChg chg="add mod">
-          <ac:chgData name="Ihor Aleksandrov" userId="c3051032-6b87-4db2-b257-777a0106fbd9" providerId="ADAL" clId="{EA2B8A7D-3C52-4D81-9662-EF0FB964F7A9}" dt="2024-01-24T16:31:25.335" v="112" actId="1076"/>
-          <ac:spMkLst>
-            <pc:docMk/>
-            <pc:sldMk cId="361920255" sldId="267"/>
-            <ac:spMk id="5" creationId="{02856B1C-9D37-7B11-BA48-D0E2FC265F83}"/>
-          </ac:spMkLst>
-        </pc:spChg>
-        <pc:spChg chg="del mod">
-          <ac:chgData name="Ihor Aleksandrov" userId="c3051032-6b87-4db2-b257-777a0106fbd9" providerId="ADAL" clId="{EA2B8A7D-3C52-4D81-9662-EF0FB964F7A9}" dt="2024-01-24T16:30:58.832" v="107" actId="478"/>
-          <ac:spMkLst>
-            <pc:docMk/>
-            <pc:sldMk cId="361920255" sldId="267"/>
-            <ac:spMk id="10" creationId="{876EA409-9CED-1530-7AE1-2CE040ED9572}"/>
-          </ac:spMkLst>
-        </pc:spChg>
-        <pc:spChg chg="del">
-          <ac:chgData name="Ihor Aleksandrov" userId="c3051032-6b87-4db2-b257-777a0106fbd9" providerId="ADAL" clId="{EA2B8A7D-3C52-4D81-9662-EF0FB964F7A9}" dt="2024-01-24T16:31:00.543" v="108" actId="478"/>
-          <ac:spMkLst>
-            <pc:docMk/>
-            <pc:sldMk cId="361920255" sldId="267"/>
-            <ac:spMk id="14" creationId="{51860035-8393-B608-A571-9F2BF673BAF4}"/>
-          </ac:spMkLst>
-        </pc:spChg>
-        <pc:picChg chg="del">
-          <ac:chgData name="Ihor Aleksandrov" userId="c3051032-6b87-4db2-b257-777a0106fbd9" providerId="ADAL" clId="{EA2B8A7D-3C52-4D81-9662-EF0FB964F7A9}" dt="2024-01-24T16:31:01.377" v="109" actId="478"/>
-          <ac:picMkLst>
-            <pc:docMk/>
-            <pc:sldMk cId="361920255" sldId="267"/>
-            <ac:picMk id="3" creationId="{4E45773B-3762-41A2-A15B-67E57E13AFF0}"/>
-          </ac:picMkLst>
-        </pc:picChg>
-      </pc:sldChg>
-      <pc:sldChg chg="addSp delSp modSp add mod">
-        <pc:chgData name="Ihor Aleksandrov" userId="c3051032-6b87-4db2-b257-777a0106fbd9" providerId="ADAL" clId="{EA2B8A7D-3C52-4D81-9662-EF0FB964F7A9}" dt="2024-01-24T16:32:14.326" v="126" actId="1076"/>
-        <pc:sldMkLst>
-          <pc:docMk/>
-          <pc:sldMk cId="2161892916" sldId="268"/>
-        </pc:sldMkLst>
-        <pc:spChg chg="mod">
-          <ac:chgData name="Ihor Aleksandrov" userId="c3051032-6b87-4db2-b257-777a0106fbd9" providerId="ADAL" clId="{EA2B8A7D-3C52-4D81-9662-EF0FB964F7A9}" dt="2024-01-24T16:31:48.062" v="116"/>
-          <ac:spMkLst>
-            <pc:docMk/>
-            <pc:sldMk cId="2161892916" sldId="268"/>
-            <ac:spMk id="2" creationId="{53C5D828-9666-E312-B574-9FE965A7D6BE}"/>
-          </ac:spMkLst>
-        </pc:spChg>
-        <pc:spChg chg="add del mod">
-          <ac:chgData name="Ihor Aleksandrov" userId="c3051032-6b87-4db2-b257-777a0106fbd9" providerId="ADAL" clId="{EA2B8A7D-3C52-4D81-9662-EF0FB964F7A9}" dt="2024-01-24T16:32:05.265" v="122" actId="22"/>
-          <ac:spMkLst>
-            <pc:docMk/>
-            <pc:sldMk cId="2161892916" sldId="268"/>
-            <ac:spMk id="4" creationId="{B8915959-A3F5-CE1D-2197-4D202DD13295}"/>
-          </ac:spMkLst>
-        </pc:spChg>
-        <pc:spChg chg="del mod">
-          <ac:chgData name="Ihor Aleksandrov" userId="c3051032-6b87-4db2-b257-777a0106fbd9" providerId="ADAL" clId="{EA2B8A7D-3C52-4D81-9662-EF0FB964F7A9}" dt="2024-01-24T16:31:54.161" v="118" actId="478"/>
-          <ac:spMkLst>
-            <pc:docMk/>
-            <pc:sldMk cId="2161892916" sldId="268"/>
-            <ac:spMk id="5" creationId="{02856B1C-9D37-7B11-BA48-D0E2FC265F83}"/>
-          </ac:spMkLst>
-        </pc:spChg>
-        <pc:spChg chg="add del">
-          <ac:chgData name="Ihor Aleksandrov" userId="c3051032-6b87-4db2-b257-777a0106fbd9" providerId="ADAL" clId="{EA2B8A7D-3C52-4D81-9662-EF0FB964F7A9}" dt="2024-01-24T16:32:08.037" v="124" actId="22"/>
-          <ac:spMkLst>
-            <pc:docMk/>
-            <pc:sldMk cId="2161892916" sldId="268"/>
-            <ac:spMk id="7" creationId="{DCE8D0BA-A771-5143-4367-C42932080953}"/>
-          </ac:spMkLst>
-        </pc:spChg>
-        <pc:spChg chg="add mod">
-          <ac:chgData name="Ihor Aleksandrov" userId="c3051032-6b87-4db2-b257-777a0106fbd9" providerId="ADAL" clId="{EA2B8A7D-3C52-4D81-9662-EF0FB964F7A9}" dt="2024-01-24T16:32:14.326" v="126" actId="1076"/>
-          <ac:spMkLst>
-            <pc:docMk/>
-            <pc:sldMk cId="2161892916" sldId="268"/>
-            <ac:spMk id="10" creationId="{F24BEA27-D44B-2EE7-CAFE-869E74A5EAC6}"/>
-          </ac:spMkLst>
-        </pc:spChg>
-      </pc:sldChg>
-      <pc:sldChg chg="modSp add mod">
-        <pc:chgData name="Ihor Aleksandrov" userId="c3051032-6b87-4db2-b257-777a0106fbd9" providerId="ADAL" clId="{EA2B8A7D-3C52-4D81-9662-EF0FB964F7A9}" dt="2024-01-24T16:33:04.330" v="132" actId="1076"/>
-        <pc:sldMkLst>
-          <pc:docMk/>
-          <pc:sldMk cId="3157685417" sldId="269"/>
-        </pc:sldMkLst>
-        <pc:spChg chg="mod">
-          <ac:chgData name="Ihor Aleksandrov" userId="c3051032-6b87-4db2-b257-777a0106fbd9" providerId="ADAL" clId="{EA2B8A7D-3C52-4D81-9662-EF0FB964F7A9}" dt="2024-01-24T16:32:51.150" v="130"/>
-          <ac:spMkLst>
-            <pc:docMk/>
-            <pc:sldMk cId="3157685417" sldId="269"/>
-            <ac:spMk id="2" creationId="{53C5D828-9666-E312-B574-9FE965A7D6BE}"/>
-          </ac:spMkLst>
-        </pc:spChg>
-        <pc:spChg chg="mod">
-          <ac:chgData name="Ihor Aleksandrov" userId="c3051032-6b87-4db2-b257-777a0106fbd9" providerId="ADAL" clId="{EA2B8A7D-3C52-4D81-9662-EF0FB964F7A9}" dt="2024-01-24T16:33:04.330" v="132" actId="1076"/>
-          <ac:spMkLst>
-            <pc:docMk/>
-            <pc:sldMk cId="3157685417" sldId="269"/>
-            <ac:spMk id="10" creationId="{F24BEA27-D44B-2EE7-CAFE-869E74A5EAC6}"/>
-          </ac:spMkLst>
-        </pc:spChg>
-      </pc:sldChg>
-      <pc:sldMasterChg chg="add addSldLayout">
-        <pc:chgData name="Ihor Aleksandrov" userId="c3051032-6b87-4db2-b257-777a0106fbd9" providerId="ADAL" clId="{EA2B8A7D-3C52-4D81-9662-EF0FB964F7A9}" dt="2024-01-24T16:09:52.219" v="19" actId="27028"/>
-        <pc:sldMasterMkLst>
-          <pc:docMk/>
-          <pc:sldMasterMk cId="1579723609" sldId="2147483660"/>
-        </pc:sldMasterMkLst>
-        <pc:sldLayoutChg chg="add">
-          <pc:chgData name="Ihor Aleksandrov" userId="c3051032-6b87-4db2-b257-777a0106fbd9" providerId="ADAL" clId="{EA2B8A7D-3C52-4D81-9662-EF0FB964F7A9}" dt="2024-01-24T16:09:52.219" v="19" actId="27028"/>
-          <pc:sldLayoutMkLst>
-            <pc:docMk/>
-            <pc:sldMasterMk cId="1579723609" sldId="2147483660"/>
-            <pc:sldLayoutMk cId="1498987355" sldId="2147483662"/>
-          </pc:sldLayoutMkLst>
-        </pc:sldLayoutChg>
-      </pc:sldMasterChg>
-    </pc:docChg>
-  </pc:docChgLst>
-  <pc:docChgLst>
     <pc:chgData name="Ihor Aleksandrov" userId="c3051032-6b87-4db2-b257-777a0106fbd9" providerId="ADAL" clId="{56332CB3-8148-420A-A659-8047DFDBF6F1}"/>
     <pc:docChg chg="undo custSel addSld delSld modSld sldOrd addSection modSection">
       <pc:chgData name="Ihor Aleksandrov" userId="c3051032-6b87-4db2-b257-777a0106fbd9" providerId="ADAL" clId="{56332CB3-8148-420A-A659-8047DFDBF6F1}" dt="2024-01-30T10:37:21.930" v="256" actId="1076"/>
@@ -4581,6 +3972,615 @@
           </ac:picMkLst>
         </pc:picChg>
       </pc:sldChg>
+    </pc:docChg>
+  </pc:docChgLst>
+  <pc:docChgLst>
+    <pc:chgData name="Ihor Aleksandrov" userId="c3051032-6b87-4db2-b257-777a0106fbd9" providerId="ADAL" clId="{EA2B8A7D-3C52-4D81-9662-EF0FB964F7A9}"/>
+    <pc:docChg chg="undo custSel addSld delSld modSld addMainMaster">
+      <pc:chgData name="Ihor Aleksandrov" userId="c3051032-6b87-4db2-b257-777a0106fbd9" providerId="ADAL" clId="{EA2B8A7D-3C52-4D81-9662-EF0FB964F7A9}" dt="2024-01-24T16:33:04.330" v="132" actId="1076"/>
+      <pc:docMkLst>
+        <pc:docMk/>
+      </pc:docMkLst>
+      <pc:sldChg chg="addSp modSp mod">
+        <pc:chgData name="Ihor Aleksandrov" userId="c3051032-6b87-4db2-b257-777a0106fbd9" providerId="ADAL" clId="{EA2B8A7D-3C52-4D81-9662-EF0FB964F7A9}" dt="2024-01-24T16:06:56.557" v="4" actId="1076"/>
+        <pc:sldMkLst>
+          <pc:docMk/>
+          <pc:sldMk cId="3270890867" sldId="257"/>
+        </pc:sldMkLst>
+        <pc:picChg chg="add mod">
+          <ac:chgData name="Ihor Aleksandrov" userId="c3051032-6b87-4db2-b257-777a0106fbd9" providerId="ADAL" clId="{EA2B8A7D-3C52-4D81-9662-EF0FB964F7A9}" dt="2024-01-24T16:06:56.557" v="4" actId="1076"/>
+          <ac:picMkLst>
+            <pc:docMk/>
+            <pc:sldMk cId="3270890867" sldId="257"/>
+            <ac:picMk id="3" creationId="{4E689865-968D-3D93-994B-3AAC3051378B}"/>
+          </ac:picMkLst>
+        </pc:picChg>
+      </pc:sldChg>
+      <pc:sldChg chg="addSp delSp modSp mod">
+        <pc:chgData name="Ihor Aleksandrov" userId="c3051032-6b87-4db2-b257-777a0106fbd9" providerId="ADAL" clId="{EA2B8A7D-3C52-4D81-9662-EF0FB964F7A9}" dt="2024-01-24T16:10:01.112" v="22" actId="21"/>
+        <pc:sldMkLst>
+          <pc:docMk/>
+          <pc:sldMk cId="3417182101" sldId="258"/>
+        </pc:sldMkLst>
+        <pc:spChg chg="add mod">
+          <ac:chgData name="Ihor Aleksandrov" userId="c3051032-6b87-4db2-b257-777a0106fbd9" providerId="ADAL" clId="{EA2B8A7D-3C52-4D81-9662-EF0FB964F7A9}" dt="2024-01-24T16:08:27.998" v="15" actId="14100"/>
+          <ac:spMkLst>
+            <pc:docMk/>
+            <pc:sldMk cId="3417182101" sldId="258"/>
+            <ac:spMk id="5" creationId="{3101D806-403A-F079-818A-1207B8442687}"/>
+          </ac:spMkLst>
+        </pc:spChg>
+        <pc:picChg chg="add mod">
+          <ac:chgData name="Ihor Aleksandrov" userId="c3051032-6b87-4db2-b257-777a0106fbd9" providerId="ADAL" clId="{EA2B8A7D-3C52-4D81-9662-EF0FB964F7A9}" dt="2024-01-24T16:07:17.540" v="7" actId="1076"/>
+          <ac:picMkLst>
+            <pc:docMk/>
+            <pc:sldMk cId="3417182101" sldId="258"/>
+            <ac:picMk id="3" creationId="{73192EE5-F292-E8DF-78BB-C480918593D9}"/>
+          </ac:picMkLst>
+        </pc:picChg>
+        <pc:picChg chg="add del">
+          <ac:chgData name="Ihor Aleksandrov" userId="c3051032-6b87-4db2-b257-777a0106fbd9" providerId="ADAL" clId="{EA2B8A7D-3C52-4D81-9662-EF0FB964F7A9}" dt="2024-01-24T16:10:01.112" v="22" actId="21"/>
+          <ac:picMkLst>
+            <pc:docMk/>
+            <pc:sldMk cId="3417182101" sldId="258"/>
+            <ac:picMk id="6" creationId="{C576D1E6-CE0C-96E3-680F-E1B2C62F8CF7}"/>
+          </ac:picMkLst>
+        </pc:picChg>
+      </pc:sldChg>
+      <pc:sldChg chg="addSp delSp modSp add del mod">
+        <pc:chgData name="Ihor Aleksandrov" userId="c3051032-6b87-4db2-b257-777a0106fbd9" providerId="ADAL" clId="{EA2B8A7D-3C52-4D81-9662-EF0FB964F7A9}" dt="2024-01-24T16:09:34.630" v="18" actId="47"/>
+        <pc:sldMkLst>
+          <pc:docMk/>
+          <pc:sldMk cId="1989911605" sldId="259"/>
+        </pc:sldMkLst>
+        <pc:picChg chg="del">
+          <ac:chgData name="Ihor Aleksandrov" userId="c3051032-6b87-4db2-b257-777a0106fbd9" providerId="ADAL" clId="{EA2B8A7D-3C52-4D81-9662-EF0FB964F7A9}" dt="2024-01-24T16:07:27.525" v="9" actId="478"/>
+          <ac:picMkLst>
+            <pc:docMk/>
+            <pc:sldMk cId="1989911605" sldId="259"/>
+            <ac:picMk id="3" creationId="{73192EE5-F292-E8DF-78BB-C480918593D9}"/>
+          </ac:picMkLst>
+        </pc:picChg>
+        <pc:picChg chg="add del mod">
+          <ac:chgData name="Ihor Aleksandrov" userId="c3051032-6b87-4db2-b257-777a0106fbd9" providerId="ADAL" clId="{EA2B8A7D-3C52-4D81-9662-EF0FB964F7A9}" dt="2024-01-24T16:09:28.758" v="16" actId="21"/>
+          <ac:picMkLst>
+            <pc:docMk/>
+            <pc:sldMk cId="1989911605" sldId="259"/>
+            <ac:picMk id="4" creationId="{9B699F11-38F0-D536-EC59-183316D30A0B}"/>
+          </ac:picMkLst>
+        </pc:picChg>
+      </pc:sldChg>
+      <pc:sldChg chg="addSp delSp modSp add mod">
+        <pc:chgData name="Ihor Aleksandrov" userId="c3051032-6b87-4db2-b257-777a0106fbd9" providerId="ADAL" clId="{EA2B8A7D-3C52-4D81-9662-EF0FB964F7A9}" dt="2024-01-24T16:10:33.240" v="28" actId="14100"/>
+        <pc:sldMkLst>
+          <pc:docMk/>
+          <pc:sldMk cId="2385514391" sldId="259"/>
+        </pc:sldMkLst>
+        <pc:spChg chg="add mod">
+          <ac:chgData name="Ihor Aleksandrov" userId="c3051032-6b87-4db2-b257-777a0106fbd9" providerId="ADAL" clId="{EA2B8A7D-3C52-4D81-9662-EF0FB964F7A9}" dt="2024-01-24T16:10:33.240" v="28" actId="14100"/>
+          <ac:spMkLst>
+            <pc:docMk/>
+            <pc:sldMk cId="2385514391" sldId="259"/>
+            <ac:spMk id="6" creationId="{115DFACF-1AA5-C3DC-C0A7-872F6D553428}"/>
+          </ac:spMkLst>
+        </pc:spChg>
+        <pc:picChg chg="add mod">
+          <ac:chgData name="Ihor Aleksandrov" userId="c3051032-6b87-4db2-b257-777a0106fbd9" providerId="ADAL" clId="{EA2B8A7D-3C52-4D81-9662-EF0FB964F7A9}" dt="2024-01-24T16:10:10.447" v="25" actId="1076"/>
+          <ac:picMkLst>
+            <pc:docMk/>
+            <pc:sldMk cId="2385514391" sldId="259"/>
+            <ac:picMk id="3" creationId="{94771F4B-C97E-4C7E-EE32-62B9CE4843E8}"/>
+          </ac:picMkLst>
+        </pc:picChg>
+        <pc:picChg chg="del">
+          <ac:chgData name="Ihor Aleksandrov" userId="c3051032-6b87-4db2-b257-777a0106fbd9" providerId="ADAL" clId="{EA2B8A7D-3C52-4D81-9662-EF0FB964F7A9}" dt="2024-01-24T16:09:56.379" v="21" actId="478"/>
+          <ac:picMkLst>
+            <pc:docMk/>
+            <pc:sldMk cId="2385514391" sldId="259"/>
+            <ac:picMk id="4" creationId="{385F9644-E8EA-6C22-DF80-DC79BE06769D}"/>
+          </ac:picMkLst>
+        </pc:picChg>
+      </pc:sldChg>
+      <pc:sldChg chg="addSp delSp modSp add mod">
+        <pc:chgData name="Ihor Aleksandrov" userId="c3051032-6b87-4db2-b257-777a0106fbd9" providerId="ADAL" clId="{EA2B8A7D-3C52-4D81-9662-EF0FB964F7A9}" dt="2024-01-24T16:14:38.639" v="41" actId="14100"/>
+        <pc:sldMkLst>
+          <pc:docMk/>
+          <pc:sldMk cId="1272792471" sldId="260"/>
+        </pc:sldMkLst>
+        <pc:spChg chg="add del">
+          <ac:chgData name="Ihor Aleksandrov" userId="c3051032-6b87-4db2-b257-777a0106fbd9" providerId="ADAL" clId="{EA2B8A7D-3C52-4D81-9662-EF0FB964F7A9}" dt="2024-01-24T16:14:31.607" v="38" actId="22"/>
+          <ac:spMkLst>
+            <pc:docMk/>
+            <pc:sldMk cId="1272792471" sldId="260"/>
+            <ac:spMk id="6" creationId="{3FE0DD55-F1FF-817B-C521-E1B38C3903B5}"/>
+          </ac:spMkLst>
+        </pc:spChg>
+        <pc:spChg chg="add mod">
+          <ac:chgData name="Ihor Aleksandrov" userId="c3051032-6b87-4db2-b257-777a0106fbd9" providerId="ADAL" clId="{EA2B8A7D-3C52-4D81-9662-EF0FB964F7A9}" dt="2024-01-24T16:14:38.639" v="41" actId="14100"/>
+          <ac:spMkLst>
+            <pc:docMk/>
+            <pc:sldMk cId="1272792471" sldId="260"/>
+            <ac:spMk id="8" creationId="{962CACC9-F2FB-EAE2-C7FA-A5DDED1544E9}"/>
+          </ac:spMkLst>
+        </pc:spChg>
+        <pc:picChg chg="add mod">
+          <ac:chgData name="Ihor Aleksandrov" userId="c3051032-6b87-4db2-b257-777a0106fbd9" providerId="ADAL" clId="{EA2B8A7D-3C52-4D81-9662-EF0FB964F7A9}" dt="2024-01-24T16:14:21.159" v="36" actId="1076"/>
+          <ac:picMkLst>
+            <pc:docMk/>
+            <pc:sldMk cId="1272792471" sldId="260"/>
+            <ac:picMk id="3" creationId="{1546C464-6844-1963-9CFB-73B9F3FB02A1}"/>
+          </ac:picMkLst>
+        </pc:picChg>
+        <pc:picChg chg="del">
+          <ac:chgData name="Ihor Aleksandrov" userId="c3051032-6b87-4db2-b257-777a0106fbd9" providerId="ADAL" clId="{EA2B8A7D-3C52-4D81-9662-EF0FB964F7A9}" dt="2024-01-24T16:14:01.347" v="31" actId="478"/>
+          <ac:picMkLst>
+            <pc:docMk/>
+            <pc:sldMk cId="1272792471" sldId="260"/>
+            <ac:picMk id="4" creationId="{385F9644-E8EA-6C22-DF80-DC79BE06769D}"/>
+          </ac:picMkLst>
+        </pc:picChg>
+      </pc:sldChg>
+      <pc:sldChg chg="addSp delSp modSp add del mod setBg delDesignElem">
+        <pc:chgData name="Ihor Aleksandrov" userId="c3051032-6b87-4db2-b257-777a0106fbd9" providerId="ADAL" clId="{EA2B8A7D-3C52-4D81-9662-EF0FB964F7A9}" dt="2024-01-24T16:18:02.567" v="53" actId="1076"/>
+        <pc:sldMkLst>
+          <pc:docMk/>
+          <pc:sldMk cId="3278151509" sldId="261"/>
+        </pc:sldMkLst>
+        <pc:spChg chg="mod">
+          <ac:chgData name="Ihor Aleksandrov" userId="c3051032-6b87-4db2-b257-777a0106fbd9" providerId="ADAL" clId="{EA2B8A7D-3C52-4D81-9662-EF0FB964F7A9}" dt="2024-01-24T16:17:36.102" v="47" actId="26606"/>
+          <ac:spMkLst>
+            <pc:docMk/>
+            <pc:sldMk cId="3278151509" sldId="261"/>
+            <ac:spMk id="2" creationId="{53C5D828-9666-E312-B574-9FE965A7D6BE}"/>
+          </ac:spMkLst>
+        </pc:spChg>
+        <pc:spChg chg="add del">
+          <ac:chgData name="Ihor Aleksandrov" userId="c3051032-6b87-4db2-b257-777a0106fbd9" providerId="ADAL" clId="{EA2B8A7D-3C52-4D81-9662-EF0FB964F7A9}" dt="2024-01-24T16:17:57.899" v="51" actId="22"/>
+          <ac:spMkLst>
+            <pc:docMk/>
+            <pc:sldMk cId="3278151509" sldId="261"/>
+            <ac:spMk id="5" creationId="{80C09514-761F-EDD8-1695-BBF5A6E5D9C0}"/>
+          </ac:spMkLst>
+        </pc:spChg>
+        <pc:spChg chg="add mod">
+          <ac:chgData name="Ihor Aleksandrov" userId="c3051032-6b87-4db2-b257-777a0106fbd9" providerId="ADAL" clId="{EA2B8A7D-3C52-4D81-9662-EF0FB964F7A9}" dt="2024-01-24T16:18:02.567" v="53" actId="1076"/>
+          <ac:spMkLst>
+            <pc:docMk/>
+            <pc:sldMk cId="3278151509" sldId="261"/>
+            <ac:spMk id="7" creationId="{01126049-0F88-3BD5-09AE-A83AF81ABE26}"/>
+          </ac:spMkLst>
+        </pc:spChg>
+        <pc:spChg chg="add">
+          <ac:chgData name="Ihor Aleksandrov" userId="c3051032-6b87-4db2-b257-777a0106fbd9" providerId="ADAL" clId="{EA2B8A7D-3C52-4D81-9662-EF0FB964F7A9}" dt="2024-01-24T16:17:36.102" v="47" actId="26606"/>
+          <ac:spMkLst>
+            <pc:docMk/>
+            <pc:sldMk cId="3278151509" sldId="261"/>
+            <ac:spMk id="9" creationId="{D4771268-CB57-404A-9271-370EB28F6090}"/>
+          </ac:spMkLst>
+        </pc:spChg>
+        <pc:spChg chg="add del">
+          <ac:chgData name="Ihor Aleksandrov" userId="c3051032-6b87-4db2-b257-777a0106fbd9" providerId="ADAL" clId="{EA2B8A7D-3C52-4D81-9662-EF0FB964F7A9}" dt="2024-01-24T16:17:09.141" v="46"/>
+          <ac:spMkLst>
+            <pc:docMk/>
+            <pc:sldMk cId="3278151509" sldId="261"/>
+            <ac:spMk id="24" creationId="{D4771268-CB57-404A-9271-370EB28F6090}"/>
+          </ac:spMkLst>
+        </pc:spChg>
+        <pc:picChg chg="mod ord">
+          <ac:chgData name="Ihor Aleksandrov" userId="c3051032-6b87-4db2-b257-777a0106fbd9" providerId="ADAL" clId="{EA2B8A7D-3C52-4D81-9662-EF0FB964F7A9}" dt="2024-01-24T16:17:46.040" v="49" actId="1076"/>
+          <ac:picMkLst>
+            <pc:docMk/>
+            <pc:sldMk cId="3278151509" sldId="261"/>
+            <ac:picMk id="4" creationId="{110B72A2-37FD-3982-5358-333497678F76}"/>
+          </ac:picMkLst>
+        </pc:picChg>
+      </pc:sldChg>
+      <pc:sldChg chg="addSp delSp modSp add mod setBg delDesignElem">
+        <pc:chgData name="Ihor Aleksandrov" userId="c3051032-6b87-4db2-b257-777a0106fbd9" providerId="ADAL" clId="{EA2B8A7D-3C52-4D81-9662-EF0FB964F7A9}" dt="2024-01-24T16:20:59.581" v="66" actId="1076"/>
+        <pc:sldMkLst>
+          <pc:docMk/>
+          <pc:sldMk cId="3670086471" sldId="262"/>
+        </pc:sldMkLst>
+        <pc:spChg chg="mod">
+          <ac:chgData name="Ihor Aleksandrov" userId="c3051032-6b87-4db2-b257-777a0106fbd9" providerId="ADAL" clId="{EA2B8A7D-3C52-4D81-9662-EF0FB964F7A9}" dt="2024-01-24T16:20:22.633" v="56" actId="26606"/>
+          <ac:spMkLst>
+            <pc:docMk/>
+            <pc:sldMk cId="3670086471" sldId="262"/>
+            <ac:spMk id="2" creationId="{53C5D828-9666-E312-B574-9FE965A7D6BE}"/>
+          </ac:spMkLst>
+        </pc:spChg>
+        <pc:spChg chg="add del">
+          <ac:chgData name="Ihor Aleksandrov" userId="c3051032-6b87-4db2-b257-777a0106fbd9" providerId="ADAL" clId="{EA2B8A7D-3C52-4D81-9662-EF0FB964F7A9}" dt="2024-01-24T16:20:43.237" v="60" actId="22"/>
+          <ac:spMkLst>
+            <pc:docMk/>
+            <pc:sldMk cId="3670086471" sldId="262"/>
+            <ac:spMk id="5" creationId="{87F45561-879D-7670-C001-865486ED03AA}"/>
+          </ac:spMkLst>
+        </pc:spChg>
+        <pc:spChg chg="add mod">
+          <ac:chgData name="Ihor Aleksandrov" userId="c3051032-6b87-4db2-b257-777a0106fbd9" providerId="ADAL" clId="{EA2B8A7D-3C52-4D81-9662-EF0FB964F7A9}" dt="2024-01-24T16:20:59.581" v="66" actId="1076"/>
+          <ac:spMkLst>
+            <pc:docMk/>
+            <pc:sldMk cId="3670086471" sldId="262"/>
+            <ac:spMk id="7" creationId="{0C7CD13E-FC32-AC89-26A1-AF80634998A4}"/>
+          </ac:spMkLst>
+        </pc:spChg>
+        <pc:spChg chg="add">
+          <ac:chgData name="Ihor Aleksandrov" userId="c3051032-6b87-4db2-b257-777a0106fbd9" providerId="ADAL" clId="{EA2B8A7D-3C52-4D81-9662-EF0FB964F7A9}" dt="2024-01-24T16:20:22.633" v="56" actId="26606"/>
+          <ac:spMkLst>
+            <pc:docMk/>
+            <pc:sldMk cId="3670086471" sldId="262"/>
+            <ac:spMk id="8" creationId="{D4771268-CB57-404A-9271-370EB28F6090}"/>
+          </ac:spMkLst>
+        </pc:spChg>
+        <pc:spChg chg="del">
+          <ac:chgData name="Ihor Aleksandrov" userId="c3051032-6b87-4db2-b257-777a0106fbd9" providerId="ADAL" clId="{EA2B8A7D-3C52-4D81-9662-EF0FB964F7A9}" dt="2024-01-24T16:20:18.797" v="55"/>
+          <ac:spMkLst>
+            <pc:docMk/>
+            <pc:sldMk cId="3670086471" sldId="262"/>
+            <ac:spMk id="24" creationId="{D4771268-CB57-404A-9271-370EB28F6090}"/>
+          </ac:spMkLst>
+        </pc:spChg>
+        <pc:picChg chg="mod ord">
+          <ac:chgData name="Ihor Aleksandrov" userId="c3051032-6b87-4db2-b257-777a0106fbd9" providerId="ADAL" clId="{EA2B8A7D-3C52-4D81-9662-EF0FB964F7A9}" dt="2024-01-24T16:20:28.992" v="58" actId="1076"/>
+          <ac:picMkLst>
+            <pc:docMk/>
+            <pc:sldMk cId="3670086471" sldId="262"/>
+            <ac:picMk id="3" creationId="{05A9FF40-DCEC-8E82-7C4D-BDBC1FAB1FDA}"/>
+          </ac:picMkLst>
+        </pc:picChg>
+      </pc:sldChg>
+      <pc:sldChg chg="addSp delSp modSp add mod setBg delDesignElem">
+        <pc:chgData name="Ihor Aleksandrov" userId="c3051032-6b87-4db2-b257-777a0106fbd9" providerId="ADAL" clId="{EA2B8A7D-3C52-4D81-9662-EF0FB964F7A9}" dt="2024-01-24T16:23:06.581" v="73" actId="1076"/>
+        <pc:sldMkLst>
+          <pc:docMk/>
+          <pc:sldMk cId="2476824021" sldId="263"/>
+        </pc:sldMkLst>
+        <pc:spChg chg="mod">
+          <ac:chgData name="Ihor Aleksandrov" userId="c3051032-6b87-4db2-b257-777a0106fbd9" providerId="ADAL" clId="{EA2B8A7D-3C52-4D81-9662-EF0FB964F7A9}" dt="2024-01-24T16:22:47.826" v="69" actId="26606"/>
+          <ac:spMkLst>
+            <pc:docMk/>
+            <pc:sldMk cId="2476824021" sldId="263"/>
+            <ac:spMk id="2" creationId="{53C5D828-9666-E312-B574-9FE965A7D6BE}"/>
+          </ac:spMkLst>
+        </pc:spChg>
+        <pc:spChg chg="add mod">
+          <ac:chgData name="Ihor Aleksandrov" userId="c3051032-6b87-4db2-b257-777a0106fbd9" providerId="ADAL" clId="{EA2B8A7D-3C52-4D81-9662-EF0FB964F7A9}" dt="2024-01-24T16:23:06.581" v="73" actId="1076"/>
+          <ac:spMkLst>
+            <pc:docMk/>
+            <pc:sldMk cId="2476824021" sldId="263"/>
+            <ac:spMk id="5" creationId="{E202FD3D-76E9-4318-0828-6FB8B5DBD2C5}"/>
+          </ac:spMkLst>
+        </pc:spChg>
+        <pc:spChg chg="add">
+          <ac:chgData name="Ihor Aleksandrov" userId="c3051032-6b87-4db2-b257-777a0106fbd9" providerId="ADAL" clId="{EA2B8A7D-3C52-4D81-9662-EF0FB964F7A9}" dt="2024-01-24T16:22:47.826" v="69" actId="26606"/>
+          <ac:spMkLst>
+            <pc:docMk/>
+            <pc:sldMk cId="2476824021" sldId="263"/>
+            <ac:spMk id="9" creationId="{D4771268-CB57-404A-9271-370EB28F6090}"/>
+          </ac:spMkLst>
+        </pc:spChg>
+        <pc:spChg chg="del">
+          <ac:chgData name="Ihor Aleksandrov" userId="c3051032-6b87-4db2-b257-777a0106fbd9" providerId="ADAL" clId="{EA2B8A7D-3C52-4D81-9662-EF0FB964F7A9}" dt="2024-01-24T16:22:44.812" v="68"/>
+          <ac:spMkLst>
+            <pc:docMk/>
+            <pc:sldMk cId="2476824021" sldId="263"/>
+            <ac:spMk id="24" creationId="{D4771268-CB57-404A-9271-370EB28F6090}"/>
+          </ac:spMkLst>
+        </pc:spChg>
+        <pc:picChg chg="mod">
+          <ac:chgData name="Ihor Aleksandrov" userId="c3051032-6b87-4db2-b257-777a0106fbd9" providerId="ADAL" clId="{EA2B8A7D-3C52-4D81-9662-EF0FB964F7A9}" dt="2024-01-24T16:22:54.712" v="71" actId="1076"/>
+          <ac:picMkLst>
+            <pc:docMk/>
+            <pc:sldMk cId="2476824021" sldId="263"/>
+            <ac:picMk id="4" creationId="{0A4A47BB-B86E-CE6D-6738-81D9FF41289F}"/>
+          </ac:picMkLst>
+        </pc:picChg>
+      </pc:sldChg>
+      <pc:sldChg chg="addSp delSp modSp add del mod setBg delDesignElem">
+        <pc:chgData name="Ihor Aleksandrov" userId="c3051032-6b87-4db2-b257-777a0106fbd9" providerId="ADAL" clId="{EA2B8A7D-3C52-4D81-9662-EF0FB964F7A9}" dt="2024-01-24T16:26:03.232" v="79" actId="47"/>
+        <pc:sldMkLst>
+          <pc:docMk/>
+          <pc:sldMk cId="303933854" sldId="264"/>
+        </pc:sldMkLst>
+        <pc:spChg chg="mod">
+          <ac:chgData name="Ihor Aleksandrov" userId="c3051032-6b87-4db2-b257-777a0106fbd9" providerId="ADAL" clId="{EA2B8A7D-3C52-4D81-9662-EF0FB964F7A9}" dt="2024-01-24T16:25:24.035" v="76" actId="26606"/>
+          <ac:spMkLst>
+            <pc:docMk/>
+            <pc:sldMk cId="303933854" sldId="264"/>
+            <ac:spMk id="2" creationId="{53C5D828-9666-E312-B574-9FE965A7D6BE}"/>
+          </ac:spMkLst>
+        </pc:spChg>
+        <pc:spChg chg="add">
+          <ac:chgData name="Ihor Aleksandrov" userId="c3051032-6b87-4db2-b257-777a0106fbd9" providerId="ADAL" clId="{EA2B8A7D-3C52-4D81-9662-EF0FB964F7A9}" dt="2024-01-24T16:25:24.035" v="76" actId="26606"/>
+          <ac:spMkLst>
+            <pc:docMk/>
+            <pc:sldMk cId="303933854" sldId="264"/>
+            <ac:spMk id="10" creationId="{53F29798-D584-4792-9B62-3F5F5C36D619}"/>
+          </ac:spMkLst>
+        </pc:spChg>
+        <pc:spChg chg="del">
+          <ac:chgData name="Ihor Aleksandrov" userId="c3051032-6b87-4db2-b257-777a0106fbd9" providerId="ADAL" clId="{EA2B8A7D-3C52-4D81-9662-EF0FB964F7A9}" dt="2024-01-24T16:25:20.099" v="75"/>
+          <ac:spMkLst>
+            <pc:docMk/>
+            <pc:sldMk cId="303933854" sldId="264"/>
+            <ac:spMk id="24" creationId="{D4771268-CB57-404A-9271-370EB28F6090}"/>
+          </ac:spMkLst>
+        </pc:spChg>
+        <pc:picChg chg="mod">
+          <ac:chgData name="Ihor Aleksandrov" userId="c3051032-6b87-4db2-b257-777a0106fbd9" providerId="ADAL" clId="{EA2B8A7D-3C52-4D81-9662-EF0FB964F7A9}" dt="2024-01-24T16:25:24.035" v="76" actId="26606"/>
+          <ac:picMkLst>
+            <pc:docMk/>
+            <pc:sldMk cId="303933854" sldId="264"/>
+            <ac:picMk id="3" creationId="{438AE1ED-C17A-0BC4-8D21-4B49E9F91B9F}"/>
+          </ac:picMkLst>
+        </pc:picChg>
+        <pc:picChg chg="mod ord">
+          <ac:chgData name="Ihor Aleksandrov" userId="c3051032-6b87-4db2-b257-777a0106fbd9" providerId="ADAL" clId="{EA2B8A7D-3C52-4D81-9662-EF0FB964F7A9}" dt="2024-01-24T16:25:24.035" v="76" actId="26606"/>
+          <ac:picMkLst>
+            <pc:docMk/>
+            <pc:sldMk cId="303933854" sldId="264"/>
+            <ac:picMk id="5" creationId="{699631DD-6035-BB9F-11EC-4E9F01F1D081}"/>
+          </ac:picMkLst>
+        </pc:picChg>
+      </pc:sldChg>
+      <pc:sldChg chg="delSp add del mod setBg delDesignElem">
+        <pc:chgData name="Ihor Aleksandrov" userId="c3051032-6b87-4db2-b257-777a0106fbd9" providerId="ADAL" clId="{EA2B8A7D-3C52-4D81-9662-EF0FB964F7A9}" dt="2024-01-24T16:26:15.663" v="82" actId="2696"/>
+        <pc:sldMkLst>
+          <pc:docMk/>
+          <pc:sldMk cId="3329585973" sldId="265"/>
+        </pc:sldMkLst>
+        <pc:spChg chg="del">
+          <ac:chgData name="Ihor Aleksandrov" userId="c3051032-6b87-4db2-b257-777a0106fbd9" providerId="ADAL" clId="{EA2B8A7D-3C52-4D81-9662-EF0FB964F7A9}" dt="2024-01-24T16:25:53.024" v="78"/>
+          <ac:spMkLst>
+            <pc:docMk/>
+            <pc:sldMk cId="3329585973" sldId="265"/>
+            <ac:spMk id="24" creationId="{D4771268-CB57-404A-9271-370EB28F6090}"/>
+          </ac:spMkLst>
+        </pc:spChg>
+        <pc:picChg chg="del">
+          <ac:chgData name="Ihor Aleksandrov" userId="c3051032-6b87-4db2-b257-777a0106fbd9" providerId="ADAL" clId="{EA2B8A7D-3C52-4D81-9662-EF0FB964F7A9}" dt="2024-01-24T16:26:11.119" v="81" actId="21"/>
+          <ac:picMkLst>
+            <pc:docMk/>
+            <pc:sldMk cId="3329585973" sldId="265"/>
+            <ac:picMk id="3" creationId="{438AE1ED-C17A-0BC4-8D21-4B49E9F91B9F}"/>
+          </ac:picMkLst>
+        </pc:picChg>
+        <pc:picChg chg="del">
+          <ac:chgData name="Ihor Aleksandrov" userId="c3051032-6b87-4db2-b257-777a0106fbd9" providerId="ADAL" clId="{EA2B8A7D-3C52-4D81-9662-EF0FB964F7A9}" dt="2024-01-24T16:26:11.119" v="81" actId="21"/>
+          <ac:picMkLst>
+            <pc:docMk/>
+            <pc:sldMk cId="3329585973" sldId="265"/>
+            <ac:picMk id="5" creationId="{699631DD-6035-BB9F-11EC-4E9F01F1D081}"/>
+          </ac:picMkLst>
+        </pc:picChg>
+      </pc:sldChg>
+      <pc:sldChg chg="delSp add del mod setBg delDesignElem">
+        <pc:chgData name="Ihor Aleksandrov" userId="c3051032-6b87-4db2-b257-777a0106fbd9" providerId="ADAL" clId="{EA2B8A7D-3C52-4D81-9662-EF0FB964F7A9}" dt="2024-01-24T16:30:49.711" v="105" actId="47"/>
+        <pc:sldMkLst>
+          <pc:docMk/>
+          <pc:sldMk cId="3569579791" sldId="265"/>
+        </pc:sldMkLst>
+        <pc:spChg chg="del">
+          <ac:chgData name="Ihor Aleksandrov" userId="c3051032-6b87-4db2-b257-777a0106fbd9" providerId="ADAL" clId="{EA2B8A7D-3C52-4D81-9662-EF0FB964F7A9}" dt="2024-01-24T16:30:40.099" v="103" actId="478"/>
+          <ac:spMkLst>
+            <pc:docMk/>
+            <pc:sldMk cId="3569579791" sldId="265"/>
+            <ac:spMk id="6" creationId="{E04F08BD-B70E-B1A8-7328-EE29B18E4AA1}"/>
+          </ac:spMkLst>
+        </pc:spChg>
+        <pc:spChg chg="del">
+          <ac:chgData name="Ihor Aleksandrov" userId="c3051032-6b87-4db2-b257-777a0106fbd9" providerId="ADAL" clId="{EA2B8A7D-3C52-4D81-9662-EF0FB964F7A9}" dt="2024-01-24T16:30:26.607" v="102"/>
+          <ac:spMkLst>
+            <pc:docMk/>
+            <pc:sldMk cId="3569579791" sldId="265"/>
+            <ac:spMk id="24" creationId="{D4771268-CB57-404A-9271-370EB28F6090}"/>
+          </ac:spMkLst>
+        </pc:spChg>
+      </pc:sldChg>
+      <pc:sldChg chg="addSp delSp modSp add mod">
+        <pc:chgData name="Ihor Aleksandrov" userId="c3051032-6b87-4db2-b257-777a0106fbd9" providerId="ADAL" clId="{EA2B8A7D-3C52-4D81-9662-EF0FB964F7A9}" dt="2024-01-24T16:27:15.280" v="97"/>
+        <pc:sldMkLst>
+          <pc:docMk/>
+          <pc:sldMk cId="1454947672" sldId="266"/>
+        </pc:sldMkLst>
+        <pc:spChg chg="mod">
+          <ac:chgData name="Ihor Aleksandrov" userId="c3051032-6b87-4db2-b257-777a0106fbd9" providerId="ADAL" clId="{EA2B8A7D-3C52-4D81-9662-EF0FB964F7A9}" dt="2024-01-24T16:27:15.280" v="97"/>
+          <ac:spMkLst>
+            <pc:docMk/>
+            <pc:sldMk cId="1454947672" sldId="266"/>
+            <ac:spMk id="2" creationId="{53C5D828-9666-E312-B574-9FE965A7D6BE}"/>
+          </ac:spMkLst>
+        </pc:spChg>
+        <pc:spChg chg="del mod">
+          <ac:chgData name="Ihor Aleksandrov" userId="c3051032-6b87-4db2-b257-777a0106fbd9" providerId="ADAL" clId="{EA2B8A7D-3C52-4D81-9662-EF0FB964F7A9}" dt="2024-01-24T16:26:42.413" v="88" actId="478"/>
+          <ac:spMkLst>
+            <pc:docMk/>
+            <pc:sldMk cId="1454947672" sldId="266"/>
+            <ac:spMk id="5" creationId="{E202FD3D-76E9-4318-0828-6FB8B5DBD2C5}"/>
+          </ac:spMkLst>
+        </pc:spChg>
+        <pc:spChg chg="add del">
+          <ac:chgData name="Ihor Aleksandrov" userId="c3051032-6b87-4db2-b257-777a0106fbd9" providerId="ADAL" clId="{EA2B8A7D-3C52-4D81-9662-EF0FB964F7A9}" dt="2024-01-24T16:26:47.309" v="90" actId="22"/>
+          <ac:spMkLst>
+            <pc:docMk/>
+            <pc:sldMk cId="1454947672" sldId="266"/>
+            <ac:spMk id="7" creationId="{EBBF43C8-41E2-AE32-94D4-F581BEA6FE8A}"/>
+          </ac:spMkLst>
+        </pc:spChg>
+        <pc:spChg chg="add mod">
+          <ac:chgData name="Ihor Aleksandrov" userId="c3051032-6b87-4db2-b257-777a0106fbd9" providerId="ADAL" clId="{EA2B8A7D-3C52-4D81-9662-EF0FB964F7A9}" dt="2024-01-24T16:26:50.235" v="92" actId="1076"/>
+          <ac:spMkLst>
+            <pc:docMk/>
+            <pc:sldMk cId="1454947672" sldId="266"/>
+            <ac:spMk id="10" creationId="{876EA409-9CED-1530-7AE1-2CE040ED9572}"/>
+          </ac:spMkLst>
+        </pc:spChg>
+        <pc:spChg chg="add del">
+          <ac:chgData name="Ihor Aleksandrov" userId="c3051032-6b87-4db2-b257-777a0106fbd9" providerId="ADAL" clId="{EA2B8A7D-3C52-4D81-9662-EF0FB964F7A9}" dt="2024-01-24T16:27:03.773" v="94" actId="22"/>
+          <ac:spMkLst>
+            <pc:docMk/>
+            <pc:sldMk cId="1454947672" sldId="266"/>
+            <ac:spMk id="12" creationId="{B2D7BD0E-CC55-1DD1-5742-E58CD9EC1D9B}"/>
+          </ac:spMkLst>
+        </pc:spChg>
+        <pc:spChg chg="add mod">
+          <ac:chgData name="Ihor Aleksandrov" userId="c3051032-6b87-4db2-b257-777a0106fbd9" providerId="ADAL" clId="{EA2B8A7D-3C52-4D81-9662-EF0FB964F7A9}" dt="2024-01-24T16:27:06.948" v="96" actId="1076"/>
+          <ac:spMkLst>
+            <pc:docMk/>
+            <pc:sldMk cId="1454947672" sldId="266"/>
+            <ac:spMk id="14" creationId="{51860035-8393-B608-A571-9F2BF673BAF4}"/>
+          </ac:spMkLst>
+        </pc:spChg>
+        <pc:picChg chg="add mod">
+          <ac:chgData name="Ihor Aleksandrov" userId="c3051032-6b87-4db2-b257-777a0106fbd9" providerId="ADAL" clId="{EA2B8A7D-3C52-4D81-9662-EF0FB964F7A9}" dt="2024-01-24T16:26:30.403" v="86" actId="1076"/>
+          <ac:picMkLst>
+            <pc:docMk/>
+            <pc:sldMk cId="1454947672" sldId="266"/>
+            <ac:picMk id="3" creationId="{4E45773B-3762-41A2-A15B-67E57E13AFF0}"/>
+          </ac:picMkLst>
+        </pc:picChg>
+        <pc:picChg chg="del">
+          <ac:chgData name="Ihor Aleksandrov" userId="c3051032-6b87-4db2-b257-777a0106fbd9" providerId="ADAL" clId="{EA2B8A7D-3C52-4D81-9662-EF0FB964F7A9}" dt="2024-01-24T16:26:26.334" v="85" actId="478"/>
+          <ac:picMkLst>
+            <pc:docMk/>
+            <pc:sldMk cId="1454947672" sldId="266"/>
+            <ac:picMk id="4" creationId="{0A4A47BB-B86E-CE6D-6738-81D9FF41289F}"/>
+          </ac:picMkLst>
+        </pc:picChg>
+      </pc:sldChg>
+      <pc:sldChg chg="addSp delSp modSp add mod">
+        <pc:chgData name="Ihor Aleksandrov" userId="c3051032-6b87-4db2-b257-777a0106fbd9" providerId="ADAL" clId="{EA2B8A7D-3C52-4D81-9662-EF0FB964F7A9}" dt="2024-01-24T16:31:25.335" v="112" actId="1076"/>
+        <pc:sldMkLst>
+          <pc:docMk/>
+          <pc:sldMk cId="361920255" sldId="267"/>
+        </pc:sldMkLst>
+        <pc:spChg chg="mod">
+          <ac:chgData name="Ihor Aleksandrov" userId="c3051032-6b87-4db2-b257-777a0106fbd9" providerId="ADAL" clId="{EA2B8A7D-3C52-4D81-9662-EF0FB964F7A9}" dt="2024-01-24T16:31:13.857" v="110"/>
+          <ac:spMkLst>
+            <pc:docMk/>
+            <pc:sldMk cId="361920255" sldId="267"/>
+            <ac:spMk id="2" creationId="{53C5D828-9666-E312-B574-9FE965A7D6BE}"/>
+          </ac:spMkLst>
+        </pc:spChg>
+        <pc:spChg chg="add mod">
+          <ac:chgData name="Ihor Aleksandrov" userId="c3051032-6b87-4db2-b257-777a0106fbd9" providerId="ADAL" clId="{EA2B8A7D-3C52-4D81-9662-EF0FB964F7A9}" dt="2024-01-24T16:31:25.335" v="112" actId="1076"/>
+          <ac:spMkLst>
+            <pc:docMk/>
+            <pc:sldMk cId="361920255" sldId="267"/>
+            <ac:spMk id="5" creationId="{02856B1C-9D37-7B11-BA48-D0E2FC265F83}"/>
+          </ac:spMkLst>
+        </pc:spChg>
+        <pc:spChg chg="del mod">
+          <ac:chgData name="Ihor Aleksandrov" userId="c3051032-6b87-4db2-b257-777a0106fbd9" providerId="ADAL" clId="{EA2B8A7D-3C52-4D81-9662-EF0FB964F7A9}" dt="2024-01-24T16:30:58.832" v="107" actId="478"/>
+          <ac:spMkLst>
+            <pc:docMk/>
+            <pc:sldMk cId="361920255" sldId="267"/>
+            <ac:spMk id="10" creationId="{876EA409-9CED-1530-7AE1-2CE040ED9572}"/>
+          </ac:spMkLst>
+        </pc:spChg>
+        <pc:spChg chg="del">
+          <ac:chgData name="Ihor Aleksandrov" userId="c3051032-6b87-4db2-b257-777a0106fbd9" providerId="ADAL" clId="{EA2B8A7D-3C52-4D81-9662-EF0FB964F7A9}" dt="2024-01-24T16:31:00.543" v="108" actId="478"/>
+          <ac:spMkLst>
+            <pc:docMk/>
+            <pc:sldMk cId="361920255" sldId="267"/>
+            <ac:spMk id="14" creationId="{51860035-8393-B608-A571-9F2BF673BAF4}"/>
+          </ac:spMkLst>
+        </pc:spChg>
+        <pc:picChg chg="del">
+          <ac:chgData name="Ihor Aleksandrov" userId="c3051032-6b87-4db2-b257-777a0106fbd9" providerId="ADAL" clId="{EA2B8A7D-3C52-4D81-9662-EF0FB964F7A9}" dt="2024-01-24T16:31:01.377" v="109" actId="478"/>
+          <ac:picMkLst>
+            <pc:docMk/>
+            <pc:sldMk cId="361920255" sldId="267"/>
+            <ac:picMk id="3" creationId="{4E45773B-3762-41A2-A15B-67E57E13AFF0}"/>
+          </ac:picMkLst>
+        </pc:picChg>
+      </pc:sldChg>
+      <pc:sldChg chg="addSp delSp modSp add mod">
+        <pc:chgData name="Ihor Aleksandrov" userId="c3051032-6b87-4db2-b257-777a0106fbd9" providerId="ADAL" clId="{EA2B8A7D-3C52-4D81-9662-EF0FB964F7A9}" dt="2024-01-24T16:32:14.326" v="126" actId="1076"/>
+        <pc:sldMkLst>
+          <pc:docMk/>
+          <pc:sldMk cId="2161892916" sldId="268"/>
+        </pc:sldMkLst>
+        <pc:spChg chg="mod">
+          <ac:chgData name="Ihor Aleksandrov" userId="c3051032-6b87-4db2-b257-777a0106fbd9" providerId="ADAL" clId="{EA2B8A7D-3C52-4D81-9662-EF0FB964F7A9}" dt="2024-01-24T16:31:48.062" v="116"/>
+          <ac:spMkLst>
+            <pc:docMk/>
+            <pc:sldMk cId="2161892916" sldId="268"/>
+            <ac:spMk id="2" creationId="{53C5D828-9666-E312-B574-9FE965A7D6BE}"/>
+          </ac:spMkLst>
+        </pc:spChg>
+        <pc:spChg chg="add del mod">
+          <ac:chgData name="Ihor Aleksandrov" userId="c3051032-6b87-4db2-b257-777a0106fbd9" providerId="ADAL" clId="{EA2B8A7D-3C52-4D81-9662-EF0FB964F7A9}" dt="2024-01-24T16:32:05.265" v="122" actId="22"/>
+          <ac:spMkLst>
+            <pc:docMk/>
+            <pc:sldMk cId="2161892916" sldId="268"/>
+            <ac:spMk id="4" creationId="{B8915959-A3F5-CE1D-2197-4D202DD13295}"/>
+          </ac:spMkLst>
+        </pc:spChg>
+        <pc:spChg chg="del mod">
+          <ac:chgData name="Ihor Aleksandrov" userId="c3051032-6b87-4db2-b257-777a0106fbd9" providerId="ADAL" clId="{EA2B8A7D-3C52-4D81-9662-EF0FB964F7A9}" dt="2024-01-24T16:31:54.161" v="118" actId="478"/>
+          <ac:spMkLst>
+            <pc:docMk/>
+            <pc:sldMk cId="2161892916" sldId="268"/>
+            <ac:spMk id="5" creationId="{02856B1C-9D37-7B11-BA48-D0E2FC265F83}"/>
+          </ac:spMkLst>
+        </pc:spChg>
+        <pc:spChg chg="add del">
+          <ac:chgData name="Ihor Aleksandrov" userId="c3051032-6b87-4db2-b257-777a0106fbd9" providerId="ADAL" clId="{EA2B8A7D-3C52-4D81-9662-EF0FB964F7A9}" dt="2024-01-24T16:32:08.037" v="124" actId="22"/>
+          <ac:spMkLst>
+            <pc:docMk/>
+            <pc:sldMk cId="2161892916" sldId="268"/>
+            <ac:spMk id="7" creationId="{DCE8D0BA-A771-5143-4367-C42932080953}"/>
+          </ac:spMkLst>
+        </pc:spChg>
+        <pc:spChg chg="add mod">
+          <ac:chgData name="Ihor Aleksandrov" userId="c3051032-6b87-4db2-b257-777a0106fbd9" providerId="ADAL" clId="{EA2B8A7D-3C52-4D81-9662-EF0FB964F7A9}" dt="2024-01-24T16:32:14.326" v="126" actId="1076"/>
+          <ac:spMkLst>
+            <pc:docMk/>
+            <pc:sldMk cId="2161892916" sldId="268"/>
+            <ac:spMk id="10" creationId="{F24BEA27-D44B-2EE7-CAFE-869E74A5EAC6}"/>
+          </ac:spMkLst>
+        </pc:spChg>
+      </pc:sldChg>
+      <pc:sldChg chg="modSp add mod">
+        <pc:chgData name="Ihor Aleksandrov" userId="c3051032-6b87-4db2-b257-777a0106fbd9" providerId="ADAL" clId="{EA2B8A7D-3C52-4D81-9662-EF0FB964F7A9}" dt="2024-01-24T16:33:04.330" v="132" actId="1076"/>
+        <pc:sldMkLst>
+          <pc:docMk/>
+          <pc:sldMk cId="3157685417" sldId="269"/>
+        </pc:sldMkLst>
+        <pc:spChg chg="mod">
+          <ac:chgData name="Ihor Aleksandrov" userId="c3051032-6b87-4db2-b257-777a0106fbd9" providerId="ADAL" clId="{EA2B8A7D-3C52-4D81-9662-EF0FB964F7A9}" dt="2024-01-24T16:32:51.150" v="130"/>
+          <ac:spMkLst>
+            <pc:docMk/>
+            <pc:sldMk cId="3157685417" sldId="269"/>
+            <ac:spMk id="2" creationId="{53C5D828-9666-E312-B574-9FE965A7D6BE}"/>
+          </ac:spMkLst>
+        </pc:spChg>
+        <pc:spChg chg="mod">
+          <ac:chgData name="Ihor Aleksandrov" userId="c3051032-6b87-4db2-b257-777a0106fbd9" providerId="ADAL" clId="{EA2B8A7D-3C52-4D81-9662-EF0FB964F7A9}" dt="2024-01-24T16:33:04.330" v="132" actId="1076"/>
+          <ac:spMkLst>
+            <pc:docMk/>
+            <pc:sldMk cId="3157685417" sldId="269"/>
+            <ac:spMk id="10" creationId="{F24BEA27-D44B-2EE7-CAFE-869E74A5EAC6}"/>
+          </ac:spMkLst>
+        </pc:spChg>
+      </pc:sldChg>
+      <pc:sldMasterChg chg="add addSldLayout">
+        <pc:chgData name="Ihor Aleksandrov" userId="c3051032-6b87-4db2-b257-777a0106fbd9" providerId="ADAL" clId="{EA2B8A7D-3C52-4D81-9662-EF0FB964F7A9}" dt="2024-01-24T16:09:52.219" v="19" actId="27028"/>
+        <pc:sldMasterMkLst>
+          <pc:docMk/>
+          <pc:sldMasterMk cId="1579723609" sldId="2147483660"/>
+        </pc:sldMasterMkLst>
+        <pc:sldLayoutChg chg="add">
+          <pc:chgData name="Ihor Aleksandrov" userId="c3051032-6b87-4db2-b257-777a0106fbd9" providerId="ADAL" clId="{EA2B8A7D-3C52-4D81-9662-EF0FB964F7A9}" dt="2024-01-24T16:09:52.219" v="19" actId="27028"/>
+          <pc:sldLayoutMkLst>
+            <pc:docMk/>
+            <pc:sldMasterMk cId="1579723609" sldId="2147483660"/>
+            <pc:sldLayoutMk cId="1498987355" sldId="2147483662"/>
+          </pc:sldLayoutMkLst>
+        </pc:sldLayoutChg>
+      </pc:sldMasterChg>
     </pc:docChg>
   </pc:docChgLst>
 </pc:chgInfo>
@@ -7013,7 +7013,7 @@
           <a:p>
             <a:fld id="{EABA3F4B-EFF6-45E3-A6AB-4944039E81EC}" type="datetimeFigureOut">
               <a:rPr lang="ru-UA" smtClean="0"/>
-              <a:t>30.01.2024</a:t>
+              <a:t>03.02.2024</a:t>
             </a:fld>
             <a:endParaRPr lang="ru-UA"/>
           </a:p>
@@ -7428,9 +7428,9 @@
           <a:bodyPr/>
           <a:lstStyle/>
           <a:p>
-            <a:fld id="{C75B975F-BA21-4E1C-99B6-ABED30F89540}" type="datetime1">
+            <a:fld id="{89163E5E-DC84-4C42-91AA-98FDFE667E68}" type="datetime1">
               <a:rPr lang="ru-UA" smtClean="0"/>
-              <a:t>30.01.2024</a:t>
+              <a:t>03.02.2024</a:t>
             </a:fld>
             <a:endParaRPr lang="ru-UA"/>
           </a:p>
@@ -7458,8 +7458,8 @@
           <a:lstStyle/>
           <a:p>
             <a:r>
-              <a:rPr lang="es-ES"/>
-              <a:t>Step 1 - Model - ver. 1</a:t>
+              <a:rPr lang="en-US"/>
+              <a:t>Step 3. Deployment Automatization- ver. 1</a:t>
             </a:r>
             <a:endParaRPr lang="ru-UA"/>
           </a:p>
@@ -7632,9 +7632,9 @@
           <a:bodyPr/>
           <a:lstStyle/>
           <a:p>
-            <a:fld id="{D66328E5-C855-4166-8AD5-040012BE18D2}" type="datetime1">
+            <a:fld id="{FE733591-BF2A-4272-BED8-E751BF8EBD3A}" type="datetime1">
               <a:rPr lang="ru-UA" smtClean="0"/>
-              <a:t>30.01.2024</a:t>
+              <a:t>03.02.2024</a:t>
             </a:fld>
             <a:endParaRPr lang="ru-UA"/>
           </a:p>
@@ -7662,8 +7662,8 @@
           <a:lstStyle/>
           <a:p>
             <a:r>
-              <a:rPr lang="es-ES"/>
-              <a:t>Step 1 - Model - ver. 1</a:t>
+              <a:rPr lang="en-US"/>
+              <a:t>Step 3. Deployment Automatization- ver. 1</a:t>
             </a:r>
             <a:endParaRPr lang="ru-UA"/>
           </a:p>
@@ -7846,9 +7846,9 @@
           <a:bodyPr/>
           <a:lstStyle/>
           <a:p>
-            <a:fld id="{84DAB8F6-F46E-4246-80EF-DE02354418E7}" type="datetime1">
+            <a:fld id="{09CCF48A-E653-4434-AEF4-F798DF88AFF3}" type="datetime1">
               <a:rPr lang="ru-UA" smtClean="0"/>
-              <a:t>30.01.2024</a:t>
+              <a:t>03.02.2024</a:t>
             </a:fld>
             <a:endParaRPr lang="ru-UA"/>
           </a:p>
@@ -7876,8 +7876,8 @@
           <a:lstStyle/>
           <a:p>
             <a:r>
-              <a:rPr lang="es-ES"/>
-              <a:t>Step 1 - Model - ver. 1</a:t>
+              <a:rPr lang="en-US"/>
+              <a:t>Step 3. Deployment Automatization- ver. 1</a:t>
             </a:r>
             <a:endParaRPr lang="ru-UA"/>
           </a:p>
@@ -8050,9 +8050,9 @@
           <a:bodyPr/>
           <a:lstStyle/>
           <a:p>
-            <a:fld id="{8467C913-2051-48A1-86F2-D1DABB2E6F13}" type="datetime1">
+            <a:fld id="{2A8BF408-4978-45B9-A08E-F5C38BDB4854}" type="datetime1">
               <a:rPr lang="ru-UA" smtClean="0"/>
-              <a:t>30.01.2024</a:t>
+              <a:t>03.02.2024</a:t>
             </a:fld>
             <a:endParaRPr lang="ru-UA"/>
           </a:p>
@@ -8080,8 +8080,8 @@
           <a:lstStyle/>
           <a:p>
             <a:r>
-              <a:rPr lang="es-ES"/>
-              <a:t>Step 1 - Model - ver. 1</a:t>
+              <a:rPr lang="en-US"/>
+              <a:t>Step 3. Deployment Automatization- ver. 1</a:t>
             </a:r>
             <a:endParaRPr lang="ru-UA"/>
           </a:p>
@@ -8330,9 +8330,9 @@
           <a:bodyPr/>
           <a:lstStyle/>
           <a:p>
-            <a:fld id="{4343B6D0-012B-4BC7-8612-51CB74638584}" type="datetime1">
+            <a:fld id="{A8C4108A-9B2D-47D2-ADE1-59F42FE0C2ED}" type="datetime1">
               <a:rPr lang="ru-UA" smtClean="0"/>
-              <a:t>30.01.2024</a:t>
+              <a:t>03.02.2024</a:t>
             </a:fld>
             <a:endParaRPr lang="ru-UA"/>
           </a:p>
@@ -8360,8 +8360,8 @@
           <a:lstStyle/>
           <a:p>
             <a:r>
-              <a:rPr lang="es-ES"/>
-              <a:t>Step 1 - Model - ver. 1</a:t>
+              <a:rPr lang="en-US"/>
+              <a:t>Step 3. Deployment Automatization- ver. 1</a:t>
             </a:r>
             <a:endParaRPr lang="ru-UA"/>
           </a:p>
@@ -8602,9 +8602,9 @@
           <a:bodyPr/>
           <a:lstStyle/>
           <a:p>
-            <a:fld id="{DA3001A2-AE52-4B99-AC5B-08EC45DA8AD0}" type="datetime1">
+            <a:fld id="{69A57C91-D90C-4534-9AB2-618813E8EF0E}" type="datetime1">
               <a:rPr lang="ru-UA" smtClean="0"/>
-              <a:t>30.01.2024</a:t>
+              <a:t>03.02.2024</a:t>
             </a:fld>
             <a:endParaRPr lang="ru-UA"/>
           </a:p>
@@ -8632,8 +8632,8 @@
           <a:lstStyle/>
           <a:p>
             <a:r>
-              <a:rPr lang="es-ES"/>
-              <a:t>Step 1 - Model - ver. 1</a:t>
+              <a:rPr lang="en-US"/>
+              <a:t>Step 3. Deployment Automatization- ver. 1</a:t>
             </a:r>
             <a:endParaRPr lang="ru-UA"/>
           </a:p>
@@ -9021,9 +9021,9 @@
           <a:bodyPr/>
           <a:lstStyle/>
           <a:p>
-            <a:fld id="{A27ADE6B-13FE-4183-AA7E-A7D12E19AD4E}" type="datetime1">
+            <a:fld id="{662EEB9B-F0E9-4DB4-BBE0-3387D79ADBB4}" type="datetime1">
               <a:rPr lang="ru-UA" smtClean="0"/>
-              <a:t>30.01.2024</a:t>
+              <a:t>03.02.2024</a:t>
             </a:fld>
             <a:endParaRPr lang="ru-UA"/>
           </a:p>
@@ -9051,8 +9051,8 @@
           <a:lstStyle/>
           <a:p>
             <a:r>
-              <a:rPr lang="es-ES"/>
-              <a:t>Step 1 - Model - ver. 1</a:t>
+              <a:rPr lang="en-US"/>
+              <a:t>Step 3. Deployment Automatization- ver. 1</a:t>
             </a:r>
             <a:endParaRPr lang="ru-UA"/>
           </a:p>
@@ -9167,9 +9167,9 @@
           <a:bodyPr/>
           <a:lstStyle/>
           <a:p>
-            <a:fld id="{F2FE09EF-E9B0-47B3-A956-B1218ACEB757}" type="datetime1">
+            <a:fld id="{EB78C88F-1803-40DE-86FF-95C5CE410780}" type="datetime1">
               <a:rPr lang="ru-UA" smtClean="0"/>
-              <a:t>30.01.2024</a:t>
+              <a:t>03.02.2024</a:t>
             </a:fld>
             <a:endParaRPr lang="ru-UA"/>
           </a:p>
@@ -9197,8 +9197,8 @@
           <a:lstStyle/>
           <a:p>
             <a:r>
-              <a:rPr lang="es-ES"/>
-              <a:t>Step 1 - Model - ver. 1</a:t>
+              <a:rPr lang="en-US"/>
+              <a:t>Step 3. Deployment Automatization- ver. 1</a:t>
             </a:r>
             <a:endParaRPr lang="ru-UA"/>
           </a:p>
@@ -9284,9 +9284,9 @@
           <a:bodyPr/>
           <a:lstStyle/>
           <a:p>
-            <a:fld id="{7C0BA055-DA58-45E6-8246-829A0C23A93B}" type="datetime1">
+            <a:fld id="{835E527D-0DC1-4477-95FF-5293FAECD289}" type="datetime1">
               <a:rPr lang="ru-UA" smtClean="0"/>
-              <a:t>30.01.2024</a:t>
+              <a:t>03.02.2024</a:t>
             </a:fld>
             <a:endParaRPr lang="ru-UA"/>
           </a:p>
@@ -9314,8 +9314,8 @@
           <a:lstStyle/>
           <a:p>
             <a:r>
-              <a:rPr lang="es-ES"/>
-              <a:t>Step 1 - Model - ver. 1</a:t>
+              <a:rPr lang="en-US"/>
+              <a:t>Step 3. Deployment Automatization- ver. 1</a:t>
             </a:r>
             <a:endParaRPr lang="ru-UA"/>
           </a:p>
@@ -9601,9 +9601,9 @@
           <a:bodyPr/>
           <a:lstStyle/>
           <a:p>
-            <a:fld id="{6AED41DF-758F-4A6C-8E37-CA28871B2E5A}" type="datetime1">
+            <a:fld id="{3D9AB7A2-2E4B-4C1C-9B2A-6CBCB4B12F38}" type="datetime1">
               <a:rPr lang="ru-UA" smtClean="0"/>
-              <a:t>30.01.2024</a:t>
+              <a:t>03.02.2024</a:t>
             </a:fld>
             <a:endParaRPr lang="ru-UA"/>
           </a:p>
@@ -9631,8 +9631,8 @@
           <a:lstStyle/>
           <a:p>
             <a:r>
-              <a:rPr lang="es-ES"/>
-              <a:t>Step 1 - Model - ver. 1</a:t>
+              <a:rPr lang="en-US"/>
+              <a:t>Step 3. Deployment Automatization- ver. 1</a:t>
             </a:r>
             <a:endParaRPr lang="ru-UA"/>
           </a:p>
@@ -9894,9 +9894,9 @@
           <a:bodyPr/>
           <a:lstStyle/>
           <a:p>
-            <a:fld id="{B092880E-860C-4927-A378-BCF65DB089C9}" type="datetime1">
+            <a:fld id="{6C3B8D8D-B5FF-48BD-84C4-F78B1607CF69}" type="datetime1">
               <a:rPr lang="ru-UA" smtClean="0"/>
-              <a:t>30.01.2024</a:t>
+              <a:t>03.02.2024</a:t>
             </a:fld>
             <a:endParaRPr lang="ru-UA"/>
           </a:p>
@@ -9924,8 +9924,8 @@
           <a:lstStyle/>
           <a:p>
             <a:r>
-              <a:rPr lang="es-ES"/>
-              <a:t>Step 1 - Model - ver. 1</a:t>
+              <a:rPr lang="en-US"/>
+              <a:t>Step 3. Deployment Automatization- ver. 1</a:t>
             </a:r>
             <a:endParaRPr lang="ru-UA"/>
           </a:p>
@@ -10141,9 +10141,9 @@
             </a:lvl1pPr>
           </a:lstStyle>
           <a:p>
-            <a:fld id="{50344D1B-5235-486F-A999-CD74520911B6}" type="datetime1">
+            <a:fld id="{0D498A4A-14CD-4581-BB09-C96358EAD461}" type="datetime1">
               <a:rPr lang="ru-UA" smtClean="0"/>
-              <a:t>30.01.2024</a:t>
+              <a:t>03.02.2024</a:t>
             </a:fld>
             <a:endParaRPr lang="ru-UA"/>
           </a:p>
@@ -10189,8 +10189,8 @@
           </a:lstStyle>
           <a:p>
             <a:r>
-              <a:rPr lang="es-ES"/>
-              <a:t>Step 1 - Model - ver. 1</a:t>
+              <a:rPr lang="en-US"/>
+              <a:t>Step 3. Deployment Automatization- ver. 1</a:t>
             </a:r>
             <a:endParaRPr lang="ru-UA"/>
           </a:p>
@@ -10836,7 +10836,7 @@
         </p:spPr>
         <p:txBody>
           <a:bodyPr anchor="ctr">
-            <a:normAutofit/>
+            <a:normAutofit fontScale="92500" lnSpcReduction="10000"/>
           </a:bodyPr>
           <a:lstStyle/>
           <a:p>
@@ -10846,12 +10846,12 @@
               </a:spcAft>
             </a:pPr>
             <a:r>
-              <a:rPr lang="es-ES" sz="900">
+              <a:rPr lang="en-US" sz="900">
                 <a:solidFill>
                   <a:schemeClr val="tx1"/>
                 </a:solidFill>
               </a:rPr>
-              <a:t>Step 1 - Model - ver. 1</a:t>
+              <a:t>Step 3. Deployment Automatization- ver. 1</a:t>
             </a:r>
             <a:endParaRPr lang="ru-UA" sz="900">
               <a:solidFill>
@@ -11083,7 +11083,7 @@
                 <a:ea typeface="+mn-ea"/>
                 <a:cs typeface="+mn-cs"/>
               </a:rPr>
-              <a:t>Step 1 - Model - ver. 1</a:t>
+              <a:t>Step 3. Deployment Automatization- ver. 1</a:t>
             </a:r>
           </a:p>
         </p:txBody>
@@ -11380,7 +11380,7 @@
                 <a:ea typeface="+mn-ea"/>
                 <a:cs typeface="+mn-cs"/>
               </a:rPr>
-              <a:t>Step 1 - Model - ver. 1</a:t>
+              <a:t>Step 3. Deployment Automatization- ver. 1</a:t>
             </a:r>
           </a:p>
         </p:txBody>
@@ -11686,7 +11686,7 @@
         </p:spPr>
         <p:txBody>
           <a:bodyPr anchor="ctr">
-            <a:normAutofit/>
+            <a:normAutofit fontScale="92500" lnSpcReduction="10000"/>
           </a:bodyPr>
           <a:lstStyle/>
           <a:p>
@@ -11696,12 +11696,12 @@
               </a:spcAft>
             </a:pPr>
             <a:r>
-              <a:rPr lang="es-ES" sz="900">
+              <a:rPr lang="en-US" sz="900">
                 <a:solidFill>
                   <a:schemeClr val="bg1"/>
                 </a:solidFill>
               </a:rPr>
-              <a:t>Step 1 - Model - ver. 1</a:t>
+              <a:t>Step 3. Deployment Automatization- ver. 1</a:t>
             </a:r>
             <a:endParaRPr lang="ru-UA" sz="900">
               <a:solidFill>
@@ -12061,7 +12061,7 @@
                 <a:ea typeface="+mn-ea"/>
                 <a:cs typeface="+mn-cs"/>
               </a:rPr>
-              <a:t>Step 1 - Model - ver. 1</a:t>
+              <a:t>Step 3. Deployment Automatization- ver. 1</a:t>
             </a:r>
           </a:p>
         </p:txBody>
@@ -12356,7 +12356,7 @@
                 <a:ea typeface="+mn-ea"/>
                 <a:cs typeface="+mn-cs"/>
               </a:rPr>
-              <a:t>Step 1 - Model - ver. 1</a:t>
+              <a:t>Step 3. Deployment Automatization- ver. 1</a:t>
             </a:r>
           </a:p>
         </p:txBody>
@@ -12615,7 +12615,7 @@
                 <a:ea typeface="+mn-ea"/>
                 <a:cs typeface="+mn-cs"/>
               </a:rPr>
-              <a:t>Step 1 - Model - ver. 1</a:t>
+              <a:t>Step 3. Deployment Automatization- ver. 1</a:t>
             </a:r>
           </a:p>
         </p:txBody>
@@ -12908,7 +12908,7 @@
                 <a:ea typeface="+mn-ea"/>
                 <a:cs typeface="+mn-cs"/>
               </a:rPr>
-              <a:t>Step 1 - Model - ver. 1</a:t>
+              <a:t>Step 3. Deployment Automatization- ver. 1</a:t>
             </a:r>
           </a:p>
         </p:txBody>
@@ -13171,7 +13171,7 @@
                 <a:ea typeface="+mn-ea"/>
                 <a:cs typeface="+mn-cs"/>
               </a:rPr>
-              <a:t>Step 1 - Model - ver. 1</a:t>
+              <a:t>Step 3. Deployment Automatization- ver. 1</a:t>
             </a:r>
           </a:p>
         </p:txBody>
@@ -13455,7 +13455,7 @@
                 <a:ea typeface="+mn-ea"/>
                 <a:cs typeface="+mn-cs"/>
               </a:rPr>
-              <a:t>Step 1 - Model - ver. 1</a:t>
+              <a:t>Step 3. Deployment Automatization- ver. 1</a:t>
             </a:r>
           </a:p>
         </p:txBody>
@@ -13738,7 +13738,7 @@
                 <a:ea typeface="+mn-ea"/>
                 <a:cs typeface="+mn-cs"/>
               </a:rPr>
-              <a:t>Step 1 - Model - ver. 1</a:t>
+              <a:t>Step 3. Deployment Automatization- ver. 1</a:t>
             </a:r>
           </a:p>
         </p:txBody>
@@ -14087,7 +14087,7 @@
         </p:spPr>
         <p:txBody>
           <a:bodyPr anchor="ctr">
-            <a:normAutofit/>
+            <a:normAutofit fontScale="92500" lnSpcReduction="10000"/>
           </a:bodyPr>
           <a:lstStyle/>
           <a:p>
@@ -14097,12 +14097,12 @@
               </a:spcAft>
             </a:pPr>
             <a:r>
-              <a:rPr lang="es-ES" sz="900">
+              <a:rPr lang="en-US" sz="900">
                 <a:solidFill>
                   <a:schemeClr val="bg1"/>
                 </a:solidFill>
               </a:rPr>
-              <a:t>Step 1 - Model - ver. 1</a:t>
+              <a:t>Step 3. Deployment Automatization- ver. 1</a:t>
             </a:r>
             <a:endParaRPr lang="ru-UA" sz="900">
               <a:solidFill>
@@ -14364,7 +14364,7 @@
                 <a:ea typeface="+mn-ea"/>
                 <a:cs typeface="+mn-cs"/>
               </a:rPr>
-              <a:t>Step 1 - Model - ver. 1</a:t>
+              <a:t>Step 3. Deployment Automatization- ver. 1</a:t>
             </a:r>
           </a:p>
         </p:txBody>
@@ -14685,7 +14685,7 @@
                 <a:ea typeface="+mn-ea"/>
                 <a:cs typeface="+mn-cs"/>
               </a:rPr>
-              <a:t>Step 1 - Model - ver. 1</a:t>
+              <a:t>Step 3. Deployment Automatization- ver. 1</a:t>
             </a:r>
           </a:p>
         </p:txBody>
@@ -14964,7 +14964,7 @@
         </p:spPr>
         <p:txBody>
           <a:bodyPr anchor="ctr">
-            <a:normAutofit/>
+            <a:normAutofit fontScale="92500" lnSpcReduction="10000"/>
           </a:bodyPr>
           <a:lstStyle/>
           <a:p>
@@ -14974,12 +14974,12 @@
               </a:spcAft>
             </a:pPr>
             <a:r>
-              <a:rPr lang="es-ES" sz="900">
+              <a:rPr lang="en-US" sz="900">
                 <a:solidFill>
                   <a:schemeClr val="bg1"/>
                 </a:solidFill>
               </a:rPr>
-              <a:t>Step 1 - Model - ver. 1</a:t>
+              <a:t>Step 3. Deployment Automatization- ver. 1</a:t>
             </a:r>
             <a:endParaRPr lang="ru-UA" sz="900">
               <a:solidFill>
@@ -15318,7 +15318,7 @@
                 <a:ea typeface="+mn-ea"/>
                 <a:cs typeface="+mn-cs"/>
               </a:rPr>
-              <a:t>Step 1 - Model - ver. 1</a:t>
+              <a:t>Step 3. Deployment Automatization- ver. 1</a:t>
             </a:r>
           </a:p>
         </p:txBody>
@@ -15629,7 +15629,7 @@
                 <a:ea typeface="+mn-ea"/>
                 <a:cs typeface="+mn-cs"/>
               </a:rPr>
-              <a:t>Step 1 - Model - ver. 1</a:t>
+              <a:t>Step 3. Deployment Automatization- ver. 1</a:t>
             </a:r>
           </a:p>
         </p:txBody>
@@ -15900,7 +15900,7 @@
                 <a:ea typeface="+mn-ea"/>
                 <a:cs typeface="+mn-cs"/>
               </a:rPr>
-              <a:t>Step 1 - Model - ver. 1</a:t>
+              <a:t>Step 3. Deployment Automatization- ver. 1</a:t>
             </a:r>
           </a:p>
         </p:txBody>
@@ -16154,7 +16154,7 @@
                 <a:ea typeface="+mn-ea"/>
                 <a:cs typeface="+mn-cs"/>
               </a:rPr>
-              <a:t>Step 1 - Model - ver. 1</a:t>
+              <a:t>Step 3. Deployment Automatization- ver. 1</a:t>
             </a:r>
           </a:p>
         </p:txBody>
@@ -16417,7 +16417,7 @@
                 <a:ea typeface="+mn-ea"/>
                 <a:cs typeface="+mn-cs"/>
               </a:rPr>
-              <a:t>Step 1 - Model - ver. 1</a:t>
+              <a:t>Step 3. Deployment Automatization- ver. 1</a:t>
             </a:r>
           </a:p>
         </p:txBody>
@@ -16684,7 +16684,7 @@
                 <a:ea typeface="+mn-ea"/>
                 <a:cs typeface="+mn-cs"/>
               </a:rPr>
-              <a:t>Step 1 - Model - ver. 1</a:t>
+              <a:t>Step 3. Deployment Automatization- ver. 1</a:t>
             </a:r>
           </a:p>
         </p:txBody>
